--- a/common/img/Logo.pptx
+++ b/common/img/Logo.pptx
@@ -264,7 +264,7 @@
           <a:p>
             <a:fld id="{4967892D-CE2D-495A-A9CA-7CB88C831AAA}" type="datetimeFigureOut">
               <a:rPr lang="en-IN" smtClean="0"/>
-              <a:t>03-12-2021</a:t>
+              <a:t>21-12-2022</a:t>
             </a:fld>
             <a:endParaRPr lang="en-IN"/>
           </a:p>
@@ -464,7 +464,7 @@
           <a:p>
             <a:fld id="{4967892D-CE2D-495A-A9CA-7CB88C831AAA}" type="datetimeFigureOut">
               <a:rPr lang="en-IN" smtClean="0"/>
-              <a:t>03-12-2021</a:t>
+              <a:t>21-12-2022</a:t>
             </a:fld>
             <a:endParaRPr lang="en-IN"/>
           </a:p>
@@ -674,7 +674,7 @@
           <a:p>
             <a:fld id="{4967892D-CE2D-495A-A9CA-7CB88C831AAA}" type="datetimeFigureOut">
               <a:rPr lang="en-IN" smtClean="0"/>
-              <a:t>03-12-2021</a:t>
+              <a:t>21-12-2022</a:t>
             </a:fld>
             <a:endParaRPr lang="en-IN"/>
           </a:p>
@@ -874,7 +874,7 @@
           <a:p>
             <a:fld id="{4967892D-CE2D-495A-A9CA-7CB88C831AAA}" type="datetimeFigureOut">
               <a:rPr lang="en-IN" smtClean="0"/>
-              <a:t>03-12-2021</a:t>
+              <a:t>21-12-2022</a:t>
             </a:fld>
             <a:endParaRPr lang="en-IN"/>
           </a:p>
@@ -1150,7 +1150,7 @@
           <a:p>
             <a:fld id="{4967892D-CE2D-495A-A9CA-7CB88C831AAA}" type="datetimeFigureOut">
               <a:rPr lang="en-IN" smtClean="0"/>
-              <a:t>03-12-2021</a:t>
+              <a:t>21-12-2022</a:t>
             </a:fld>
             <a:endParaRPr lang="en-IN"/>
           </a:p>
@@ -1418,7 +1418,7 @@
           <a:p>
             <a:fld id="{4967892D-CE2D-495A-A9CA-7CB88C831AAA}" type="datetimeFigureOut">
               <a:rPr lang="en-IN" smtClean="0"/>
-              <a:t>03-12-2021</a:t>
+              <a:t>21-12-2022</a:t>
             </a:fld>
             <a:endParaRPr lang="en-IN"/>
           </a:p>
@@ -1833,7 +1833,7 @@
           <a:p>
             <a:fld id="{4967892D-CE2D-495A-A9CA-7CB88C831AAA}" type="datetimeFigureOut">
               <a:rPr lang="en-IN" smtClean="0"/>
-              <a:t>03-12-2021</a:t>
+              <a:t>21-12-2022</a:t>
             </a:fld>
             <a:endParaRPr lang="en-IN"/>
           </a:p>
@@ -1975,7 +1975,7 @@
           <a:p>
             <a:fld id="{4967892D-CE2D-495A-A9CA-7CB88C831AAA}" type="datetimeFigureOut">
               <a:rPr lang="en-IN" smtClean="0"/>
-              <a:t>03-12-2021</a:t>
+              <a:t>21-12-2022</a:t>
             </a:fld>
             <a:endParaRPr lang="en-IN"/>
           </a:p>
@@ -2088,7 +2088,7 @@
           <a:p>
             <a:fld id="{4967892D-CE2D-495A-A9CA-7CB88C831AAA}" type="datetimeFigureOut">
               <a:rPr lang="en-IN" smtClean="0"/>
-              <a:t>03-12-2021</a:t>
+              <a:t>21-12-2022</a:t>
             </a:fld>
             <a:endParaRPr lang="en-IN"/>
           </a:p>
@@ -2401,7 +2401,7 @@
           <a:p>
             <a:fld id="{4967892D-CE2D-495A-A9CA-7CB88C831AAA}" type="datetimeFigureOut">
               <a:rPr lang="en-IN" smtClean="0"/>
-              <a:t>03-12-2021</a:t>
+              <a:t>21-12-2022</a:t>
             </a:fld>
             <a:endParaRPr lang="en-IN"/>
           </a:p>
@@ -2690,7 +2690,7 @@
           <a:p>
             <a:fld id="{4967892D-CE2D-495A-A9CA-7CB88C831AAA}" type="datetimeFigureOut">
               <a:rPr lang="en-IN" smtClean="0"/>
-              <a:t>03-12-2021</a:t>
+              <a:t>21-12-2022</a:t>
             </a:fld>
             <a:endParaRPr lang="en-IN"/>
           </a:p>
@@ -2933,7 +2933,7 @@
           <a:p>
             <a:fld id="{4967892D-CE2D-495A-A9CA-7CB88C831AAA}" type="datetimeFigureOut">
               <a:rPr lang="en-IN" smtClean="0"/>
-              <a:t>03-12-2021</a:t>
+              <a:t>21-12-2022</a:t>
             </a:fld>
             <a:endParaRPr lang="en-IN"/>
           </a:p>
@@ -4347,15 +4347,8 @@
                 <a:latin typeface="Arial" panose="020B0604020202020204" pitchFamily="34" charset="0"/>
                 <a:cs typeface="Arial" panose="020B0604020202020204" pitchFamily="34" charset="0"/>
               </a:rPr>
-              <a:t>WEB APPS </a:t>
-            </a:r>
-            <a:endParaRPr lang="en-US" sz="2800" b="1" i="1" dirty="0">
-              <a:solidFill>
-                <a:schemeClr val="bg1"/>
-              </a:solidFill>
-              <a:latin typeface="Arial" panose="020B0604020202020204" pitchFamily="34" charset="0"/>
-              <a:cs typeface="Arial" panose="020B0604020202020204" pitchFamily="34" charset="0"/>
-            </a:endParaRPr>
+              <a:t>RESPIMATIC 100</a:t>
+            </a:r>
           </a:p>
           <a:p>
             <a:pPr algn="ctr"/>
@@ -4367,7 +4360,7 @@
                 <a:latin typeface="Arial" panose="020B0604020202020204" pitchFamily="34" charset="0"/>
                 <a:cs typeface="Arial" panose="020B0604020202020204" pitchFamily="34" charset="0"/>
               </a:rPr>
-              <a:t>RESPIMATIC 100 </a:t>
+              <a:t>WEB APPS </a:t>
             </a:r>
             <a:endParaRPr lang="en-IN" sz="2800" b="1" dirty="0">
               <a:solidFill>
@@ -4575,6 +4568,19 @@
                 <a:latin typeface="Arial" panose="020B0604020202020204" pitchFamily="34" charset="0"/>
                 <a:cs typeface="Arial" panose="020B0604020202020204" pitchFamily="34" charset="0"/>
               </a:rPr>
+              <a:t>RESPIMATIC 100</a:t>
+            </a:r>
+          </a:p>
+          <a:p>
+            <a:pPr algn="ctr"/>
+            <a:r>
+              <a:rPr lang="en-US" sz="2800" b="1" dirty="0">
+                <a:solidFill>
+                  <a:schemeClr val="bg1"/>
+                </a:solidFill>
+                <a:latin typeface="Arial" panose="020B0604020202020204" pitchFamily="34" charset="0"/>
+                <a:cs typeface="Arial" panose="020B0604020202020204" pitchFamily="34" charset="0"/>
+              </a:rPr>
               <a:t>O</a:t>
             </a:r>
             <a:r>
@@ -4595,27 +4601,7 @@
                 <a:latin typeface="Arial" panose="020B0604020202020204" pitchFamily="34" charset="0"/>
                 <a:cs typeface="Arial" panose="020B0604020202020204" pitchFamily="34" charset="0"/>
               </a:rPr>
-              <a:t> Flow Rate Calculator</a:t>
-            </a:r>
-            <a:endParaRPr lang="en-US" sz="2800" b="1" i="1" dirty="0">
-              <a:solidFill>
-                <a:schemeClr val="bg1"/>
-              </a:solidFill>
-              <a:latin typeface="Arial" panose="020B0604020202020204" pitchFamily="34" charset="0"/>
-              <a:cs typeface="Arial" panose="020B0604020202020204" pitchFamily="34" charset="0"/>
-            </a:endParaRPr>
-          </a:p>
-          <a:p>
-            <a:pPr algn="ctr"/>
-            <a:r>
-              <a:rPr lang="en-US" sz="2800" b="1" dirty="0">
-                <a:solidFill>
-                  <a:schemeClr val="bg1"/>
-                </a:solidFill>
-                <a:latin typeface="Arial" panose="020B0604020202020204" pitchFamily="34" charset="0"/>
-                <a:cs typeface="Arial" panose="020B0604020202020204" pitchFamily="34" charset="0"/>
-              </a:rPr>
-              <a:t>RESPIMATIC 100 </a:t>
+              <a:t> Flow Rate Calculator </a:t>
             </a:r>
             <a:endParaRPr lang="en-IN" sz="2800" b="1" dirty="0">
               <a:solidFill>

--- a/common/img/Logo.pptx
+++ b/common/img/Logo.pptx
@@ -4324,12 +4324,10 @@
             <a:avLst/>
           </a:prstGeom>
           <a:solidFill>
-            <a:srgbClr val="1D85AD"/>
+            <a:srgbClr val="0D3E51"/>
           </a:solidFill>
           <a:ln w="12700">
-            <a:solidFill>
-              <a:schemeClr val="bg1"/>
-            </a:solidFill>
+            <a:noFill/>
           </a:ln>
         </p:spPr>
         <p:txBody>

--- a/common/img/Logo.pptx
+++ b/common/img/Logo.pptx
@@ -4324,7 +4324,7 @@
             <a:avLst/>
           </a:prstGeom>
           <a:solidFill>
-            <a:srgbClr val="0D3E51"/>
+            <a:srgbClr val="1D85AD"/>
           </a:solidFill>
           <a:ln w="12700">
             <a:noFill/>

--- a/common/img/Logo.pptx
+++ b/common/img/Logo.pptx
@@ -264,7 +264,7 @@
           <a:p>
             <a:fld id="{4967892D-CE2D-495A-A9CA-7CB88C831AAA}" type="datetimeFigureOut">
               <a:rPr lang="en-IN" smtClean="0"/>
-              <a:t>21-12-2022</a:t>
+              <a:t>23-12-2022</a:t>
             </a:fld>
             <a:endParaRPr lang="en-IN"/>
           </a:p>
@@ -464,7 +464,7 @@
           <a:p>
             <a:fld id="{4967892D-CE2D-495A-A9CA-7CB88C831AAA}" type="datetimeFigureOut">
               <a:rPr lang="en-IN" smtClean="0"/>
-              <a:t>21-12-2022</a:t>
+              <a:t>23-12-2022</a:t>
             </a:fld>
             <a:endParaRPr lang="en-IN"/>
           </a:p>
@@ -674,7 +674,7 @@
           <a:p>
             <a:fld id="{4967892D-CE2D-495A-A9CA-7CB88C831AAA}" type="datetimeFigureOut">
               <a:rPr lang="en-IN" smtClean="0"/>
-              <a:t>21-12-2022</a:t>
+              <a:t>23-12-2022</a:t>
             </a:fld>
             <a:endParaRPr lang="en-IN"/>
           </a:p>
@@ -874,7 +874,7 @@
           <a:p>
             <a:fld id="{4967892D-CE2D-495A-A9CA-7CB88C831AAA}" type="datetimeFigureOut">
               <a:rPr lang="en-IN" smtClean="0"/>
-              <a:t>21-12-2022</a:t>
+              <a:t>23-12-2022</a:t>
             </a:fld>
             <a:endParaRPr lang="en-IN"/>
           </a:p>
@@ -1150,7 +1150,7 @@
           <a:p>
             <a:fld id="{4967892D-CE2D-495A-A9CA-7CB88C831AAA}" type="datetimeFigureOut">
               <a:rPr lang="en-IN" smtClean="0"/>
-              <a:t>21-12-2022</a:t>
+              <a:t>23-12-2022</a:t>
             </a:fld>
             <a:endParaRPr lang="en-IN"/>
           </a:p>
@@ -1418,7 +1418,7 @@
           <a:p>
             <a:fld id="{4967892D-CE2D-495A-A9CA-7CB88C831AAA}" type="datetimeFigureOut">
               <a:rPr lang="en-IN" smtClean="0"/>
-              <a:t>21-12-2022</a:t>
+              <a:t>23-12-2022</a:t>
             </a:fld>
             <a:endParaRPr lang="en-IN"/>
           </a:p>
@@ -1833,7 +1833,7 @@
           <a:p>
             <a:fld id="{4967892D-CE2D-495A-A9CA-7CB88C831AAA}" type="datetimeFigureOut">
               <a:rPr lang="en-IN" smtClean="0"/>
-              <a:t>21-12-2022</a:t>
+              <a:t>23-12-2022</a:t>
             </a:fld>
             <a:endParaRPr lang="en-IN"/>
           </a:p>
@@ -1975,7 +1975,7 @@
           <a:p>
             <a:fld id="{4967892D-CE2D-495A-A9CA-7CB88C831AAA}" type="datetimeFigureOut">
               <a:rPr lang="en-IN" smtClean="0"/>
-              <a:t>21-12-2022</a:t>
+              <a:t>23-12-2022</a:t>
             </a:fld>
             <a:endParaRPr lang="en-IN"/>
           </a:p>
@@ -2088,7 +2088,7 @@
           <a:p>
             <a:fld id="{4967892D-CE2D-495A-A9CA-7CB88C831AAA}" type="datetimeFigureOut">
               <a:rPr lang="en-IN" smtClean="0"/>
-              <a:t>21-12-2022</a:t>
+              <a:t>23-12-2022</a:t>
             </a:fld>
             <a:endParaRPr lang="en-IN"/>
           </a:p>
@@ -2401,7 +2401,7 @@
           <a:p>
             <a:fld id="{4967892D-CE2D-495A-A9CA-7CB88C831AAA}" type="datetimeFigureOut">
               <a:rPr lang="en-IN" smtClean="0"/>
-              <a:t>21-12-2022</a:t>
+              <a:t>23-12-2022</a:t>
             </a:fld>
             <a:endParaRPr lang="en-IN"/>
           </a:p>
@@ -2690,7 +2690,7 @@
           <a:p>
             <a:fld id="{4967892D-CE2D-495A-A9CA-7CB88C831AAA}" type="datetimeFigureOut">
               <a:rPr lang="en-IN" smtClean="0"/>
-              <a:t>21-12-2022</a:t>
+              <a:t>23-12-2022</a:t>
             </a:fld>
             <a:endParaRPr lang="en-IN"/>
           </a:p>
@@ -2933,7 +2933,7 @@
           <a:p>
             <a:fld id="{4967892D-CE2D-495A-A9CA-7CB88C831AAA}" type="datetimeFigureOut">
               <a:rPr lang="en-IN" smtClean="0"/>
-              <a:t>21-12-2022</a:t>
+              <a:t>23-12-2022</a:t>
             </a:fld>
             <a:endParaRPr lang="en-IN"/>
           </a:p>
@@ -4317,7 +4317,7 @@
         </p:nvSpPr>
         <p:spPr>
           <a:xfrm>
-            <a:off x="260552" y="291461"/>
+            <a:off x="260552" y="238195"/>
             <a:ext cx="4316360" cy="954107"/>
           </a:xfrm>
           <a:prstGeom prst="rect">
@@ -4326,8 +4326,10 @@
           <a:solidFill>
             <a:srgbClr val="1D85AD"/>
           </a:solidFill>
-          <a:ln w="12700">
-            <a:noFill/>
+          <a:ln w="28575">
+            <a:solidFill>
+              <a:schemeClr val="bg1"/>
+            </a:solidFill>
           </a:ln>
         </p:spPr>
         <p:txBody>

--- a/common/img/Logo.pptx
+++ b/common/img/Logo.pptx
@@ -264,7 +264,7 @@
           <a:p>
             <a:fld id="{4967892D-CE2D-495A-A9CA-7CB88C831AAA}" type="datetimeFigureOut">
               <a:rPr lang="en-IN" smtClean="0"/>
-              <a:t>23-12-2022</a:t>
+              <a:t>01-01-2023</a:t>
             </a:fld>
             <a:endParaRPr lang="en-IN"/>
           </a:p>
@@ -464,7 +464,7 @@
           <a:p>
             <a:fld id="{4967892D-CE2D-495A-A9CA-7CB88C831AAA}" type="datetimeFigureOut">
               <a:rPr lang="en-IN" smtClean="0"/>
-              <a:t>23-12-2022</a:t>
+              <a:t>01-01-2023</a:t>
             </a:fld>
             <a:endParaRPr lang="en-IN"/>
           </a:p>
@@ -674,7 +674,7 @@
           <a:p>
             <a:fld id="{4967892D-CE2D-495A-A9CA-7CB88C831AAA}" type="datetimeFigureOut">
               <a:rPr lang="en-IN" smtClean="0"/>
-              <a:t>23-12-2022</a:t>
+              <a:t>01-01-2023</a:t>
             </a:fld>
             <a:endParaRPr lang="en-IN"/>
           </a:p>
@@ -874,7 +874,7 @@
           <a:p>
             <a:fld id="{4967892D-CE2D-495A-A9CA-7CB88C831AAA}" type="datetimeFigureOut">
               <a:rPr lang="en-IN" smtClean="0"/>
-              <a:t>23-12-2022</a:t>
+              <a:t>01-01-2023</a:t>
             </a:fld>
             <a:endParaRPr lang="en-IN"/>
           </a:p>
@@ -1150,7 +1150,7 @@
           <a:p>
             <a:fld id="{4967892D-CE2D-495A-A9CA-7CB88C831AAA}" type="datetimeFigureOut">
               <a:rPr lang="en-IN" smtClean="0"/>
-              <a:t>23-12-2022</a:t>
+              <a:t>01-01-2023</a:t>
             </a:fld>
             <a:endParaRPr lang="en-IN"/>
           </a:p>
@@ -1418,7 +1418,7 @@
           <a:p>
             <a:fld id="{4967892D-CE2D-495A-A9CA-7CB88C831AAA}" type="datetimeFigureOut">
               <a:rPr lang="en-IN" smtClean="0"/>
-              <a:t>23-12-2022</a:t>
+              <a:t>01-01-2023</a:t>
             </a:fld>
             <a:endParaRPr lang="en-IN"/>
           </a:p>
@@ -1833,7 +1833,7 @@
           <a:p>
             <a:fld id="{4967892D-CE2D-495A-A9CA-7CB88C831AAA}" type="datetimeFigureOut">
               <a:rPr lang="en-IN" smtClean="0"/>
-              <a:t>23-12-2022</a:t>
+              <a:t>01-01-2023</a:t>
             </a:fld>
             <a:endParaRPr lang="en-IN"/>
           </a:p>
@@ -1975,7 +1975,7 @@
           <a:p>
             <a:fld id="{4967892D-CE2D-495A-A9CA-7CB88C831AAA}" type="datetimeFigureOut">
               <a:rPr lang="en-IN" smtClean="0"/>
-              <a:t>23-12-2022</a:t>
+              <a:t>01-01-2023</a:t>
             </a:fld>
             <a:endParaRPr lang="en-IN"/>
           </a:p>
@@ -2088,7 +2088,7 @@
           <a:p>
             <a:fld id="{4967892D-CE2D-495A-A9CA-7CB88C831AAA}" type="datetimeFigureOut">
               <a:rPr lang="en-IN" smtClean="0"/>
-              <a:t>23-12-2022</a:t>
+              <a:t>01-01-2023</a:t>
             </a:fld>
             <a:endParaRPr lang="en-IN"/>
           </a:p>
@@ -2401,7 +2401,7 @@
           <a:p>
             <a:fld id="{4967892D-CE2D-495A-A9CA-7CB88C831AAA}" type="datetimeFigureOut">
               <a:rPr lang="en-IN" smtClean="0"/>
-              <a:t>23-12-2022</a:t>
+              <a:t>01-01-2023</a:t>
             </a:fld>
             <a:endParaRPr lang="en-IN"/>
           </a:p>
@@ -2690,7 +2690,7 @@
           <a:p>
             <a:fld id="{4967892D-CE2D-495A-A9CA-7CB88C831AAA}" type="datetimeFigureOut">
               <a:rPr lang="en-IN" smtClean="0"/>
-              <a:t>23-12-2022</a:t>
+              <a:t>01-01-2023</a:t>
             </a:fld>
             <a:endParaRPr lang="en-IN"/>
           </a:p>
@@ -2933,7 +2933,7 @@
           <a:p>
             <a:fld id="{4967892D-CE2D-495A-A9CA-7CB88C831AAA}" type="datetimeFigureOut">
               <a:rPr lang="en-IN" smtClean="0"/>
-              <a:t>23-12-2022</a:t>
+              <a:t>01-01-2023</a:t>
             </a:fld>
             <a:endParaRPr lang="en-IN"/>
           </a:p>
@@ -4613,6 +4613,104 @@
           </a:p>
         </p:txBody>
       </p:sp>
+      <p:sp>
+        <p:nvSpPr>
+          <p:cNvPr id="6" name="TextBox 5">
+            <a:extLst>
+              <a:ext uri="{FF2B5EF4-FFF2-40B4-BE49-F238E27FC236}">
+                <a16:creationId xmlns:a16="http://schemas.microsoft.com/office/drawing/2014/main" id="{5E75C8CE-937F-50B2-B4CD-CB43AA979591}"/>
+              </a:ext>
+            </a:extLst>
+          </p:cNvPr>
+          <p:cNvSpPr txBox="1"/>
+          <p:nvPr/>
+        </p:nvSpPr>
+        <p:spPr>
+          <a:xfrm>
+            <a:off x="6338656" y="184928"/>
+            <a:ext cx="3069188" cy="954107"/>
+          </a:xfrm>
+          <a:prstGeom prst="rect">
+            <a:avLst/>
+          </a:prstGeom>
+          <a:solidFill>
+            <a:srgbClr val="0D3E51"/>
+          </a:solidFill>
+          <a:ln w="28575">
+            <a:solidFill>
+              <a:schemeClr val="bg1"/>
+            </a:solidFill>
+          </a:ln>
+        </p:spPr>
+        <p:txBody>
+          <a:bodyPr wrap="square" rtlCol="0">
+            <a:spAutoFit/>
+          </a:bodyPr>
+          <a:lstStyle/>
+          <a:p>
+            <a:pPr algn="ctr"/>
+            <a:r>
+              <a:rPr lang="en-US" sz="2800" b="1" dirty="0">
+                <a:solidFill>
+                  <a:schemeClr val="bg1"/>
+                </a:solidFill>
+                <a:latin typeface="Arial" panose="020B0604020202020204" pitchFamily="34" charset="0"/>
+                <a:cs typeface="Arial" panose="020B0604020202020204" pitchFamily="34" charset="0"/>
+              </a:rPr>
+              <a:t>RESPIMATIC 100</a:t>
+            </a:r>
+          </a:p>
+          <a:p>
+            <a:pPr algn="ctr"/>
+            <a:r>
+              <a:rPr lang="en-US" sz="2800" b="1" dirty="0">
+                <a:solidFill>
+                  <a:schemeClr val="bg1"/>
+                </a:solidFill>
+                <a:latin typeface="Arial" panose="020B0604020202020204" pitchFamily="34" charset="0"/>
+                <a:cs typeface="Arial" panose="020B0604020202020204" pitchFamily="34" charset="0"/>
+              </a:rPr>
+              <a:t>Documents</a:t>
+            </a:r>
+            <a:endParaRPr lang="en-IN" sz="2800" b="1" dirty="0">
+              <a:solidFill>
+                <a:schemeClr val="bg1"/>
+              </a:solidFill>
+              <a:latin typeface="Arial" panose="020B0604020202020204" pitchFamily="34" charset="0"/>
+              <a:cs typeface="Arial" panose="020B0604020202020204" pitchFamily="34" charset="0"/>
+            </a:endParaRPr>
+          </a:p>
+        </p:txBody>
+      </p:sp>
+      <p:pic>
+        <p:nvPicPr>
+          <p:cNvPr id="7" name="Picture 6">
+            <a:extLst>
+              <a:ext uri="{FF2B5EF4-FFF2-40B4-BE49-F238E27FC236}">
+                <a16:creationId xmlns:a16="http://schemas.microsoft.com/office/drawing/2014/main" id="{40A41973-B853-6FB6-2504-06725DF5E755}"/>
+              </a:ext>
+            </a:extLst>
+          </p:cNvPr>
+          <p:cNvPicPr>
+            <a:picLocks noChangeAspect="1"/>
+          </p:cNvPicPr>
+          <p:nvPr/>
+        </p:nvPicPr>
+        <p:blipFill rotWithShape="1">
+          <a:blip r:embed="rId2"/>
+          <a:srcRect t="15238" r="14265"/>
+          <a:stretch/>
+        </p:blipFill>
+        <p:spPr>
+          <a:xfrm>
+            <a:off x="119641" y="5336816"/>
+            <a:ext cx="1981500" cy="1403547"/>
+          </a:xfrm>
+          <a:prstGeom prst="rect">
+            <a:avLst/>
+          </a:prstGeom>
+        </p:spPr>
+      </p:pic>
     </p:spTree>
     <p:extLst>
       <p:ext uri="{BB962C8B-B14F-4D97-AF65-F5344CB8AC3E}">

--- a/common/img/Logo.pptx
+++ b/common/img/Logo.pptx
@@ -264,7 +264,7 @@
           <a:p>
             <a:fld id="{4967892D-CE2D-495A-A9CA-7CB88C831AAA}" type="datetimeFigureOut">
               <a:rPr lang="en-IN" smtClean="0"/>
-              <a:t>01-01-2023</a:t>
+              <a:t>06-04-2023</a:t>
             </a:fld>
             <a:endParaRPr lang="en-IN"/>
           </a:p>
@@ -464,7 +464,7 @@
           <a:p>
             <a:fld id="{4967892D-CE2D-495A-A9CA-7CB88C831AAA}" type="datetimeFigureOut">
               <a:rPr lang="en-IN" smtClean="0"/>
-              <a:t>01-01-2023</a:t>
+              <a:t>06-04-2023</a:t>
             </a:fld>
             <a:endParaRPr lang="en-IN"/>
           </a:p>
@@ -674,7 +674,7 @@
           <a:p>
             <a:fld id="{4967892D-CE2D-495A-A9CA-7CB88C831AAA}" type="datetimeFigureOut">
               <a:rPr lang="en-IN" smtClean="0"/>
-              <a:t>01-01-2023</a:t>
+              <a:t>06-04-2023</a:t>
             </a:fld>
             <a:endParaRPr lang="en-IN"/>
           </a:p>
@@ -874,7 +874,7 @@
           <a:p>
             <a:fld id="{4967892D-CE2D-495A-A9CA-7CB88C831AAA}" type="datetimeFigureOut">
               <a:rPr lang="en-IN" smtClean="0"/>
-              <a:t>01-01-2023</a:t>
+              <a:t>06-04-2023</a:t>
             </a:fld>
             <a:endParaRPr lang="en-IN"/>
           </a:p>
@@ -1150,7 +1150,7 @@
           <a:p>
             <a:fld id="{4967892D-CE2D-495A-A9CA-7CB88C831AAA}" type="datetimeFigureOut">
               <a:rPr lang="en-IN" smtClean="0"/>
-              <a:t>01-01-2023</a:t>
+              <a:t>06-04-2023</a:t>
             </a:fld>
             <a:endParaRPr lang="en-IN"/>
           </a:p>
@@ -1418,7 +1418,7 @@
           <a:p>
             <a:fld id="{4967892D-CE2D-495A-A9CA-7CB88C831AAA}" type="datetimeFigureOut">
               <a:rPr lang="en-IN" smtClean="0"/>
-              <a:t>01-01-2023</a:t>
+              <a:t>06-04-2023</a:t>
             </a:fld>
             <a:endParaRPr lang="en-IN"/>
           </a:p>
@@ -1833,7 +1833,7 @@
           <a:p>
             <a:fld id="{4967892D-CE2D-495A-A9CA-7CB88C831AAA}" type="datetimeFigureOut">
               <a:rPr lang="en-IN" smtClean="0"/>
-              <a:t>01-01-2023</a:t>
+              <a:t>06-04-2023</a:t>
             </a:fld>
             <a:endParaRPr lang="en-IN"/>
           </a:p>
@@ -1975,7 +1975,7 @@
           <a:p>
             <a:fld id="{4967892D-CE2D-495A-A9CA-7CB88C831AAA}" type="datetimeFigureOut">
               <a:rPr lang="en-IN" smtClean="0"/>
-              <a:t>01-01-2023</a:t>
+              <a:t>06-04-2023</a:t>
             </a:fld>
             <a:endParaRPr lang="en-IN"/>
           </a:p>
@@ -2088,7 +2088,7 @@
           <a:p>
             <a:fld id="{4967892D-CE2D-495A-A9CA-7CB88C831AAA}" type="datetimeFigureOut">
               <a:rPr lang="en-IN" smtClean="0"/>
-              <a:t>01-01-2023</a:t>
+              <a:t>06-04-2023</a:t>
             </a:fld>
             <a:endParaRPr lang="en-IN"/>
           </a:p>
@@ -2401,7 +2401,7 @@
           <a:p>
             <a:fld id="{4967892D-CE2D-495A-A9CA-7CB88C831AAA}" type="datetimeFigureOut">
               <a:rPr lang="en-IN" smtClean="0"/>
-              <a:t>01-01-2023</a:t>
+              <a:t>06-04-2023</a:t>
             </a:fld>
             <a:endParaRPr lang="en-IN"/>
           </a:p>
@@ -2690,7 +2690,7 @@
           <a:p>
             <a:fld id="{4967892D-CE2D-495A-A9CA-7CB88C831AAA}" type="datetimeFigureOut">
               <a:rPr lang="en-IN" smtClean="0"/>
-              <a:t>01-01-2023</a:t>
+              <a:t>06-04-2023</a:t>
             </a:fld>
             <a:endParaRPr lang="en-IN"/>
           </a:p>
@@ -2933,7 +2933,7 @@
           <a:p>
             <a:fld id="{4967892D-CE2D-495A-A9CA-7CB88C831AAA}" type="datetimeFigureOut">
               <a:rPr lang="en-IN" smtClean="0"/>
-              <a:t>01-01-2023</a:t>
+              <a:t>06-04-2023</a:t>
             </a:fld>
             <a:endParaRPr lang="en-IN"/>
           </a:p>
@@ -4711,6 +4711,75 @@
           </a:prstGeom>
         </p:spPr>
       </p:pic>
+      <p:sp>
+        <p:nvSpPr>
+          <p:cNvPr id="8" name="TextBox 7">
+            <a:extLst>
+              <a:ext uri="{FF2B5EF4-FFF2-40B4-BE49-F238E27FC236}">
+                <a16:creationId xmlns:a16="http://schemas.microsoft.com/office/drawing/2014/main" id="{7C5F11AA-3E06-6C64-CBC5-8A6CCE175CD8}"/>
+              </a:ext>
+            </a:extLst>
+          </p:cNvPr>
+          <p:cNvSpPr txBox="1"/>
+          <p:nvPr/>
+        </p:nvSpPr>
+        <p:spPr>
+          <a:xfrm>
+            <a:off x="5801698" y="1799996"/>
+            <a:ext cx="4316360" cy="954107"/>
+          </a:xfrm>
+          <a:prstGeom prst="rect">
+            <a:avLst/>
+          </a:prstGeom>
+          <a:solidFill>
+            <a:srgbClr val="1D85AD"/>
+          </a:solidFill>
+          <a:ln w="12700">
+            <a:solidFill>
+              <a:schemeClr val="bg1"/>
+            </a:solidFill>
+          </a:ln>
+        </p:spPr>
+        <p:txBody>
+          <a:bodyPr wrap="square" rtlCol="0">
+            <a:spAutoFit/>
+          </a:bodyPr>
+          <a:lstStyle/>
+          <a:p>
+            <a:pPr algn="ctr"/>
+            <a:r>
+              <a:rPr lang="en-US" sz="2800" b="1" dirty="0">
+                <a:solidFill>
+                  <a:schemeClr val="bg1"/>
+                </a:solidFill>
+                <a:latin typeface="Arial" panose="020B0604020202020204" pitchFamily="34" charset="0"/>
+                <a:cs typeface="Arial" panose="020B0604020202020204" pitchFamily="34" charset="0"/>
+              </a:rPr>
+              <a:t>RESPIMATIC 100</a:t>
+            </a:r>
+          </a:p>
+          <a:p>
+            <a:pPr algn="ctr"/>
+            <a:r>
+              <a:rPr lang="en-US" sz="2800" b="1" dirty="0">
+                <a:solidFill>
+                  <a:schemeClr val="bg1"/>
+                </a:solidFill>
+                <a:latin typeface="Arial" panose="020B0604020202020204" pitchFamily="34" charset="0"/>
+                <a:cs typeface="Arial" panose="020B0604020202020204" pitchFamily="34" charset="0"/>
+              </a:rPr>
+              <a:t>PSV Settings Calculator</a:t>
+            </a:r>
+            <a:endParaRPr lang="en-IN" sz="2800" b="1" dirty="0">
+              <a:solidFill>
+                <a:schemeClr val="bg1"/>
+              </a:solidFill>
+              <a:latin typeface="Arial" panose="020B0604020202020204" pitchFamily="34" charset="0"/>
+              <a:cs typeface="Arial" panose="020B0604020202020204" pitchFamily="34" charset="0"/>
+            </a:endParaRPr>
+          </a:p>
+        </p:txBody>
+      </p:sp>
     </p:spTree>
     <p:extLst>
       <p:ext uri="{BB962C8B-B14F-4D97-AF65-F5344CB8AC3E}">

--- a/common/img/Logo.pptx
+++ b/common/img/Logo.pptx
@@ -264,7 +264,7 @@
           <a:p>
             <a:fld id="{4967892D-CE2D-495A-A9CA-7CB88C831AAA}" type="datetimeFigureOut">
               <a:rPr lang="en-IN" smtClean="0"/>
-              <a:t>06-04-2023</a:t>
+              <a:t>16-05-2023</a:t>
             </a:fld>
             <a:endParaRPr lang="en-IN"/>
           </a:p>
@@ -464,7 +464,7 @@
           <a:p>
             <a:fld id="{4967892D-CE2D-495A-A9CA-7CB88C831AAA}" type="datetimeFigureOut">
               <a:rPr lang="en-IN" smtClean="0"/>
-              <a:t>06-04-2023</a:t>
+              <a:t>16-05-2023</a:t>
             </a:fld>
             <a:endParaRPr lang="en-IN"/>
           </a:p>
@@ -674,7 +674,7 @@
           <a:p>
             <a:fld id="{4967892D-CE2D-495A-A9CA-7CB88C831AAA}" type="datetimeFigureOut">
               <a:rPr lang="en-IN" smtClean="0"/>
-              <a:t>06-04-2023</a:t>
+              <a:t>16-05-2023</a:t>
             </a:fld>
             <a:endParaRPr lang="en-IN"/>
           </a:p>
@@ -874,7 +874,7 @@
           <a:p>
             <a:fld id="{4967892D-CE2D-495A-A9CA-7CB88C831AAA}" type="datetimeFigureOut">
               <a:rPr lang="en-IN" smtClean="0"/>
-              <a:t>06-04-2023</a:t>
+              <a:t>16-05-2023</a:t>
             </a:fld>
             <a:endParaRPr lang="en-IN"/>
           </a:p>
@@ -1150,7 +1150,7 @@
           <a:p>
             <a:fld id="{4967892D-CE2D-495A-A9CA-7CB88C831AAA}" type="datetimeFigureOut">
               <a:rPr lang="en-IN" smtClean="0"/>
-              <a:t>06-04-2023</a:t>
+              <a:t>16-05-2023</a:t>
             </a:fld>
             <a:endParaRPr lang="en-IN"/>
           </a:p>
@@ -1418,7 +1418,7 @@
           <a:p>
             <a:fld id="{4967892D-CE2D-495A-A9CA-7CB88C831AAA}" type="datetimeFigureOut">
               <a:rPr lang="en-IN" smtClean="0"/>
-              <a:t>06-04-2023</a:t>
+              <a:t>16-05-2023</a:t>
             </a:fld>
             <a:endParaRPr lang="en-IN"/>
           </a:p>
@@ -1833,7 +1833,7 @@
           <a:p>
             <a:fld id="{4967892D-CE2D-495A-A9CA-7CB88C831AAA}" type="datetimeFigureOut">
               <a:rPr lang="en-IN" smtClean="0"/>
-              <a:t>06-04-2023</a:t>
+              <a:t>16-05-2023</a:t>
             </a:fld>
             <a:endParaRPr lang="en-IN"/>
           </a:p>
@@ -1975,7 +1975,7 @@
           <a:p>
             <a:fld id="{4967892D-CE2D-495A-A9CA-7CB88C831AAA}" type="datetimeFigureOut">
               <a:rPr lang="en-IN" smtClean="0"/>
-              <a:t>06-04-2023</a:t>
+              <a:t>16-05-2023</a:t>
             </a:fld>
             <a:endParaRPr lang="en-IN"/>
           </a:p>
@@ -2088,7 +2088,7 @@
           <a:p>
             <a:fld id="{4967892D-CE2D-495A-A9CA-7CB88C831AAA}" type="datetimeFigureOut">
               <a:rPr lang="en-IN" smtClean="0"/>
-              <a:t>06-04-2023</a:t>
+              <a:t>16-05-2023</a:t>
             </a:fld>
             <a:endParaRPr lang="en-IN"/>
           </a:p>
@@ -2401,7 +2401,7 @@
           <a:p>
             <a:fld id="{4967892D-CE2D-495A-A9CA-7CB88C831AAA}" type="datetimeFigureOut">
               <a:rPr lang="en-IN" smtClean="0"/>
-              <a:t>06-04-2023</a:t>
+              <a:t>16-05-2023</a:t>
             </a:fld>
             <a:endParaRPr lang="en-IN"/>
           </a:p>
@@ -2690,7 +2690,7 @@
           <a:p>
             <a:fld id="{4967892D-CE2D-495A-A9CA-7CB88C831AAA}" type="datetimeFigureOut">
               <a:rPr lang="en-IN" smtClean="0"/>
-              <a:t>06-04-2023</a:t>
+              <a:t>16-05-2023</a:t>
             </a:fld>
             <a:endParaRPr lang="en-IN"/>
           </a:p>
@@ -2933,7 +2933,7 @@
           <a:p>
             <a:fld id="{4967892D-CE2D-495A-A9CA-7CB88C831AAA}" type="datetimeFigureOut">
               <a:rPr lang="en-IN" smtClean="0"/>
-              <a:t>06-04-2023</a:t>
+              <a:t>16-05-2023</a:t>
             </a:fld>
             <a:endParaRPr lang="en-IN"/>
           </a:p>
@@ -4769,6 +4769,75 @@
                 <a:cs typeface="Arial" panose="020B0604020202020204" pitchFamily="34" charset="0"/>
               </a:rPr>
               <a:t>PSV Settings Calculator</a:t>
+            </a:r>
+            <a:endParaRPr lang="en-IN" sz="2800" b="1" dirty="0">
+              <a:solidFill>
+                <a:schemeClr val="bg1"/>
+              </a:solidFill>
+              <a:latin typeface="Arial" panose="020B0604020202020204" pitchFamily="34" charset="0"/>
+              <a:cs typeface="Arial" panose="020B0604020202020204" pitchFamily="34" charset="0"/>
+            </a:endParaRPr>
+          </a:p>
+        </p:txBody>
+      </p:sp>
+      <p:sp>
+        <p:nvSpPr>
+          <p:cNvPr id="9" name="TextBox 8">
+            <a:extLst>
+              <a:ext uri="{FF2B5EF4-FFF2-40B4-BE49-F238E27FC236}">
+                <a16:creationId xmlns:a16="http://schemas.microsoft.com/office/drawing/2014/main" id="{8A79EC56-071D-B4E7-A68A-F536BEF9A3DA}"/>
+              </a:ext>
+            </a:extLst>
+          </p:cNvPr>
+          <p:cNvSpPr txBox="1"/>
+          <p:nvPr/>
+        </p:nvSpPr>
+        <p:spPr>
+          <a:xfrm>
+            <a:off x="6096000" y="2848684"/>
+            <a:ext cx="4316360" cy="954107"/>
+          </a:xfrm>
+          <a:prstGeom prst="rect">
+            <a:avLst/>
+          </a:prstGeom>
+          <a:solidFill>
+            <a:srgbClr val="1D85AD"/>
+          </a:solidFill>
+          <a:ln w="12700">
+            <a:solidFill>
+              <a:schemeClr val="bg1"/>
+            </a:solidFill>
+          </a:ln>
+        </p:spPr>
+        <p:txBody>
+          <a:bodyPr wrap="square" rtlCol="0">
+            <a:spAutoFit/>
+          </a:bodyPr>
+          <a:lstStyle/>
+          <a:p>
+            <a:pPr algn="ctr"/>
+            <a:r>
+              <a:rPr lang="en-US" sz="2800" b="1" dirty="0">
+                <a:solidFill>
+                  <a:schemeClr val="bg1"/>
+                </a:solidFill>
+                <a:latin typeface="Arial" panose="020B0604020202020204" pitchFamily="34" charset="0"/>
+                <a:cs typeface="Arial" panose="020B0604020202020204" pitchFamily="34" charset="0"/>
+              </a:rPr>
+              <a:t>RESPIMATIC 100</a:t>
+            </a:r>
+          </a:p>
+          <a:p>
+            <a:pPr algn="ctr"/>
+            <a:r>
+              <a:rPr lang="en-US" sz="2800" b="1" dirty="0">
+                <a:solidFill>
+                  <a:schemeClr val="bg1"/>
+                </a:solidFill>
+                <a:latin typeface="Arial" panose="020B0604020202020204" pitchFamily="34" charset="0"/>
+                <a:cs typeface="Arial" panose="020B0604020202020204" pitchFamily="34" charset="0"/>
+              </a:rPr>
+              <a:t>Firmware Installer </a:t>
             </a:r>
             <a:endParaRPr lang="en-IN" sz="2800" b="1" dirty="0">
               <a:solidFill>

--- a/common/img/Logo.pptx
+++ b/common/img/Logo.pptx
@@ -264,7 +264,7 @@
           <a:p>
             <a:fld id="{4967892D-CE2D-495A-A9CA-7CB88C831AAA}" type="datetimeFigureOut">
               <a:rPr lang="en-IN" smtClean="0"/>
-              <a:t>16-05-2023</a:t>
+              <a:t>17-05-2023</a:t>
             </a:fld>
             <a:endParaRPr lang="en-IN"/>
           </a:p>
@@ -464,7 +464,7 @@
           <a:p>
             <a:fld id="{4967892D-CE2D-495A-A9CA-7CB88C831AAA}" type="datetimeFigureOut">
               <a:rPr lang="en-IN" smtClean="0"/>
-              <a:t>16-05-2023</a:t>
+              <a:t>17-05-2023</a:t>
             </a:fld>
             <a:endParaRPr lang="en-IN"/>
           </a:p>
@@ -674,7 +674,7 @@
           <a:p>
             <a:fld id="{4967892D-CE2D-495A-A9CA-7CB88C831AAA}" type="datetimeFigureOut">
               <a:rPr lang="en-IN" smtClean="0"/>
-              <a:t>16-05-2023</a:t>
+              <a:t>17-05-2023</a:t>
             </a:fld>
             <a:endParaRPr lang="en-IN"/>
           </a:p>
@@ -874,7 +874,7 @@
           <a:p>
             <a:fld id="{4967892D-CE2D-495A-A9CA-7CB88C831AAA}" type="datetimeFigureOut">
               <a:rPr lang="en-IN" smtClean="0"/>
-              <a:t>16-05-2023</a:t>
+              <a:t>17-05-2023</a:t>
             </a:fld>
             <a:endParaRPr lang="en-IN"/>
           </a:p>
@@ -1150,7 +1150,7 @@
           <a:p>
             <a:fld id="{4967892D-CE2D-495A-A9CA-7CB88C831AAA}" type="datetimeFigureOut">
               <a:rPr lang="en-IN" smtClean="0"/>
-              <a:t>16-05-2023</a:t>
+              <a:t>17-05-2023</a:t>
             </a:fld>
             <a:endParaRPr lang="en-IN"/>
           </a:p>
@@ -1418,7 +1418,7 @@
           <a:p>
             <a:fld id="{4967892D-CE2D-495A-A9CA-7CB88C831AAA}" type="datetimeFigureOut">
               <a:rPr lang="en-IN" smtClean="0"/>
-              <a:t>16-05-2023</a:t>
+              <a:t>17-05-2023</a:t>
             </a:fld>
             <a:endParaRPr lang="en-IN"/>
           </a:p>
@@ -1833,7 +1833,7 @@
           <a:p>
             <a:fld id="{4967892D-CE2D-495A-A9CA-7CB88C831AAA}" type="datetimeFigureOut">
               <a:rPr lang="en-IN" smtClean="0"/>
-              <a:t>16-05-2023</a:t>
+              <a:t>17-05-2023</a:t>
             </a:fld>
             <a:endParaRPr lang="en-IN"/>
           </a:p>
@@ -1975,7 +1975,7 @@
           <a:p>
             <a:fld id="{4967892D-CE2D-495A-A9CA-7CB88C831AAA}" type="datetimeFigureOut">
               <a:rPr lang="en-IN" smtClean="0"/>
-              <a:t>16-05-2023</a:t>
+              <a:t>17-05-2023</a:t>
             </a:fld>
             <a:endParaRPr lang="en-IN"/>
           </a:p>
@@ -2088,7 +2088,7 @@
           <a:p>
             <a:fld id="{4967892D-CE2D-495A-A9CA-7CB88C831AAA}" type="datetimeFigureOut">
               <a:rPr lang="en-IN" smtClean="0"/>
-              <a:t>16-05-2023</a:t>
+              <a:t>17-05-2023</a:t>
             </a:fld>
             <a:endParaRPr lang="en-IN"/>
           </a:p>
@@ -2401,7 +2401,7 @@
           <a:p>
             <a:fld id="{4967892D-CE2D-495A-A9CA-7CB88C831AAA}" type="datetimeFigureOut">
               <a:rPr lang="en-IN" smtClean="0"/>
-              <a:t>16-05-2023</a:t>
+              <a:t>17-05-2023</a:t>
             </a:fld>
             <a:endParaRPr lang="en-IN"/>
           </a:p>
@@ -2690,7 +2690,7 @@
           <a:p>
             <a:fld id="{4967892D-CE2D-495A-A9CA-7CB88C831AAA}" type="datetimeFigureOut">
               <a:rPr lang="en-IN" smtClean="0"/>
-              <a:t>16-05-2023</a:t>
+              <a:t>17-05-2023</a:t>
             </a:fld>
             <a:endParaRPr lang="en-IN"/>
           </a:p>
@@ -2933,7 +2933,7 @@
           <a:p>
             <a:fld id="{4967892D-CE2D-495A-A9CA-7CB88C831AAA}" type="datetimeFigureOut">
               <a:rPr lang="en-IN" smtClean="0"/>
-              <a:t>16-05-2023</a:t>
+              <a:t>17-05-2023</a:t>
             </a:fld>
             <a:endParaRPr lang="en-IN"/>
           </a:p>
@@ -4837,7 +4837,7 @@
                 <a:latin typeface="Arial" panose="020B0604020202020204" pitchFamily="34" charset="0"/>
                 <a:cs typeface="Arial" panose="020B0604020202020204" pitchFamily="34" charset="0"/>
               </a:rPr>
-              <a:t>Firmware Installer </a:t>
+              <a:t>Update Firmware</a:t>
             </a:r>
             <a:endParaRPr lang="en-IN" sz="2800" b="1" dirty="0">
               <a:solidFill>

--- a/common/img/Logo.pptx
+++ b/common/img/Logo.pptx
@@ -7,8 +7,6 @@
   <p:sldIdLst>
     <p:sldId id="256" r:id="rId2"/>
     <p:sldId id="259" r:id="rId3"/>
-    <p:sldId id="257" r:id="rId4"/>
-    <p:sldId id="258" r:id="rId5"/>
   </p:sldIdLst>
   <p:sldSz cx="12192000" cy="6858000"/>
   <p:notesSz cx="6858000" cy="9144000"/>
@@ -264,7 +262,7 @@
           <a:p>
             <a:fld id="{4967892D-CE2D-495A-A9CA-7CB88C831AAA}" type="datetimeFigureOut">
               <a:rPr lang="en-IN" smtClean="0"/>
-              <a:t>17-05-2023</a:t>
+              <a:t>12-12-2023</a:t>
             </a:fld>
             <a:endParaRPr lang="en-IN"/>
           </a:p>
@@ -464,7 +462,7 @@
           <a:p>
             <a:fld id="{4967892D-CE2D-495A-A9CA-7CB88C831AAA}" type="datetimeFigureOut">
               <a:rPr lang="en-IN" smtClean="0"/>
-              <a:t>17-05-2023</a:t>
+              <a:t>12-12-2023</a:t>
             </a:fld>
             <a:endParaRPr lang="en-IN"/>
           </a:p>
@@ -674,7 +672,7 @@
           <a:p>
             <a:fld id="{4967892D-CE2D-495A-A9CA-7CB88C831AAA}" type="datetimeFigureOut">
               <a:rPr lang="en-IN" smtClean="0"/>
-              <a:t>17-05-2023</a:t>
+              <a:t>12-12-2023</a:t>
             </a:fld>
             <a:endParaRPr lang="en-IN"/>
           </a:p>
@@ -874,7 +872,7 @@
           <a:p>
             <a:fld id="{4967892D-CE2D-495A-A9CA-7CB88C831AAA}" type="datetimeFigureOut">
               <a:rPr lang="en-IN" smtClean="0"/>
-              <a:t>17-05-2023</a:t>
+              <a:t>12-12-2023</a:t>
             </a:fld>
             <a:endParaRPr lang="en-IN"/>
           </a:p>
@@ -1150,7 +1148,7 @@
           <a:p>
             <a:fld id="{4967892D-CE2D-495A-A9CA-7CB88C831AAA}" type="datetimeFigureOut">
               <a:rPr lang="en-IN" smtClean="0"/>
-              <a:t>17-05-2023</a:t>
+              <a:t>12-12-2023</a:t>
             </a:fld>
             <a:endParaRPr lang="en-IN"/>
           </a:p>
@@ -1418,7 +1416,7 @@
           <a:p>
             <a:fld id="{4967892D-CE2D-495A-A9CA-7CB88C831AAA}" type="datetimeFigureOut">
               <a:rPr lang="en-IN" smtClean="0"/>
-              <a:t>17-05-2023</a:t>
+              <a:t>12-12-2023</a:t>
             </a:fld>
             <a:endParaRPr lang="en-IN"/>
           </a:p>
@@ -1833,7 +1831,7 @@
           <a:p>
             <a:fld id="{4967892D-CE2D-495A-A9CA-7CB88C831AAA}" type="datetimeFigureOut">
               <a:rPr lang="en-IN" smtClean="0"/>
-              <a:t>17-05-2023</a:t>
+              <a:t>12-12-2023</a:t>
             </a:fld>
             <a:endParaRPr lang="en-IN"/>
           </a:p>
@@ -1975,7 +1973,7 @@
           <a:p>
             <a:fld id="{4967892D-CE2D-495A-A9CA-7CB88C831AAA}" type="datetimeFigureOut">
               <a:rPr lang="en-IN" smtClean="0"/>
-              <a:t>17-05-2023</a:t>
+              <a:t>12-12-2023</a:t>
             </a:fld>
             <a:endParaRPr lang="en-IN"/>
           </a:p>
@@ -2088,7 +2086,7 @@
           <a:p>
             <a:fld id="{4967892D-CE2D-495A-A9CA-7CB88C831AAA}" type="datetimeFigureOut">
               <a:rPr lang="en-IN" smtClean="0"/>
-              <a:t>17-05-2023</a:t>
+              <a:t>12-12-2023</a:t>
             </a:fld>
             <a:endParaRPr lang="en-IN"/>
           </a:p>
@@ -2401,7 +2399,7 @@
           <a:p>
             <a:fld id="{4967892D-CE2D-495A-A9CA-7CB88C831AAA}" type="datetimeFigureOut">
               <a:rPr lang="en-IN" smtClean="0"/>
-              <a:t>17-05-2023</a:t>
+              <a:t>12-12-2023</a:t>
             </a:fld>
             <a:endParaRPr lang="en-IN"/>
           </a:p>
@@ -2690,7 +2688,7 @@
           <a:p>
             <a:fld id="{4967892D-CE2D-495A-A9CA-7CB88C831AAA}" type="datetimeFigureOut">
               <a:rPr lang="en-IN" smtClean="0"/>
-              <a:t>17-05-2023</a:t>
+              <a:t>12-12-2023</a:t>
             </a:fld>
             <a:endParaRPr lang="en-IN"/>
           </a:p>
@@ -2933,7 +2931,7 @@
           <a:p>
             <a:fld id="{4967892D-CE2D-495A-A9CA-7CB88C831AAA}" type="datetimeFigureOut">
               <a:rPr lang="en-IN" smtClean="0"/>
-              <a:t>17-05-2023</a:t>
+              <a:t>12-12-2023</a:t>
             </a:fld>
             <a:endParaRPr lang="en-IN"/>
           </a:p>
@@ -3573,7 +3571,7 @@
                   </a:solidFill>
                   <a:latin typeface="Cera Pro Medium" panose="00000600000000000000" pitchFamily="50" charset="0"/>
                 </a:rPr>
-                <a:t>RESPIMATIC 100 WEB RECORDER</a:t>
+                <a:t>INSPIRE-100 WEB RECORDER</a:t>
               </a:r>
               <a:endParaRPr lang="en-IN" sz="3200" b="1" dirty="0">
                 <a:solidFill>
@@ -4006,7 +4004,7 @@
               <a:avLst/>
             </a:prstGeom>
             <a:solidFill>
-              <a:srgbClr val="0D3E51"/>
+              <a:srgbClr val="1D85AD"/>
             </a:solidFill>
             <a:ln w="28575">
               <a:noFill/>
@@ -4026,7 +4024,7 @@
                   </a:solidFill>
                   <a:latin typeface="Cera Pro Medium" panose="00000600000000000000" pitchFamily="50" charset="0"/>
                 </a:rPr>
-                <a:t>RESPIMATIC 100 WEB DASHBOARD</a:t>
+                <a:t>INSPIRE-100 WEB DASHBOARD</a:t>
               </a:r>
               <a:endParaRPr lang="en-IN" sz="3200" b="1" dirty="0">
                 <a:solidFill>
@@ -4261,7 +4259,7 @@
                   </a:solidFill>
                   <a:latin typeface="Cera Pro Medium" panose="00000600000000000000" pitchFamily="50" charset="0"/>
                 </a:rPr>
-                <a:t>RESPIMATIC 100 WEB ANALYZER</a:t>
+                <a:t>INSPIRE-100 WEB ANALYZER</a:t>
               </a:r>
               <a:endParaRPr lang="en-IN" sz="3200" b="1" dirty="0">
                 <a:solidFill>
@@ -4347,7 +4345,7 @@
                 <a:latin typeface="Arial" panose="020B0604020202020204" pitchFamily="34" charset="0"/>
                 <a:cs typeface="Arial" panose="020B0604020202020204" pitchFamily="34" charset="0"/>
               </a:rPr>
-              <a:t>RESPIMATIC 100</a:t>
+              <a:t>INSPIRE-100</a:t>
             </a:r>
           </a:p>
           <a:p>
@@ -4436,7 +4434,7 @@
                 <a:latin typeface="Arial" panose="020B0604020202020204" pitchFamily="34" charset="0"/>
                 <a:cs typeface="Arial" panose="020B0604020202020204" pitchFamily="34" charset="0"/>
               </a:rPr>
-              <a:t>RESPIMATIC 100 </a:t>
+              <a:t>INSPIRE-100 </a:t>
             </a:r>
             <a:endParaRPr lang="en-IN" sz="2800" b="1" dirty="0">
               <a:solidFill>
@@ -4512,7 +4510,7 @@
                 <a:latin typeface="Arial" panose="020B0604020202020204" pitchFamily="34" charset="0"/>
                 <a:cs typeface="Arial" panose="020B0604020202020204" pitchFamily="34" charset="0"/>
               </a:rPr>
-              <a:t>RESPIMATIC 100 </a:t>
+              <a:t>INSPIRE-100 </a:t>
             </a:r>
             <a:endParaRPr lang="en-IN" sz="2800" b="1" dirty="0">
               <a:solidFill>
@@ -4568,7 +4566,7 @@
                 <a:latin typeface="Arial" panose="020B0604020202020204" pitchFamily="34" charset="0"/>
                 <a:cs typeface="Arial" panose="020B0604020202020204" pitchFamily="34" charset="0"/>
               </a:rPr>
-              <a:t>RESPIMATIC 100</a:t>
+              <a:t>INSPIRE-100</a:t>
             </a:r>
           </a:p>
           <a:p>
@@ -4657,7 +4655,7 @@
                 <a:latin typeface="Arial" panose="020B0604020202020204" pitchFamily="34" charset="0"/>
                 <a:cs typeface="Arial" panose="020B0604020202020204" pitchFamily="34" charset="0"/>
               </a:rPr>
-              <a:t>RESPIMATIC 100</a:t>
+              <a:t>INSPIRE-100</a:t>
             </a:r>
           </a:p>
           <a:p>
@@ -4755,7 +4753,7 @@
                 <a:latin typeface="Arial" panose="020B0604020202020204" pitchFamily="34" charset="0"/>
                 <a:cs typeface="Arial" panose="020B0604020202020204" pitchFamily="34" charset="0"/>
               </a:rPr>
-              <a:t>RESPIMATIC 100</a:t>
+              <a:t>INSPIRE-100</a:t>
             </a:r>
           </a:p>
           <a:p>
@@ -4824,7 +4822,7 @@
                 <a:latin typeface="Arial" panose="020B0604020202020204" pitchFamily="34" charset="0"/>
                 <a:cs typeface="Arial" panose="020B0604020202020204" pitchFamily="34" charset="0"/>
               </a:rPr>
-              <a:t>RESPIMATIC 100</a:t>
+              <a:t>INSPIRE-100</a:t>
             </a:r>
           </a:p>
           <a:p>
@@ -4853,124 +4851,6 @@
     <p:extLst>
       <p:ext uri="{BB962C8B-B14F-4D97-AF65-F5344CB8AC3E}">
         <p14:creationId xmlns:p14="http://schemas.microsoft.com/office/powerpoint/2010/main" val="3728874481"/>
-      </p:ext>
-    </p:extLst>
-  </p:cSld>
-  <p:clrMapOvr>
-    <a:masterClrMapping/>
-  </p:clrMapOvr>
-</p:sld>
-</file>
-
-<file path=ppt/slides/slide3.xml><?xml version="1.0" encoding="utf-8"?>
-<p:sld xmlns:a="http://schemas.openxmlformats.org/drawingml/2006/main" xmlns:r="http://schemas.openxmlformats.org/officeDocument/2006/relationships" xmlns:p="http://schemas.openxmlformats.org/presentationml/2006/main">
-  <p:cSld>
-    <p:spTree>
-      <p:nvGrpSpPr>
-        <p:cNvPr id="1" name=""/>
-        <p:cNvGrpSpPr/>
-        <p:nvPr/>
-      </p:nvGrpSpPr>
-      <p:grpSpPr>
-        <a:xfrm>
-          <a:off x="0" y="0"/>
-          <a:ext cx="0" cy="0"/>
-          <a:chOff x="0" y="0"/>
-          <a:chExt cx="0" cy="0"/>
-        </a:xfrm>
-      </p:grpSpPr>
-      <p:pic>
-        <p:nvPicPr>
-          <p:cNvPr id="23" name="Picture 22">
-            <a:extLst>
-              <a:ext uri="{FF2B5EF4-FFF2-40B4-BE49-F238E27FC236}">
-                <a16:creationId xmlns:a16="http://schemas.microsoft.com/office/drawing/2014/main" id="{05E11863-888C-4408-8812-1A08BBCD8437}"/>
-              </a:ext>
-            </a:extLst>
-          </p:cNvPr>
-          <p:cNvPicPr>
-            <a:picLocks noChangeAspect="1"/>
-          </p:cNvPicPr>
-          <p:nvPr/>
-        </p:nvPicPr>
-        <p:blipFill rotWithShape="1">
-          <a:blip r:embed="rId2"/>
-          <a:srcRect l="1822" r="3894" b="4211"/>
-          <a:stretch/>
-        </p:blipFill>
-        <p:spPr>
-          <a:xfrm>
-            <a:off x="1528010" y="0"/>
-            <a:ext cx="8939463" cy="6569242"/>
-          </a:xfrm>
-          <a:prstGeom prst="rect">
-            <a:avLst/>
-          </a:prstGeom>
-        </p:spPr>
-      </p:pic>
-    </p:spTree>
-    <p:extLst>
-      <p:ext uri="{BB962C8B-B14F-4D97-AF65-F5344CB8AC3E}">
-        <p14:creationId xmlns:p14="http://schemas.microsoft.com/office/powerpoint/2010/main" val="1563633369"/>
-      </p:ext>
-    </p:extLst>
-  </p:cSld>
-  <p:clrMapOvr>
-    <a:masterClrMapping/>
-  </p:clrMapOvr>
-</p:sld>
-</file>
-
-<file path=ppt/slides/slide4.xml><?xml version="1.0" encoding="utf-8"?>
-<p:sld xmlns:a="http://schemas.openxmlformats.org/drawingml/2006/main" xmlns:r="http://schemas.openxmlformats.org/officeDocument/2006/relationships" xmlns:p="http://schemas.openxmlformats.org/presentationml/2006/main">
-  <p:cSld>
-    <p:spTree>
-      <p:nvGrpSpPr>
-        <p:cNvPr id="1" name=""/>
-        <p:cNvGrpSpPr/>
-        <p:nvPr/>
-      </p:nvGrpSpPr>
-      <p:grpSpPr>
-        <a:xfrm>
-          <a:off x="0" y="0"/>
-          <a:ext cx="0" cy="0"/>
-          <a:chOff x="0" y="0"/>
-          <a:chExt cx="0" cy="0"/>
-        </a:xfrm>
-      </p:grpSpPr>
-      <p:pic>
-        <p:nvPicPr>
-          <p:cNvPr id="3" name="Picture 2">
-            <a:extLst>
-              <a:ext uri="{FF2B5EF4-FFF2-40B4-BE49-F238E27FC236}">
-                <a16:creationId xmlns:a16="http://schemas.microsoft.com/office/drawing/2014/main" id="{A17C0C1F-D169-4BAC-8BEC-1DD4C54E8FA2}"/>
-              </a:ext>
-            </a:extLst>
-          </p:cNvPr>
-          <p:cNvPicPr>
-            <a:picLocks noChangeAspect="1"/>
-          </p:cNvPicPr>
-          <p:nvPr/>
-        </p:nvPicPr>
-        <p:blipFill rotWithShape="1">
-          <a:blip r:embed="rId2"/>
-          <a:srcRect l="6190" t="7756" r="10844" b="1433"/>
-          <a:stretch/>
-        </p:blipFill>
-        <p:spPr>
-          <a:xfrm>
-            <a:off x="4522838" y="1622324"/>
-            <a:ext cx="2979175" cy="3883742"/>
-          </a:xfrm>
-          <a:prstGeom prst="rect">
-            <a:avLst/>
-          </a:prstGeom>
-        </p:spPr>
-      </p:pic>
-    </p:spTree>
-    <p:extLst>
-      <p:ext uri="{BB962C8B-B14F-4D97-AF65-F5344CB8AC3E}">
-        <p14:creationId xmlns:p14="http://schemas.microsoft.com/office/powerpoint/2010/main" val="3742178380"/>
       </p:ext>
     </p:extLst>
   </p:cSld>

--- a/common/img/Logo.pptx
+++ b/common/img/Logo.pptx
@@ -5,8 +5,11 @@
     <p:sldMasterId id="2147483648" r:id="rId1"/>
   </p:sldMasterIdLst>
   <p:sldIdLst>
-    <p:sldId id="256" r:id="rId2"/>
-    <p:sldId id="259" r:id="rId3"/>
+    <p:sldId id="260" r:id="rId2"/>
+    <p:sldId id="263" r:id="rId3"/>
+    <p:sldId id="264" r:id="rId4"/>
+    <p:sldId id="261" r:id="rId5"/>
+    <p:sldId id="259" r:id="rId6"/>
   </p:sldIdLst>
   <p:sldSz cx="12192000" cy="6858000"/>
   <p:notesSz cx="6858000" cy="9144000"/>
@@ -262,7 +265,7 @@
           <a:p>
             <a:fld id="{4967892D-CE2D-495A-A9CA-7CB88C831AAA}" type="datetimeFigureOut">
               <a:rPr lang="en-IN" smtClean="0"/>
-              <a:t>12-12-2023</a:t>
+              <a:t>07-01-2024</a:t>
             </a:fld>
             <a:endParaRPr lang="en-IN"/>
           </a:p>
@@ -462,7 +465,7 @@
           <a:p>
             <a:fld id="{4967892D-CE2D-495A-A9CA-7CB88C831AAA}" type="datetimeFigureOut">
               <a:rPr lang="en-IN" smtClean="0"/>
-              <a:t>12-12-2023</a:t>
+              <a:t>07-01-2024</a:t>
             </a:fld>
             <a:endParaRPr lang="en-IN"/>
           </a:p>
@@ -672,7 +675,7 @@
           <a:p>
             <a:fld id="{4967892D-CE2D-495A-A9CA-7CB88C831AAA}" type="datetimeFigureOut">
               <a:rPr lang="en-IN" smtClean="0"/>
-              <a:t>12-12-2023</a:t>
+              <a:t>07-01-2024</a:t>
             </a:fld>
             <a:endParaRPr lang="en-IN"/>
           </a:p>
@@ -872,7 +875,7 @@
           <a:p>
             <a:fld id="{4967892D-CE2D-495A-A9CA-7CB88C831AAA}" type="datetimeFigureOut">
               <a:rPr lang="en-IN" smtClean="0"/>
-              <a:t>12-12-2023</a:t>
+              <a:t>07-01-2024</a:t>
             </a:fld>
             <a:endParaRPr lang="en-IN"/>
           </a:p>
@@ -1148,7 +1151,7 @@
           <a:p>
             <a:fld id="{4967892D-CE2D-495A-A9CA-7CB88C831AAA}" type="datetimeFigureOut">
               <a:rPr lang="en-IN" smtClean="0"/>
-              <a:t>12-12-2023</a:t>
+              <a:t>07-01-2024</a:t>
             </a:fld>
             <a:endParaRPr lang="en-IN"/>
           </a:p>
@@ -1416,7 +1419,7 @@
           <a:p>
             <a:fld id="{4967892D-CE2D-495A-A9CA-7CB88C831AAA}" type="datetimeFigureOut">
               <a:rPr lang="en-IN" smtClean="0"/>
-              <a:t>12-12-2023</a:t>
+              <a:t>07-01-2024</a:t>
             </a:fld>
             <a:endParaRPr lang="en-IN"/>
           </a:p>
@@ -1831,7 +1834,7 @@
           <a:p>
             <a:fld id="{4967892D-CE2D-495A-A9CA-7CB88C831AAA}" type="datetimeFigureOut">
               <a:rPr lang="en-IN" smtClean="0"/>
-              <a:t>12-12-2023</a:t>
+              <a:t>07-01-2024</a:t>
             </a:fld>
             <a:endParaRPr lang="en-IN"/>
           </a:p>
@@ -1973,7 +1976,7 @@
           <a:p>
             <a:fld id="{4967892D-CE2D-495A-A9CA-7CB88C831AAA}" type="datetimeFigureOut">
               <a:rPr lang="en-IN" smtClean="0"/>
-              <a:t>12-12-2023</a:t>
+              <a:t>07-01-2024</a:t>
             </a:fld>
             <a:endParaRPr lang="en-IN"/>
           </a:p>
@@ -2086,7 +2089,7 @@
           <a:p>
             <a:fld id="{4967892D-CE2D-495A-A9CA-7CB88C831AAA}" type="datetimeFigureOut">
               <a:rPr lang="en-IN" smtClean="0"/>
-              <a:t>12-12-2023</a:t>
+              <a:t>07-01-2024</a:t>
             </a:fld>
             <a:endParaRPr lang="en-IN"/>
           </a:p>
@@ -2399,7 +2402,7 @@
           <a:p>
             <a:fld id="{4967892D-CE2D-495A-A9CA-7CB88C831AAA}" type="datetimeFigureOut">
               <a:rPr lang="en-IN" smtClean="0"/>
-              <a:t>12-12-2023</a:t>
+              <a:t>07-01-2024</a:t>
             </a:fld>
             <a:endParaRPr lang="en-IN"/>
           </a:p>
@@ -2688,7 +2691,7 @@
           <a:p>
             <a:fld id="{4967892D-CE2D-495A-A9CA-7CB88C831AAA}" type="datetimeFigureOut">
               <a:rPr lang="en-IN" smtClean="0"/>
-              <a:t>12-12-2023</a:t>
+              <a:t>07-01-2024</a:t>
             </a:fld>
             <a:endParaRPr lang="en-IN"/>
           </a:p>
@@ -2931,7 +2934,7 @@
           <a:p>
             <a:fld id="{4967892D-CE2D-495A-A9CA-7CB88C831AAA}" type="datetimeFigureOut">
               <a:rPr lang="en-IN" smtClean="0"/>
-              <a:t>12-12-2023</a:t>
+              <a:t>07-01-2024</a:t>
             </a:fld>
             <a:endParaRPr lang="en-IN"/>
           </a:p>
@@ -3350,10 +3353,10 @@
       </p:grpSpPr>
       <p:grpSp>
         <p:nvGrpSpPr>
-          <p:cNvPr id="2" name="Group 1">
-            <a:extLst>
-              <a:ext uri="{FF2B5EF4-FFF2-40B4-BE49-F238E27FC236}">
-                <a16:creationId xmlns:a16="http://schemas.microsoft.com/office/drawing/2014/main" id="{48AF2CE6-99F2-434F-86DC-78647848A4B7}"/>
+          <p:cNvPr id="4" name="Group 3">
+            <a:extLst>
+              <a:ext uri="{FF2B5EF4-FFF2-40B4-BE49-F238E27FC236}">
+                <a16:creationId xmlns:a16="http://schemas.microsoft.com/office/drawing/2014/main" id="{FC465AAA-8F43-9F3A-47F0-7BC1F3CFDEF5}"/>
               </a:ext>
             </a:extLst>
           </p:cNvPr>
@@ -3362,28 +3365,30 @@
         </p:nvGrpSpPr>
         <p:grpSpPr>
           <a:xfrm>
-            <a:off x="2467892" y="239310"/>
-            <a:ext cx="8731046" cy="1615731"/>
-            <a:chOff x="2143432" y="1620665"/>
-            <a:chExt cx="8731046" cy="1615731"/>
+            <a:off x="2819607" y="190971"/>
+            <a:ext cx="6552785" cy="1745490"/>
+            <a:chOff x="2819607" y="190971"/>
+            <a:chExt cx="6552785" cy="1745490"/>
           </a:xfrm>
         </p:grpSpPr>
         <p:sp>
           <p:nvSpPr>
-            <p:cNvPr id="7" name="Rectangle 6">
+            <p:cNvPr id="9" name="Rectangle 8">
               <a:extLst>
                 <a:ext uri="{FF2B5EF4-FFF2-40B4-BE49-F238E27FC236}">
-                  <a16:creationId xmlns:a16="http://schemas.microsoft.com/office/drawing/2014/main" id="{EEF91457-55A0-402E-BD61-62BA66406954}"/>
+                  <a16:creationId xmlns:a16="http://schemas.microsoft.com/office/drawing/2014/main" id="{9FCC845F-1106-5691-5BD0-1A5B88E09ABA}"/>
                 </a:ext>
               </a:extLst>
             </p:cNvPr>
-            <p:cNvSpPr/>
+            <p:cNvSpPr>
+              <a:spLocks noChangeAspect="1"/>
+            </p:cNvSpPr>
             <p:nvPr/>
           </p:nvSpPr>
           <p:spPr>
             <a:xfrm>
-              <a:off x="2143433" y="2223391"/>
-              <a:ext cx="8731045" cy="1013005"/>
+              <a:off x="2819609" y="841829"/>
+              <a:ext cx="6552783" cy="1094632"/>
             </a:xfrm>
             <a:prstGeom prst="rect">
               <a:avLst/>
@@ -3392,13 +3397,15 @@
               <a:srgbClr val="0D3E51"/>
             </a:solidFill>
             <a:ln w="28575">
-              <a:noFill/>
+              <a:solidFill>
+                <a:srgbClr val="0EF258"/>
+              </a:solidFill>
             </a:ln>
           </p:spPr>
           <p:style>
             <a:lnRef idx="2">
               <a:schemeClr val="accent1">
-                <a:shade val="50000"/>
+                <a:shade val="15000"/>
               </a:schemeClr>
             </a:lnRef>
             <a:fillRef idx="1">
@@ -3416,126 +3423,49 @@
             <a:lstStyle/>
             <a:p>
               <a:pPr algn="ctr"/>
-              <a:endParaRPr lang="en-IN"/>
+              <a:endParaRPr lang="en-IN" dirty="0"/>
             </a:p>
           </p:txBody>
         </p:sp>
         <p:pic>
           <p:nvPicPr>
-            <p:cNvPr id="4" name="Picture 3">
+            <p:cNvPr id="10" name="Picture 9">
               <a:extLst>
                 <a:ext uri="{FF2B5EF4-FFF2-40B4-BE49-F238E27FC236}">
-                  <a16:creationId xmlns:a16="http://schemas.microsoft.com/office/drawing/2014/main" id="{8D330BC5-5567-4ED0-841A-3D55AD50899F}"/>
+                  <a16:creationId xmlns:a16="http://schemas.microsoft.com/office/drawing/2014/main" id="{7E0023C2-B67F-66BA-2DE4-0BAAB0CE8035}"/>
                 </a:ext>
               </a:extLst>
             </p:cNvPr>
-            <p:cNvPicPr/>
+            <p:cNvPicPr>
+              <a:picLocks noChangeAspect="1"/>
+            </p:cNvPicPr>
             <p:nvPr/>
           </p:nvPicPr>
           <p:blipFill>
-            <a:blip r:embed="rId2" cstate="print">
-              <a:extLst>
-                <a:ext uri="{28A0092B-C50C-407E-A947-70E740481C1C}">
-                  <a14:useLocalDpi xmlns:a14="http://schemas.microsoft.com/office/drawing/2010/main" val="0"/>
-                </a:ext>
-              </a:extLst>
-            </a:blip>
+            <a:blip r:embed="rId2"/>
             <a:stretch>
               <a:fillRect/>
             </a:stretch>
           </p:blipFill>
           <p:spPr>
             <a:xfrm>
-              <a:off x="2338625" y="2421107"/>
-              <a:ext cx="2920183" cy="656278"/>
+              <a:off x="2819609" y="838811"/>
+              <a:ext cx="1094780" cy="1094780"/>
             </a:xfrm>
             <a:prstGeom prst="rect">
               <a:avLst/>
             </a:prstGeom>
             <a:ln>
-              <a:solidFill>
-                <a:schemeClr val="bg1"/>
-              </a:solidFill>
-            </a:ln>
-          </p:spPr>
-        </p:pic>
-        <p:pic>
-          <p:nvPicPr>
-            <p:cNvPr id="5" name="Picture 4">
-              <a:extLst>
-                <a:ext uri="{FF2B5EF4-FFF2-40B4-BE49-F238E27FC236}">
-                  <a16:creationId xmlns:a16="http://schemas.microsoft.com/office/drawing/2014/main" id="{26B3BBC2-168A-4DB5-BA2F-91EF44DC7972}"/>
-                </a:ext>
-              </a:extLst>
-            </p:cNvPr>
-            <p:cNvPicPr/>
-            <p:nvPr/>
-          </p:nvPicPr>
-          <p:blipFill>
-            <a:blip r:embed="rId3" cstate="print">
-              <a:extLst>
-                <a:ext uri="{28A0092B-C50C-407E-A947-70E740481C1C}">
-                  <a14:useLocalDpi xmlns:a14="http://schemas.microsoft.com/office/drawing/2010/main" val="0"/>
-                </a:ext>
-              </a:extLst>
-            </a:blip>
-            <a:stretch/>
-          </p:blipFill>
-          <p:spPr>
-            <a:xfrm>
-              <a:off x="5733773" y="2302896"/>
-              <a:ext cx="1801537" cy="853994"/>
-            </a:xfrm>
-            <a:prstGeom prst="rect">
-              <a:avLst/>
-            </a:prstGeom>
-          </p:spPr>
-        </p:pic>
-        <p:pic>
-          <p:nvPicPr>
-            <p:cNvPr id="6" name="Picture 5">
-              <a:extLst>
-                <a:ext uri="{FF2B5EF4-FFF2-40B4-BE49-F238E27FC236}">
-                  <a16:creationId xmlns:a16="http://schemas.microsoft.com/office/drawing/2014/main" id="{E314DA14-6156-4656-9C1E-436F8520007E}"/>
-                </a:ext>
-              </a:extLst>
-            </p:cNvPr>
-            <p:cNvPicPr/>
-            <p:nvPr/>
-          </p:nvPicPr>
-          <p:blipFill>
-            <a:blip r:embed="rId4">
-              <a:extLst>
-                <a:ext uri="{28A0092B-C50C-407E-A947-70E740481C1C}">
-                  <a14:useLocalDpi xmlns:a14="http://schemas.microsoft.com/office/drawing/2010/main" val="0"/>
-                </a:ext>
-              </a:extLst>
-            </a:blip>
-            <a:stretch>
-              <a:fillRect/>
-            </a:stretch>
-          </p:blipFill>
-          <p:spPr>
-            <a:xfrm>
-              <a:off x="8010275" y="2421107"/>
-              <a:ext cx="2658625" cy="656278"/>
-            </a:xfrm>
-            <a:prstGeom prst="rect">
-              <a:avLst/>
-            </a:prstGeom>
-            <a:ln>
-              <a:solidFill>
-                <a:schemeClr val="bg1"/>
-              </a:solidFill>
+              <a:noFill/>
             </a:ln>
           </p:spPr>
         </p:pic>
         <p:sp>
           <p:nvSpPr>
-            <p:cNvPr id="9" name="TextBox 8">
+            <p:cNvPr id="11" name="TextBox 10">
               <a:extLst>
                 <a:ext uri="{FF2B5EF4-FFF2-40B4-BE49-F238E27FC236}">
-                  <a16:creationId xmlns:a16="http://schemas.microsoft.com/office/drawing/2014/main" id="{40345026-653B-4597-B859-9085B3762637}"/>
+                  <a16:creationId xmlns:a16="http://schemas.microsoft.com/office/drawing/2014/main" id="{EA906BE6-1FF2-F802-E2DA-655F33BA0B66}"/>
                 </a:ext>
               </a:extLst>
             </p:cNvPr>
@@ -3544,17 +3474,75 @@
           </p:nvSpPr>
           <p:spPr>
             <a:xfrm>
-              <a:off x="2143432" y="1620665"/>
-              <a:ext cx="8731045" cy="584775"/>
+              <a:off x="4088561" y="838811"/>
+              <a:ext cx="5283831" cy="923330"/>
+            </a:xfrm>
+            <a:prstGeom prst="rect">
+              <a:avLst/>
+            </a:prstGeom>
+            <a:noFill/>
+          </p:spPr>
+          <p:txBody>
+            <a:bodyPr wrap="square" rtlCol="0">
+              <a:spAutoFit/>
+            </a:bodyPr>
+            <a:lstStyle/>
+            <a:p>
+              <a:pPr algn="ctr"/>
+              <a:r>
+                <a:rPr lang="en-US" sz="5400" dirty="0" err="1">
+                  <a:solidFill>
+                    <a:srgbClr val="0EF258"/>
+                  </a:solidFill>
+                  <a:latin typeface="Rockwell Extra Bold" panose="02060903040505020403" pitchFamily="18" charset="0"/>
+                </a:rPr>
+                <a:t>tek</a:t>
+              </a:r>
+              <a:r>
+                <a:rPr lang="en-US" sz="5400" dirty="0" err="1">
+                  <a:solidFill>
+                    <a:srgbClr val="0EF258"/>
+                  </a:solidFill>
+                  <a:latin typeface="Rockwell" panose="02060603020205020403" pitchFamily="18" charset="0"/>
+                </a:rPr>
+                <a:t>Medika</a:t>
+              </a:r>
+              <a:endParaRPr lang="en-IN" sz="4800" dirty="0">
+                <a:solidFill>
+                  <a:srgbClr val="0EF258"/>
+                </a:solidFill>
+                <a:latin typeface="Rockwell" panose="02060603020205020403" pitchFamily="18" charset="0"/>
+              </a:endParaRPr>
+            </a:p>
+          </p:txBody>
+        </p:sp>
+        <p:sp>
+          <p:nvSpPr>
+            <p:cNvPr id="16" name="TextBox 15">
+              <a:extLst>
+                <a:ext uri="{FF2B5EF4-FFF2-40B4-BE49-F238E27FC236}">
+                  <a16:creationId xmlns:a16="http://schemas.microsoft.com/office/drawing/2014/main" id="{2778DF63-4498-0961-AF10-B6A31C091514}"/>
+                </a:ext>
+              </a:extLst>
+            </p:cNvPr>
+            <p:cNvSpPr txBox="1"/>
+            <p:nvPr/>
+          </p:nvSpPr>
+          <p:spPr>
+            <a:xfrm>
+              <a:off x="2819607" y="190971"/>
+              <a:ext cx="6552783" cy="646331"/>
             </a:xfrm>
             <a:prstGeom prst="rect">
               <a:avLst/>
             </a:prstGeom>
             <a:solidFill>
-              <a:srgbClr val="1D85AD"/>
+              <a:srgbClr val="0EF258"/>
             </a:solidFill>
             <a:ln w="28575">
-              <a:noFill/>
+              <a:solidFill>
+                <a:srgbClr val="0EF258"/>
+              </a:solidFill>
             </a:ln>
           </p:spPr>
           <p:txBody>
@@ -3565,17 +3553,26 @@
             <a:p>
               <a:pPr algn="ctr"/>
               <a:r>
-                <a:rPr lang="en-US" sz="3200" b="1" dirty="0">
+                <a:rPr lang="en-US" sz="3600" b="1" dirty="0">
                   <a:solidFill>
-                    <a:schemeClr val="bg1"/>
+                    <a:srgbClr val="0D3E51"/>
                   </a:solidFill>
                   <a:latin typeface="Cera Pro Medium" panose="00000600000000000000" pitchFamily="50" charset="0"/>
                 </a:rPr>
-                <a:t>INSPIRE-100 WEB RECORDER</a:t>
+                <a:t>INSPIRE-100    </a:t>
               </a:r>
-              <a:endParaRPr lang="en-IN" sz="3200" b="1" dirty="0">
+              <a:r>
+                <a:rPr lang="en-US" sz="3600" i="1" dirty="0">
+                  <a:solidFill>
+                    <a:srgbClr val="0D3E51"/>
+                  </a:solidFill>
+                  <a:latin typeface="Cera Pro Medium" panose="00000600000000000000" pitchFamily="50" charset="0"/>
+                </a:rPr>
+                <a:t>Web Applications</a:t>
+              </a:r>
+              <a:endParaRPr lang="en-IN" sz="3600" i="1" dirty="0">
                 <a:solidFill>
-                  <a:schemeClr val="bg1"/>
+                  <a:srgbClr val="0D3E51"/>
                 </a:solidFill>
                 <a:latin typeface="Cera Pro Medium" panose="00000600000000000000" pitchFamily="50" charset="0"/>
               </a:endParaRPr>
@@ -3585,10 +3582,10 @@
       </p:grpSp>
       <p:grpSp>
         <p:nvGrpSpPr>
-          <p:cNvPr id="17" name="Group 16">
-            <a:extLst>
-              <a:ext uri="{FF2B5EF4-FFF2-40B4-BE49-F238E27FC236}">
-                <a16:creationId xmlns:a16="http://schemas.microsoft.com/office/drawing/2014/main" id="{4A47D272-DCE4-43B9-9808-C5B9B9DEED60}"/>
+          <p:cNvPr id="13" name="Group 12">
+            <a:extLst>
+              <a:ext uri="{FF2B5EF4-FFF2-40B4-BE49-F238E27FC236}">
+                <a16:creationId xmlns:a16="http://schemas.microsoft.com/office/drawing/2014/main" id="{1147382F-15A4-9A1A-169B-A9A0E60BC238}"/>
               </a:ext>
             </a:extLst>
           </p:cNvPr>
@@ -3597,8 +3594,1942 @@
         </p:nvGrpSpPr>
         <p:grpSpPr>
           <a:xfrm>
-            <a:off x="2556385" y="5471925"/>
-            <a:ext cx="8731045" cy="1013005"/>
+            <a:off x="2819605" y="2175620"/>
+            <a:ext cx="6552785" cy="1745490"/>
+            <a:chOff x="2819607" y="190971"/>
+            <a:chExt cx="6552785" cy="1745490"/>
+          </a:xfrm>
+        </p:grpSpPr>
+        <p:sp>
+          <p:nvSpPr>
+            <p:cNvPr id="14" name="Rectangle 13">
+              <a:extLst>
+                <a:ext uri="{FF2B5EF4-FFF2-40B4-BE49-F238E27FC236}">
+                  <a16:creationId xmlns:a16="http://schemas.microsoft.com/office/drawing/2014/main" id="{79E9331D-6BE3-BACE-EB47-99439875FDA7}"/>
+                </a:ext>
+              </a:extLst>
+            </p:cNvPr>
+            <p:cNvSpPr>
+              <a:spLocks noChangeAspect="1"/>
+            </p:cNvSpPr>
+            <p:nvPr/>
+          </p:nvSpPr>
+          <p:spPr>
+            <a:xfrm>
+              <a:off x="2819609" y="841829"/>
+              <a:ext cx="6552783" cy="1094632"/>
+            </a:xfrm>
+            <a:prstGeom prst="rect">
+              <a:avLst/>
+            </a:prstGeom>
+            <a:solidFill>
+              <a:srgbClr val="0D3E51"/>
+            </a:solidFill>
+            <a:ln w="28575">
+              <a:solidFill>
+                <a:srgbClr val="0EF258"/>
+              </a:solidFill>
+            </a:ln>
+          </p:spPr>
+          <p:style>
+            <a:lnRef idx="2">
+              <a:schemeClr val="accent1">
+                <a:shade val="15000"/>
+              </a:schemeClr>
+            </a:lnRef>
+            <a:fillRef idx="1">
+              <a:schemeClr val="accent1"/>
+            </a:fillRef>
+            <a:effectRef idx="0">
+              <a:schemeClr val="accent1"/>
+            </a:effectRef>
+            <a:fontRef idx="minor">
+              <a:schemeClr val="lt1"/>
+            </a:fontRef>
+          </p:style>
+          <p:txBody>
+            <a:bodyPr rtlCol="0" anchor="ctr"/>
+            <a:lstStyle/>
+            <a:p>
+              <a:pPr algn="ctr"/>
+              <a:endParaRPr lang="en-IN" dirty="0"/>
+            </a:p>
+          </p:txBody>
+        </p:sp>
+        <p:pic>
+          <p:nvPicPr>
+            <p:cNvPr id="15" name="Picture 14">
+              <a:extLst>
+                <a:ext uri="{FF2B5EF4-FFF2-40B4-BE49-F238E27FC236}">
+                  <a16:creationId xmlns:a16="http://schemas.microsoft.com/office/drawing/2014/main" id="{D7D359AE-3225-968A-C531-A2F9288FCA71}"/>
+                </a:ext>
+              </a:extLst>
+            </p:cNvPr>
+            <p:cNvPicPr>
+              <a:picLocks noChangeAspect="1"/>
+            </p:cNvPicPr>
+            <p:nvPr/>
+          </p:nvPicPr>
+          <p:blipFill>
+            <a:blip r:embed="rId2"/>
+            <a:stretch>
+              <a:fillRect/>
+            </a:stretch>
+          </p:blipFill>
+          <p:spPr>
+            <a:xfrm>
+              <a:off x="2819609" y="838811"/>
+              <a:ext cx="1094780" cy="1094780"/>
+            </a:xfrm>
+            <a:prstGeom prst="rect">
+              <a:avLst/>
+            </a:prstGeom>
+            <a:ln>
+              <a:noFill/>
+            </a:ln>
+          </p:spPr>
+        </p:pic>
+        <p:sp>
+          <p:nvSpPr>
+            <p:cNvPr id="28" name="TextBox 27">
+              <a:extLst>
+                <a:ext uri="{FF2B5EF4-FFF2-40B4-BE49-F238E27FC236}">
+                  <a16:creationId xmlns:a16="http://schemas.microsoft.com/office/drawing/2014/main" id="{3000E037-3214-81E3-6AB1-A8FA2AB58101}"/>
+                </a:ext>
+              </a:extLst>
+            </p:cNvPr>
+            <p:cNvSpPr txBox="1"/>
+            <p:nvPr/>
+          </p:nvSpPr>
+          <p:spPr>
+            <a:xfrm>
+              <a:off x="4088561" y="838811"/>
+              <a:ext cx="5283831" cy="923330"/>
+            </a:xfrm>
+            <a:prstGeom prst="rect">
+              <a:avLst/>
+            </a:prstGeom>
+            <a:noFill/>
+          </p:spPr>
+          <p:txBody>
+            <a:bodyPr wrap="square" rtlCol="0">
+              <a:spAutoFit/>
+            </a:bodyPr>
+            <a:lstStyle/>
+            <a:p>
+              <a:pPr algn="ctr"/>
+              <a:r>
+                <a:rPr lang="en-US" sz="5400" dirty="0" err="1">
+                  <a:solidFill>
+                    <a:srgbClr val="0EF258"/>
+                  </a:solidFill>
+                  <a:latin typeface="Rockwell Extra Bold" panose="02060903040505020403" pitchFamily="18" charset="0"/>
+                </a:rPr>
+                <a:t>tek</a:t>
+              </a:r>
+              <a:r>
+                <a:rPr lang="en-US" sz="5400" dirty="0" err="1">
+                  <a:solidFill>
+                    <a:srgbClr val="0EF258"/>
+                  </a:solidFill>
+                  <a:latin typeface="Rockwell" panose="02060603020205020403" pitchFamily="18" charset="0"/>
+                </a:rPr>
+                <a:t>Medika</a:t>
+              </a:r>
+              <a:endParaRPr lang="en-IN" sz="4800" dirty="0">
+                <a:solidFill>
+                  <a:srgbClr val="0EF258"/>
+                </a:solidFill>
+                <a:latin typeface="Rockwell" panose="02060603020205020403" pitchFamily="18" charset="0"/>
+              </a:endParaRPr>
+            </a:p>
+          </p:txBody>
+        </p:sp>
+        <p:sp>
+          <p:nvSpPr>
+            <p:cNvPr id="29" name="TextBox 28">
+              <a:extLst>
+                <a:ext uri="{FF2B5EF4-FFF2-40B4-BE49-F238E27FC236}">
+                  <a16:creationId xmlns:a16="http://schemas.microsoft.com/office/drawing/2014/main" id="{739C6828-1F9C-056D-F528-08C1B97B04C0}"/>
+                </a:ext>
+              </a:extLst>
+            </p:cNvPr>
+            <p:cNvSpPr txBox="1"/>
+            <p:nvPr/>
+          </p:nvSpPr>
+          <p:spPr>
+            <a:xfrm>
+              <a:off x="2819607" y="190971"/>
+              <a:ext cx="6552783" cy="646331"/>
+            </a:xfrm>
+            <a:prstGeom prst="rect">
+              <a:avLst/>
+            </a:prstGeom>
+            <a:solidFill>
+              <a:srgbClr val="0EF258"/>
+            </a:solidFill>
+            <a:ln w="28575">
+              <a:solidFill>
+                <a:srgbClr val="0EF258"/>
+              </a:solidFill>
+            </a:ln>
+          </p:spPr>
+          <p:txBody>
+            <a:bodyPr wrap="square" rtlCol="0">
+              <a:spAutoFit/>
+            </a:bodyPr>
+            <a:lstStyle/>
+            <a:p>
+              <a:pPr algn="ctr"/>
+              <a:r>
+                <a:rPr lang="en-US" sz="3600" b="1" dirty="0">
+                  <a:solidFill>
+                    <a:srgbClr val="0D3E51"/>
+                  </a:solidFill>
+                  <a:latin typeface="Cera Pro Medium" panose="00000600000000000000" pitchFamily="50" charset="0"/>
+                </a:rPr>
+                <a:t>INSPIRE-100    </a:t>
+              </a:r>
+              <a:r>
+                <a:rPr lang="en-US" sz="3600" i="1" dirty="0">
+                  <a:solidFill>
+                    <a:srgbClr val="0D3E51"/>
+                  </a:solidFill>
+                  <a:latin typeface="Cera Pro Medium" panose="00000600000000000000" pitchFamily="50" charset="0"/>
+                </a:rPr>
+                <a:t>Update Firmware</a:t>
+              </a:r>
+              <a:endParaRPr lang="en-IN" sz="3600" i="1" dirty="0">
+                <a:solidFill>
+                  <a:srgbClr val="0D3E51"/>
+                </a:solidFill>
+                <a:latin typeface="Cera Pro Medium" panose="00000600000000000000" pitchFamily="50" charset="0"/>
+              </a:endParaRPr>
+            </a:p>
+          </p:txBody>
+        </p:sp>
+      </p:grpSp>
+      <p:grpSp>
+        <p:nvGrpSpPr>
+          <p:cNvPr id="30" name="Group 29">
+            <a:extLst>
+              <a:ext uri="{FF2B5EF4-FFF2-40B4-BE49-F238E27FC236}">
+                <a16:creationId xmlns:a16="http://schemas.microsoft.com/office/drawing/2014/main" id="{FA660C82-8C0C-DA6A-1CD2-71104BAE4DE9}"/>
+              </a:ext>
+            </a:extLst>
+          </p:cNvPr>
+          <p:cNvGrpSpPr/>
+          <p:nvPr/>
+        </p:nvGrpSpPr>
+        <p:grpSpPr>
+          <a:xfrm>
+            <a:off x="2819605" y="4160269"/>
+            <a:ext cx="6552785" cy="1745490"/>
+            <a:chOff x="2819607" y="190971"/>
+            <a:chExt cx="6552785" cy="1745490"/>
+          </a:xfrm>
+        </p:grpSpPr>
+        <p:sp>
+          <p:nvSpPr>
+            <p:cNvPr id="31" name="Rectangle 30">
+              <a:extLst>
+                <a:ext uri="{FF2B5EF4-FFF2-40B4-BE49-F238E27FC236}">
+                  <a16:creationId xmlns:a16="http://schemas.microsoft.com/office/drawing/2014/main" id="{68C5C17B-5970-A186-98F4-7F1ECEB63366}"/>
+                </a:ext>
+              </a:extLst>
+            </p:cNvPr>
+            <p:cNvSpPr>
+              <a:spLocks noChangeAspect="1"/>
+            </p:cNvSpPr>
+            <p:nvPr/>
+          </p:nvSpPr>
+          <p:spPr>
+            <a:xfrm>
+              <a:off x="2819609" y="841829"/>
+              <a:ext cx="6552783" cy="1094632"/>
+            </a:xfrm>
+            <a:prstGeom prst="rect">
+              <a:avLst/>
+            </a:prstGeom>
+            <a:solidFill>
+              <a:srgbClr val="0D3E51"/>
+            </a:solidFill>
+            <a:ln w="28575">
+              <a:solidFill>
+                <a:srgbClr val="0EF258"/>
+              </a:solidFill>
+            </a:ln>
+          </p:spPr>
+          <p:style>
+            <a:lnRef idx="2">
+              <a:schemeClr val="accent1">
+                <a:shade val="15000"/>
+              </a:schemeClr>
+            </a:lnRef>
+            <a:fillRef idx="1">
+              <a:schemeClr val="accent1"/>
+            </a:fillRef>
+            <a:effectRef idx="0">
+              <a:schemeClr val="accent1"/>
+            </a:effectRef>
+            <a:fontRef idx="minor">
+              <a:schemeClr val="lt1"/>
+            </a:fontRef>
+          </p:style>
+          <p:txBody>
+            <a:bodyPr rtlCol="0" anchor="ctr"/>
+            <a:lstStyle/>
+            <a:p>
+              <a:pPr algn="ctr"/>
+              <a:endParaRPr lang="en-IN" dirty="0"/>
+            </a:p>
+          </p:txBody>
+        </p:sp>
+        <p:pic>
+          <p:nvPicPr>
+            <p:cNvPr id="32" name="Picture 31">
+              <a:extLst>
+                <a:ext uri="{FF2B5EF4-FFF2-40B4-BE49-F238E27FC236}">
+                  <a16:creationId xmlns:a16="http://schemas.microsoft.com/office/drawing/2014/main" id="{40A70188-093D-E450-E65B-DC18DBDD07CE}"/>
+                </a:ext>
+              </a:extLst>
+            </p:cNvPr>
+            <p:cNvPicPr>
+              <a:picLocks noChangeAspect="1"/>
+            </p:cNvPicPr>
+            <p:nvPr/>
+          </p:nvPicPr>
+          <p:blipFill>
+            <a:blip r:embed="rId2"/>
+            <a:stretch>
+              <a:fillRect/>
+            </a:stretch>
+          </p:blipFill>
+          <p:spPr>
+            <a:xfrm>
+              <a:off x="2819609" y="838811"/>
+              <a:ext cx="1094780" cy="1094780"/>
+            </a:xfrm>
+            <a:prstGeom prst="rect">
+              <a:avLst/>
+            </a:prstGeom>
+            <a:ln>
+              <a:noFill/>
+            </a:ln>
+          </p:spPr>
+        </p:pic>
+        <p:sp>
+          <p:nvSpPr>
+            <p:cNvPr id="33" name="TextBox 32">
+              <a:extLst>
+                <a:ext uri="{FF2B5EF4-FFF2-40B4-BE49-F238E27FC236}">
+                  <a16:creationId xmlns:a16="http://schemas.microsoft.com/office/drawing/2014/main" id="{8A8B8340-16F6-F3D7-6D75-8F7B6B7DC6C0}"/>
+                </a:ext>
+              </a:extLst>
+            </p:cNvPr>
+            <p:cNvSpPr txBox="1"/>
+            <p:nvPr/>
+          </p:nvSpPr>
+          <p:spPr>
+            <a:xfrm>
+              <a:off x="4088561" y="838811"/>
+              <a:ext cx="5283831" cy="923330"/>
+            </a:xfrm>
+            <a:prstGeom prst="rect">
+              <a:avLst/>
+            </a:prstGeom>
+            <a:noFill/>
+          </p:spPr>
+          <p:txBody>
+            <a:bodyPr wrap="square" rtlCol="0">
+              <a:spAutoFit/>
+            </a:bodyPr>
+            <a:lstStyle/>
+            <a:p>
+              <a:pPr algn="ctr"/>
+              <a:r>
+                <a:rPr lang="en-US" sz="5400" dirty="0" err="1">
+                  <a:solidFill>
+                    <a:srgbClr val="0EF258"/>
+                  </a:solidFill>
+                  <a:latin typeface="Rockwell Extra Bold" panose="02060903040505020403" pitchFamily="18" charset="0"/>
+                </a:rPr>
+                <a:t>tek</a:t>
+              </a:r>
+              <a:r>
+                <a:rPr lang="en-US" sz="5400" dirty="0" err="1">
+                  <a:solidFill>
+                    <a:srgbClr val="0EF258"/>
+                  </a:solidFill>
+                  <a:latin typeface="Rockwell" panose="02060603020205020403" pitchFamily="18" charset="0"/>
+                </a:rPr>
+                <a:t>Medika</a:t>
+              </a:r>
+              <a:endParaRPr lang="en-IN" sz="4800" dirty="0">
+                <a:solidFill>
+                  <a:srgbClr val="0EF258"/>
+                </a:solidFill>
+                <a:latin typeface="Rockwell" panose="02060603020205020403" pitchFamily="18" charset="0"/>
+              </a:endParaRPr>
+            </a:p>
+          </p:txBody>
+        </p:sp>
+        <p:sp>
+          <p:nvSpPr>
+            <p:cNvPr id="34" name="TextBox 33">
+              <a:extLst>
+                <a:ext uri="{FF2B5EF4-FFF2-40B4-BE49-F238E27FC236}">
+                  <a16:creationId xmlns:a16="http://schemas.microsoft.com/office/drawing/2014/main" id="{21B758AF-FB8B-59BA-81F5-BD602D765983}"/>
+                </a:ext>
+              </a:extLst>
+            </p:cNvPr>
+            <p:cNvSpPr txBox="1"/>
+            <p:nvPr/>
+          </p:nvSpPr>
+          <p:spPr>
+            <a:xfrm>
+              <a:off x="2819607" y="190971"/>
+              <a:ext cx="6552783" cy="646331"/>
+            </a:xfrm>
+            <a:prstGeom prst="rect">
+              <a:avLst/>
+            </a:prstGeom>
+            <a:solidFill>
+              <a:srgbClr val="0EF258"/>
+            </a:solidFill>
+            <a:ln w="28575">
+              <a:solidFill>
+                <a:srgbClr val="0EF258"/>
+              </a:solidFill>
+            </a:ln>
+          </p:spPr>
+          <p:txBody>
+            <a:bodyPr wrap="square" rtlCol="0">
+              <a:spAutoFit/>
+            </a:bodyPr>
+            <a:lstStyle/>
+            <a:p>
+              <a:pPr algn="ctr"/>
+              <a:r>
+                <a:rPr lang="en-US" sz="3600" b="1" dirty="0">
+                  <a:solidFill>
+                    <a:srgbClr val="0D3E51"/>
+                  </a:solidFill>
+                  <a:latin typeface="Cera Pro Medium" panose="00000600000000000000" pitchFamily="50" charset="0"/>
+                </a:rPr>
+                <a:t>INSPIRE-100      </a:t>
+              </a:r>
+              <a:r>
+                <a:rPr lang="en-US" sz="3600" i="1" dirty="0">
+                  <a:solidFill>
+                    <a:srgbClr val="0D3E51"/>
+                  </a:solidFill>
+                  <a:latin typeface="Cera Pro Medium" panose="00000600000000000000" pitchFamily="50" charset="0"/>
+                </a:rPr>
+                <a:t>View Documents</a:t>
+              </a:r>
+              <a:endParaRPr lang="en-IN" sz="3600" i="1" dirty="0">
+                <a:solidFill>
+                  <a:srgbClr val="0D3E51"/>
+                </a:solidFill>
+                <a:latin typeface="Cera Pro Medium" panose="00000600000000000000" pitchFamily="50" charset="0"/>
+              </a:endParaRPr>
+            </a:p>
+          </p:txBody>
+        </p:sp>
+      </p:grpSp>
+    </p:spTree>
+    <p:extLst>
+      <p:ext uri="{BB962C8B-B14F-4D97-AF65-F5344CB8AC3E}">
+        <p14:creationId xmlns:p14="http://schemas.microsoft.com/office/powerpoint/2010/main" val="1887048"/>
+      </p:ext>
+    </p:extLst>
+  </p:cSld>
+  <p:clrMapOvr>
+    <a:masterClrMapping/>
+  </p:clrMapOvr>
+</p:sld>
+</file>
+
+<file path=ppt/slides/slide2.xml><?xml version="1.0" encoding="utf-8"?>
+<p:sld xmlns:a="http://schemas.openxmlformats.org/drawingml/2006/main" xmlns:r="http://schemas.openxmlformats.org/officeDocument/2006/relationships" xmlns:p="http://schemas.openxmlformats.org/presentationml/2006/main">
+  <p:cSld>
+    <p:spTree>
+      <p:nvGrpSpPr>
+        <p:cNvPr id="1" name=""/>
+        <p:cNvGrpSpPr/>
+        <p:nvPr/>
+      </p:nvGrpSpPr>
+      <p:grpSpPr>
+        <a:xfrm>
+          <a:off x="0" y="0"/>
+          <a:ext cx="0" cy="0"/>
+          <a:chOff x="0" y="0"/>
+          <a:chExt cx="0" cy="0"/>
+        </a:xfrm>
+      </p:grpSpPr>
+      <p:grpSp>
+        <p:nvGrpSpPr>
+          <p:cNvPr id="2" name="Group 1">
+            <a:extLst>
+              <a:ext uri="{FF2B5EF4-FFF2-40B4-BE49-F238E27FC236}">
+                <a16:creationId xmlns:a16="http://schemas.microsoft.com/office/drawing/2014/main" id="{3B78E9C7-9C3F-63B0-EB56-C19319A362C6}"/>
+              </a:ext>
+            </a:extLst>
+          </p:cNvPr>
+          <p:cNvGrpSpPr/>
+          <p:nvPr/>
+        </p:nvGrpSpPr>
+        <p:grpSpPr>
+          <a:xfrm>
+            <a:off x="2819608" y="682193"/>
+            <a:ext cx="6552784" cy="1807045"/>
+            <a:chOff x="2819608" y="129416"/>
+            <a:chExt cx="6552784" cy="1807045"/>
+          </a:xfrm>
+        </p:grpSpPr>
+        <p:sp>
+          <p:nvSpPr>
+            <p:cNvPr id="3" name="Rectangle 2">
+              <a:extLst>
+                <a:ext uri="{FF2B5EF4-FFF2-40B4-BE49-F238E27FC236}">
+                  <a16:creationId xmlns:a16="http://schemas.microsoft.com/office/drawing/2014/main" id="{1B1AA146-03B6-C419-5108-370BE8489AD3}"/>
+                </a:ext>
+              </a:extLst>
+            </p:cNvPr>
+            <p:cNvSpPr>
+              <a:spLocks noChangeAspect="1"/>
+            </p:cNvSpPr>
+            <p:nvPr/>
+          </p:nvSpPr>
+          <p:spPr>
+            <a:xfrm>
+              <a:off x="2819609" y="841829"/>
+              <a:ext cx="6552783" cy="1094632"/>
+            </a:xfrm>
+            <a:prstGeom prst="rect">
+              <a:avLst/>
+            </a:prstGeom>
+            <a:solidFill>
+              <a:srgbClr val="0D3E51"/>
+            </a:solidFill>
+            <a:ln w="28575">
+              <a:solidFill>
+                <a:srgbClr val="0EF258"/>
+              </a:solidFill>
+            </a:ln>
+          </p:spPr>
+          <p:style>
+            <a:lnRef idx="2">
+              <a:schemeClr val="accent1">
+                <a:shade val="15000"/>
+              </a:schemeClr>
+            </a:lnRef>
+            <a:fillRef idx="1">
+              <a:schemeClr val="accent1"/>
+            </a:fillRef>
+            <a:effectRef idx="0">
+              <a:schemeClr val="accent1"/>
+            </a:effectRef>
+            <a:fontRef idx="minor">
+              <a:schemeClr val="lt1"/>
+            </a:fontRef>
+          </p:style>
+          <p:txBody>
+            <a:bodyPr rtlCol="0" anchor="ctr"/>
+            <a:lstStyle/>
+            <a:p>
+              <a:pPr algn="ctr"/>
+              <a:endParaRPr lang="en-IN" dirty="0"/>
+            </a:p>
+          </p:txBody>
+        </p:sp>
+        <p:pic>
+          <p:nvPicPr>
+            <p:cNvPr id="4" name="Picture 3">
+              <a:extLst>
+                <a:ext uri="{FF2B5EF4-FFF2-40B4-BE49-F238E27FC236}">
+                  <a16:creationId xmlns:a16="http://schemas.microsoft.com/office/drawing/2014/main" id="{56EB878C-6DF6-B8CD-A537-C2B770BD5E84}"/>
+                </a:ext>
+              </a:extLst>
+            </p:cNvPr>
+            <p:cNvPicPr>
+              <a:picLocks noChangeAspect="1"/>
+            </p:cNvPicPr>
+            <p:nvPr/>
+          </p:nvPicPr>
+          <p:blipFill>
+            <a:blip r:embed="rId2"/>
+            <a:stretch>
+              <a:fillRect/>
+            </a:stretch>
+          </p:blipFill>
+          <p:spPr>
+            <a:xfrm>
+              <a:off x="2819609" y="838811"/>
+              <a:ext cx="1094780" cy="1094780"/>
+            </a:xfrm>
+            <a:prstGeom prst="rect">
+              <a:avLst/>
+            </a:prstGeom>
+            <a:ln>
+              <a:noFill/>
+            </a:ln>
+          </p:spPr>
+        </p:pic>
+        <p:sp>
+          <p:nvSpPr>
+            <p:cNvPr id="5" name="TextBox 4">
+              <a:extLst>
+                <a:ext uri="{FF2B5EF4-FFF2-40B4-BE49-F238E27FC236}">
+                  <a16:creationId xmlns:a16="http://schemas.microsoft.com/office/drawing/2014/main" id="{8E2E6B5A-9841-F50D-1EF0-7BDD47D7C0DC}"/>
+                </a:ext>
+              </a:extLst>
+            </p:cNvPr>
+            <p:cNvSpPr txBox="1"/>
+            <p:nvPr/>
+          </p:nvSpPr>
+          <p:spPr>
+            <a:xfrm>
+              <a:off x="4088561" y="838811"/>
+              <a:ext cx="5283831" cy="923330"/>
+            </a:xfrm>
+            <a:prstGeom prst="rect">
+              <a:avLst/>
+            </a:prstGeom>
+            <a:noFill/>
+          </p:spPr>
+          <p:txBody>
+            <a:bodyPr wrap="square" rtlCol="0">
+              <a:spAutoFit/>
+            </a:bodyPr>
+            <a:lstStyle/>
+            <a:p>
+              <a:pPr algn="ctr"/>
+              <a:r>
+                <a:rPr lang="en-US" sz="5400" dirty="0" err="1">
+                  <a:solidFill>
+                    <a:srgbClr val="0EF258"/>
+                  </a:solidFill>
+                  <a:latin typeface="Rockwell Extra Bold" panose="02060903040505020403" pitchFamily="18" charset="0"/>
+                </a:rPr>
+                <a:t>tek</a:t>
+              </a:r>
+              <a:r>
+                <a:rPr lang="en-US" sz="5400" dirty="0" err="1">
+                  <a:solidFill>
+                    <a:srgbClr val="0EF258"/>
+                  </a:solidFill>
+                  <a:latin typeface="Rockwell" panose="02060603020205020403" pitchFamily="18" charset="0"/>
+                </a:rPr>
+                <a:t>Medika</a:t>
+              </a:r>
+              <a:endParaRPr lang="en-IN" sz="4800" dirty="0">
+                <a:solidFill>
+                  <a:srgbClr val="0EF258"/>
+                </a:solidFill>
+                <a:latin typeface="Rockwell" panose="02060603020205020403" pitchFamily="18" charset="0"/>
+              </a:endParaRPr>
+            </a:p>
+          </p:txBody>
+        </p:sp>
+        <p:sp>
+          <p:nvSpPr>
+            <p:cNvPr id="6" name="TextBox 5">
+              <a:extLst>
+                <a:ext uri="{FF2B5EF4-FFF2-40B4-BE49-F238E27FC236}">
+                  <a16:creationId xmlns:a16="http://schemas.microsoft.com/office/drawing/2014/main" id="{442D8319-F942-B269-17F3-5AB202C48443}"/>
+                </a:ext>
+              </a:extLst>
+            </p:cNvPr>
+            <p:cNvSpPr txBox="1"/>
+            <p:nvPr/>
+          </p:nvSpPr>
+          <p:spPr>
+            <a:xfrm>
+              <a:off x="2819608" y="129416"/>
+              <a:ext cx="6552783" cy="707886"/>
+            </a:xfrm>
+            <a:prstGeom prst="rect">
+              <a:avLst/>
+            </a:prstGeom>
+            <a:solidFill>
+              <a:srgbClr val="0EF258"/>
+            </a:solidFill>
+            <a:ln w="28575">
+              <a:solidFill>
+                <a:srgbClr val="0EF258"/>
+              </a:solidFill>
+            </a:ln>
+          </p:spPr>
+          <p:txBody>
+            <a:bodyPr wrap="square" rtlCol="0">
+              <a:spAutoFit/>
+            </a:bodyPr>
+            <a:lstStyle/>
+            <a:p>
+              <a:pPr algn="ctr"/>
+              <a:r>
+                <a:rPr lang="en-US" sz="3600" b="1" dirty="0">
+                  <a:solidFill>
+                    <a:srgbClr val="0D3E51"/>
+                  </a:solidFill>
+                  <a:latin typeface="Cera Pro Medium" panose="00000600000000000000" pitchFamily="50" charset="0"/>
+                </a:rPr>
+                <a:t>INSPIRE-100       </a:t>
+              </a:r>
+              <a:r>
+                <a:rPr lang="en-US" sz="4000" b="1" dirty="0">
+                  <a:solidFill>
+                    <a:srgbClr val="0D3E51"/>
+                  </a:solidFill>
+                  <a:latin typeface="Cera Pro Medium" panose="00000600000000000000" pitchFamily="50" charset="0"/>
+                </a:rPr>
+                <a:t> </a:t>
+              </a:r>
+              <a:r>
+                <a:rPr lang="en-US" sz="3600" i="1" dirty="0">
+                  <a:solidFill>
+                    <a:srgbClr val="0D3E51"/>
+                  </a:solidFill>
+                  <a:latin typeface="Cera Pro Medium" panose="00000600000000000000" pitchFamily="50" charset="0"/>
+                </a:rPr>
+                <a:t>FiO</a:t>
+              </a:r>
+              <a:r>
+                <a:rPr lang="en-US" sz="3600" i="1" baseline="-25000" dirty="0">
+                  <a:solidFill>
+                    <a:srgbClr val="0D3E51"/>
+                  </a:solidFill>
+                  <a:latin typeface="Cera Pro Medium" panose="00000600000000000000" pitchFamily="50" charset="0"/>
+                </a:rPr>
+                <a:t>2</a:t>
+              </a:r>
+              <a:r>
+                <a:rPr lang="en-US" sz="3600" i="1" dirty="0">
+                  <a:solidFill>
+                    <a:srgbClr val="0D3E51"/>
+                  </a:solidFill>
+                  <a:latin typeface="Cera Pro Medium" panose="00000600000000000000" pitchFamily="50" charset="0"/>
+                </a:rPr>
+                <a:t> Calculator</a:t>
+              </a:r>
+              <a:endParaRPr lang="en-IN" sz="4000" i="1" dirty="0">
+                <a:solidFill>
+                  <a:srgbClr val="0D3E51"/>
+                </a:solidFill>
+                <a:latin typeface="Cera Pro Medium" panose="00000600000000000000" pitchFamily="50" charset="0"/>
+              </a:endParaRPr>
+            </a:p>
+          </p:txBody>
+        </p:sp>
+      </p:grpSp>
+      <p:grpSp>
+        <p:nvGrpSpPr>
+          <p:cNvPr id="12" name="Group 11">
+            <a:extLst>
+              <a:ext uri="{FF2B5EF4-FFF2-40B4-BE49-F238E27FC236}">
+                <a16:creationId xmlns:a16="http://schemas.microsoft.com/office/drawing/2014/main" id="{0159EA93-DD27-FEB4-2616-6027F6B62D0A}"/>
+              </a:ext>
+            </a:extLst>
+          </p:cNvPr>
+          <p:cNvGrpSpPr/>
+          <p:nvPr/>
+        </p:nvGrpSpPr>
+        <p:grpSpPr>
+          <a:xfrm>
+            <a:off x="2819605" y="4160269"/>
+            <a:ext cx="6552785" cy="1745490"/>
+            <a:chOff x="2819607" y="190971"/>
+            <a:chExt cx="6552785" cy="1745490"/>
+          </a:xfrm>
+        </p:grpSpPr>
+        <p:sp>
+          <p:nvSpPr>
+            <p:cNvPr id="13" name="Rectangle 12">
+              <a:extLst>
+                <a:ext uri="{FF2B5EF4-FFF2-40B4-BE49-F238E27FC236}">
+                  <a16:creationId xmlns:a16="http://schemas.microsoft.com/office/drawing/2014/main" id="{6A580AD0-6FF8-176E-AAF1-8222AAE69779}"/>
+                </a:ext>
+              </a:extLst>
+            </p:cNvPr>
+            <p:cNvSpPr>
+              <a:spLocks noChangeAspect="1"/>
+            </p:cNvSpPr>
+            <p:nvPr/>
+          </p:nvSpPr>
+          <p:spPr>
+            <a:xfrm>
+              <a:off x="2819609" y="841829"/>
+              <a:ext cx="6552783" cy="1094632"/>
+            </a:xfrm>
+            <a:prstGeom prst="rect">
+              <a:avLst/>
+            </a:prstGeom>
+            <a:solidFill>
+              <a:srgbClr val="0D3E51"/>
+            </a:solidFill>
+            <a:ln w="28575">
+              <a:solidFill>
+                <a:srgbClr val="0EF258"/>
+              </a:solidFill>
+            </a:ln>
+          </p:spPr>
+          <p:style>
+            <a:lnRef idx="2">
+              <a:schemeClr val="accent1">
+                <a:shade val="15000"/>
+              </a:schemeClr>
+            </a:lnRef>
+            <a:fillRef idx="1">
+              <a:schemeClr val="accent1"/>
+            </a:fillRef>
+            <a:effectRef idx="0">
+              <a:schemeClr val="accent1"/>
+            </a:effectRef>
+            <a:fontRef idx="minor">
+              <a:schemeClr val="lt1"/>
+            </a:fontRef>
+          </p:style>
+          <p:txBody>
+            <a:bodyPr rtlCol="0" anchor="ctr"/>
+            <a:lstStyle/>
+            <a:p>
+              <a:pPr algn="ctr"/>
+              <a:endParaRPr lang="en-IN" dirty="0"/>
+            </a:p>
+          </p:txBody>
+        </p:sp>
+        <p:pic>
+          <p:nvPicPr>
+            <p:cNvPr id="14" name="Picture 13">
+              <a:extLst>
+                <a:ext uri="{FF2B5EF4-FFF2-40B4-BE49-F238E27FC236}">
+                  <a16:creationId xmlns:a16="http://schemas.microsoft.com/office/drawing/2014/main" id="{FEDF9FFD-482E-BD69-BFC8-DD8455FCE248}"/>
+                </a:ext>
+              </a:extLst>
+            </p:cNvPr>
+            <p:cNvPicPr>
+              <a:picLocks noChangeAspect="1"/>
+            </p:cNvPicPr>
+            <p:nvPr/>
+          </p:nvPicPr>
+          <p:blipFill>
+            <a:blip r:embed="rId2"/>
+            <a:stretch>
+              <a:fillRect/>
+            </a:stretch>
+          </p:blipFill>
+          <p:spPr>
+            <a:xfrm>
+              <a:off x="2819609" y="838811"/>
+              <a:ext cx="1094780" cy="1094780"/>
+            </a:xfrm>
+            <a:prstGeom prst="rect">
+              <a:avLst/>
+            </a:prstGeom>
+            <a:ln>
+              <a:noFill/>
+            </a:ln>
+          </p:spPr>
+        </p:pic>
+        <p:sp>
+          <p:nvSpPr>
+            <p:cNvPr id="15" name="TextBox 14">
+              <a:extLst>
+                <a:ext uri="{FF2B5EF4-FFF2-40B4-BE49-F238E27FC236}">
+                  <a16:creationId xmlns:a16="http://schemas.microsoft.com/office/drawing/2014/main" id="{F18C2D87-24F8-FA54-11AC-B3AA695A7D43}"/>
+                </a:ext>
+              </a:extLst>
+            </p:cNvPr>
+            <p:cNvSpPr txBox="1"/>
+            <p:nvPr/>
+          </p:nvSpPr>
+          <p:spPr>
+            <a:xfrm>
+              <a:off x="4088561" y="838811"/>
+              <a:ext cx="5283831" cy="923330"/>
+            </a:xfrm>
+            <a:prstGeom prst="rect">
+              <a:avLst/>
+            </a:prstGeom>
+            <a:noFill/>
+          </p:spPr>
+          <p:txBody>
+            <a:bodyPr wrap="square" rtlCol="0">
+              <a:spAutoFit/>
+            </a:bodyPr>
+            <a:lstStyle/>
+            <a:p>
+              <a:pPr algn="ctr"/>
+              <a:r>
+                <a:rPr lang="en-US" sz="5400" dirty="0" err="1">
+                  <a:solidFill>
+                    <a:srgbClr val="0EF258"/>
+                  </a:solidFill>
+                  <a:latin typeface="Rockwell Extra Bold" panose="02060903040505020403" pitchFamily="18" charset="0"/>
+                </a:rPr>
+                <a:t>tek</a:t>
+              </a:r>
+              <a:r>
+                <a:rPr lang="en-US" sz="5400" dirty="0" err="1">
+                  <a:solidFill>
+                    <a:srgbClr val="0EF258"/>
+                  </a:solidFill>
+                  <a:latin typeface="Rockwell" panose="02060603020205020403" pitchFamily="18" charset="0"/>
+                </a:rPr>
+                <a:t>Medika</a:t>
+              </a:r>
+              <a:endParaRPr lang="en-IN" sz="4800" dirty="0">
+                <a:solidFill>
+                  <a:srgbClr val="0EF258"/>
+                </a:solidFill>
+                <a:latin typeface="Rockwell" panose="02060603020205020403" pitchFamily="18" charset="0"/>
+              </a:endParaRPr>
+            </a:p>
+          </p:txBody>
+        </p:sp>
+        <p:sp>
+          <p:nvSpPr>
+            <p:cNvPr id="16" name="TextBox 15">
+              <a:extLst>
+                <a:ext uri="{FF2B5EF4-FFF2-40B4-BE49-F238E27FC236}">
+                  <a16:creationId xmlns:a16="http://schemas.microsoft.com/office/drawing/2014/main" id="{02B0FB08-9778-9473-944F-DD61CFF7C239}"/>
+                </a:ext>
+              </a:extLst>
+            </p:cNvPr>
+            <p:cNvSpPr txBox="1"/>
+            <p:nvPr/>
+          </p:nvSpPr>
+          <p:spPr>
+            <a:xfrm>
+              <a:off x="2819607" y="190971"/>
+              <a:ext cx="6552783" cy="646331"/>
+            </a:xfrm>
+            <a:prstGeom prst="rect">
+              <a:avLst/>
+            </a:prstGeom>
+            <a:solidFill>
+              <a:srgbClr val="0EF258"/>
+            </a:solidFill>
+            <a:ln w="28575">
+              <a:solidFill>
+                <a:srgbClr val="0EF258"/>
+              </a:solidFill>
+            </a:ln>
+          </p:spPr>
+          <p:txBody>
+            <a:bodyPr wrap="square" rtlCol="0">
+              <a:spAutoFit/>
+            </a:bodyPr>
+            <a:lstStyle/>
+            <a:p>
+              <a:pPr algn="ctr"/>
+              <a:r>
+                <a:rPr lang="en-US" sz="3600" b="1" dirty="0">
+                  <a:solidFill>
+                    <a:srgbClr val="0D3E51"/>
+                  </a:solidFill>
+                  <a:latin typeface="Cera Pro Medium" panose="00000600000000000000" pitchFamily="50" charset="0"/>
+                </a:rPr>
+                <a:t>INSPIRE-100        </a:t>
+              </a:r>
+              <a:r>
+                <a:rPr lang="en-US" sz="3600" i="1" dirty="0">
+                  <a:solidFill>
+                    <a:srgbClr val="0D3E51"/>
+                  </a:solidFill>
+                  <a:latin typeface="Cera Pro Medium" panose="00000600000000000000" pitchFamily="50" charset="0"/>
+                </a:rPr>
+                <a:t>PSV Calculator</a:t>
+              </a:r>
+              <a:endParaRPr lang="en-IN" sz="3600" i="1" dirty="0">
+                <a:solidFill>
+                  <a:srgbClr val="0D3E51"/>
+                </a:solidFill>
+                <a:latin typeface="Cera Pro Medium" panose="00000600000000000000" pitchFamily="50" charset="0"/>
+              </a:endParaRPr>
+            </a:p>
+          </p:txBody>
+        </p:sp>
+      </p:grpSp>
+    </p:spTree>
+    <p:extLst>
+      <p:ext uri="{BB962C8B-B14F-4D97-AF65-F5344CB8AC3E}">
+        <p14:creationId xmlns:p14="http://schemas.microsoft.com/office/powerpoint/2010/main" val="4097540604"/>
+      </p:ext>
+    </p:extLst>
+  </p:cSld>
+  <p:clrMapOvr>
+    <a:masterClrMapping/>
+  </p:clrMapOvr>
+</p:sld>
+</file>
+
+<file path=ppt/slides/slide3.xml><?xml version="1.0" encoding="utf-8"?>
+<p:sld xmlns:a="http://schemas.openxmlformats.org/drawingml/2006/main" xmlns:r="http://schemas.openxmlformats.org/officeDocument/2006/relationships" xmlns:p="http://schemas.openxmlformats.org/presentationml/2006/main">
+  <p:cSld>
+    <p:spTree>
+      <p:nvGrpSpPr>
+        <p:cNvPr id="1" name=""/>
+        <p:cNvGrpSpPr/>
+        <p:nvPr/>
+      </p:nvGrpSpPr>
+      <p:grpSpPr>
+        <a:xfrm>
+          <a:off x="0" y="0"/>
+          <a:ext cx="0" cy="0"/>
+          <a:chOff x="0" y="0"/>
+          <a:chExt cx="0" cy="0"/>
+        </a:xfrm>
+      </p:grpSpPr>
+      <p:grpSp>
+        <p:nvGrpSpPr>
+          <p:cNvPr id="4" name="Group 3">
+            <a:extLst>
+              <a:ext uri="{FF2B5EF4-FFF2-40B4-BE49-F238E27FC236}">
+                <a16:creationId xmlns:a16="http://schemas.microsoft.com/office/drawing/2014/main" id="{FC465AAA-8F43-9F3A-47F0-7BC1F3CFDEF5}"/>
+              </a:ext>
+            </a:extLst>
+          </p:cNvPr>
+          <p:cNvGrpSpPr/>
+          <p:nvPr/>
+        </p:nvGrpSpPr>
+        <p:grpSpPr>
+          <a:xfrm>
+            <a:off x="2819607" y="190971"/>
+            <a:ext cx="6552785" cy="1745490"/>
+            <a:chOff x="2819607" y="190971"/>
+            <a:chExt cx="6552785" cy="1745490"/>
+          </a:xfrm>
+        </p:grpSpPr>
+        <p:sp>
+          <p:nvSpPr>
+            <p:cNvPr id="9" name="Rectangle 8">
+              <a:extLst>
+                <a:ext uri="{FF2B5EF4-FFF2-40B4-BE49-F238E27FC236}">
+                  <a16:creationId xmlns:a16="http://schemas.microsoft.com/office/drawing/2014/main" id="{9FCC845F-1106-5691-5BD0-1A5B88E09ABA}"/>
+                </a:ext>
+              </a:extLst>
+            </p:cNvPr>
+            <p:cNvSpPr>
+              <a:spLocks noChangeAspect="1"/>
+            </p:cNvSpPr>
+            <p:nvPr/>
+          </p:nvSpPr>
+          <p:spPr>
+            <a:xfrm>
+              <a:off x="2819609" y="841829"/>
+              <a:ext cx="6552783" cy="1094632"/>
+            </a:xfrm>
+            <a:prstGeom prst="rect">
+              <a:avLst/>
+            </a:prstGeom>
+            <a:solidFill>
+              <a:srgbClr val="0D3E51"/>
+            </a:solidFill>
+            <a:ln w="28575">
+              <a:solidFill>
+                <a:srgbClr val="0EF258"/>
+              </a:solidFill>
+            </a:ln>
+          </p:spPr>
+          <p:style>
+            <a:lnRef idx="2">
+              <a:schemeClr val="accent1">
+                <a:shade val="15000"/>
+              </a:schemeClr>
+            </a:lnRef>
+            <a:fillRef idx="1">
+              <a:schemeClr val="accent1"/>
+            </a:fillRef>
+            <a:effectRef idx="0">
+              <a:schemeClr val="accent1"/>
+            </a:effectRef>
+            <a:fontRef idx="minor">
+              <a:schemeClr val="lt1"/>
+            </a:fontRef>
+          </p:style>
+          <p:txBody>
+            <a:bodyPr rtlCol="0" anchor="ctr"/>
+            <a:lstStyle/>
+            <a:p>
+              <a:pPr algn="ctr"/>
+              <a:endParaRPr lang="en-IN" dirty="0"/>
+            </a:p>
+          </p:txBody>
+        </p:sp>
+        <p:pic>
+          <p:nvPicPr>
+            <p:cNvPr id="10" name="Picture 9">
+              <a:extLst>
+                <a:ext uri="{FF2B5EF4-FFF2-40B4-BE49-F238E27FC236}">
+                  <a16:creationId xmlns:a16="http://schemas.microsoft.com/office/drawing/2014/main" id="{7E0023C2-B67F-66BA-2DE4-0BAAB0CE8035}"/>
+                </a:ext>
+              </a:extLst>
+            </p:cNvPr>
+            <p:cNvPicPr>
+              <a:picLocks noChangeAspect="1"/>
+            </p:cNvPicPr>
+            <p:nvPr/>
+          </p:nvPicPr>
+          <p:blipFill>
+            <a:blip r:embed="rId2"/>
+            <a:stretch>
+              <a:fillRect/>
+            </a:stretch>
+          </p:blipFill>
+          <p:spPr>
+            <a:xfrm>
+              <a:off x="2819609" y="838811"/>
+              <a:ext cx="1094780" cy="1094780"/>
+            </a:xfrm>
+            <a:prstGeom prst="rect">
+              <a:avLst/>
+            </a:prstGeom>
+            <a:ln>
+              <a:noFill/>
+            </a:ln>
+          </p:spPr>
+        </p:pic>
+        <p:sp>
+          <p:nvSpPr>
+            <p:cNvPr id="11" name="TextBox 10">
+              <a:extLst>
+                <a:ext uri="{FF2B5EF4-FFF2-40B4-BE49-F238E27FC236}">
+                  <a16:creationId xmlns:a16="http://schemas.microsoft.com/office/drawing/2014/main" id="{EA906BE6-1FF2-F802-E2DA-655F33BA0B66}"/>
+                </a:ext>
+              </a:extLst>
+            </p:cNvPr>
+            <p:cNvSpPr txBox="1"/>
+            <p:nvPr/>
+          </p:nvSpPr>
+          <p:spPr>
+            <a:xfrm>
+              <a:off x="4088561" y="838811"/>
+              <a:ext cx="5283831" cy="923330"/>
+            </a:xfrm>
+            <a:prstGeom prst="rect">
+              <a:avLst/>
+            </a:prstGeom>
+            <a:noFill/>
+          </p:spPr>
+          <p:txBody>
+            <a:bodyPr wrap="square" rtlCol="0">
+              <a:spAutoFit/>
+            </a:bodyPr>
+            <a:lstStyle/>
+            <a:p>
+              <a:pPr algn="ctr"/>
+              <a:r>
+                <a:rPr lang="en-US" sz="5400" dirty="0" err="1">
+                  <a:solidFill>
+                    <a:srgbClr val="0EF258"/>
+                  </a:solidFill>
+                  <a:latin typeface="Rockwell Extra Bold" panose="02060903040505020403" pitchFamily="18" charset="0"/>
+                </a:rPr>
+                <a:t>tek</a:t>
+              </a:r>
+              <a:r>
+                <a:rPr lang="en-US" sz="5400" dirty="0" err="1">
+                  <a:solidFill>
+                    <a:srgbClr val="0EF258"/>
+                  </a:solidFill>
+                  <a:latin typeface="Rockwell" panose="02060603020205020403" pitchFamily="18" charset="0"/>
+                </a:rPr>
+                <a:t>Medika</a:t>
+              </a:r>
+              <a:endParaRPr lang="en-IN" sz="4800" dirty="0">
+                <a:solidFill>
+                  <a:srgbClr val="0EF258"/>
+                </a:solidFill>
+                <a:latin typeface="Rockwell" panose="02060603020205020403" pitchFamily="18" charset="0"/>
+              </a:endParaRPr>
+            </a:p>
+          </p:txBody>
+        </p:sp>
+        <p:sp>
+          <p:nvSpPr>
+            <p:cNvPr id="16" name="TextBox 15">
+              <a:extLst>
+                <a:ext uri="{FF2B5EF4-FFF2-40B4-BE49-F238E27FC236}">
+                  <a16:creationId xmlns:a16="http://schemas.microsoft.com/office/drawing/2014/main" id="{2778DF63-4498-0961-AF10-B6A31C091514}"/>
+                </a:ext>
+              </a:extLst>
+            </p:cNvPr>
+            <p:cNvSpPr txBox="1"/>
+            <p:nvPr/>
+          </p:nvSpPr>
+          <p:spPr>
+            <a:xfrm>
+              <a:off x="2819607" y="190971"/>
+              <a:ext cx="6552783" cy="646331"/>
+            </a:xfrm>
+            <a:prstGeom prst="rect">
+              <a:avLst/>
+            </a:prstGeom>
+            <a:solidFill>
+              <a:srgbClr val="0EF258"/>
+            </a:solidFill>
+            <a:ln w="28575">
+              <a:solidFill>
+                <a:srgbClr val="0EF258"/>
+              </a:solidFill>
+            </a:ln>
+          </p:spPr>
+          <p:txBody>
+            <a:bodyPr wrap="square" rtlCol="0">
+              <a:spAutoFit/>
+            </a:bodyPr>
+            <a:lstStyle/>
+            <a:p>
+              <a:pPr algn="ctr"/>
+              <a:r>
+                <a:rPr lang="en-US" sz="3600" b="1" dirty="0">
+                  <a:solidFill>
+                    <a:srgbClr val="0D3E51"/>
+                  </a:solidFill>
+                  <a:latin typeface="Cera Pro Medium" panose="00000600000000000000" pitchFamily="50" charset="0"/>
+                </a:rPr>
+                <a:t>INSPIRE-100                </a:t>
+              </a:r>
+              <a:r>
+                <a:rPr lang="en-US" sz="3600" i="1" dirty="0">
+                  <a:solidFill>
+                    <a:srgbClr val="0D3E51"/>
+                  </a:solidFill>
+                  <a:latin typeface="Cera Pro Medium" panose="00000600000000000000" pitchFamily="50" charset="0"/>
+                </a:rPr>
+                <a:t>Dashboard</a:t>
+              </a:r>
+              <a:endParaRPr lang="en-IN" sz="3600" i="1" dirty="0">
+                <a:solidFill>
+                  <a:srgbClr val="0D3E51"/>
+                </a:solidFill>
+                <a:latin typeface="Cera Pro Medium" panose="00000600000000000000" pitchFamily="50" charset="0"/>
+              </a:endParaRPr>
+            </a:p>
+          </p:txBody>
+        </p:sp>
+      </p:grpSp>
+      <p:grpSp>
+        <p:nvGrpSpPr>
+          <p:cNvPr id="13" name="Group 12">
+            <a:extLst>
+              <a:ext uri="{FF2B5EF4-FFF2-40B4-BE49-F238E27FC236}">
+                <a16:creationId xmlns:a16="http://schemas.microsoft.com/office/drawing/2014/main" id="{1147382F-15A4-9A1A-169B-A9A0E60BC238}"/>
+              </a:ext>
+            </a:extLst>
+          </p:cNvPr>
+          <p:cNvGrpSpPr/>
+          <p:nvPr/>
+        </p:nvGrpSpPr>
+        <p:grpSpPr>
+          <a:xfrm>
+            <a:off x="2819605" y="2175620"/>
+            <a:ext cx="6552785" cy="1745490"/>
+            <a:chOff x="2819607" y="190971"/>
+            <a:chExt cx="6552785" cy="1745490"/>
+          </a:xfrm>
+        </p:grpSpPr>
+        <p:sp>
+          <p:nvSpPr>
+            <p:cNvPr id="14" name="Rectangle 13">
+              <a:extLst>
+                <a:ext uri="{FF2B5EF4-FFF2-40B4-BE49-F238E27FC236}">
+                  <a16:creationId xmlns:a16="http://schemas.microsoft.com/office/drawing/2014/main" id="{79E9331D-6BE3-BACE-EB47-99439875FDA7}"/>
+                </a:ext>
+              </a:extLst>
+            </p:cNvPr>
+            <p:cNvSpPr>
+              <a:spLocks noChangeAspect="1"/>
+            </p:cNvSpPr>
+            <p:nvPr/>
+          </p:nvSpPr>
+          <p:spPr>
+            <a:xfrm>
+              <a:off x="2819609" y="841829"/>
+              <a:ext cx="6552783" cy="1094632"/>
+            </a:xfrm>
+            <a:prstGeom prst="rect">
+              <a:avLst/>
+            </a:prstGeom>
+            <a:solidFill>
+              <a:srgbClr val="0D3E51"/>
+            </a:solidFill>
+            <a:ln w="28575">
+              <a:solidFill>
+                <a:srgbClr val="0EF258"/>
+              </a:solidFill>
+            </a:ln>
+          </p:spPr>
+          <p:style>
+            <a:lnRef idx="2">
+              <a:schemeClr val="accent1">
+                <a:shade val="15000"/>
+              </a:schemeClr>
+            </a:lnRef>
+            <a:fillRef idx="1">
+              <a:schemeClr val="accent1"/>
+            </a:fillRef>
+            <a:effectRef idx="0">
+              <a:schemeClr val="accent1"/>
+            </a:effectRef>
+            <a:fontRef idx="minor">
+              <a:schemeClr val="lt1"/>
+            </a:fontRef>
+          </p:style>
+          <p:txBody>
+            <a:bodyPr rtlCol="0" anchor="ctr"/>
+            <a:lstStyle/>
+            <a:p>
+              <a:pPr algn="ctr"/>
+              <a:endParaRPr lang="en-IN" dirty="0"/>
+            </a:p>
+          </p:txBody>
+        </p:sp>
+        <p:pic>
+          <p:nvPicPr>
+            <p:cNvPr id="15" name="Picture 14">
+              <a:extLst>
+                <a:ext uri="{FF2B5EF4-FFF2-40B4-BE49-F238E27FC236}">
+                  <a16:creationId xmlns:a16="http://schemas.microsoft.com/office/drawing/2014/main" id="{D7D359AE-3225-968A-C531-A2F9288FCA71}"/>
+                </a:ext>
+              </a:extLst>
+            </p:cNvPr>
+            <p:cNvPicPr>
+              <a:picLocks noChangeAspect="1"/>
+            </p:cNvPicPr>
+            <p:nvPr/>
+          </p:nvPicPr>
+          <p:blipFill>
+            <a:blip r:embed="rId2"/>
+            <a:stretch>
+              <a:fillRect/>
+            </a:stretch>
+          </p:blipFill>
+          <p:spPr>
+            <a:xfrm>
+              <a:off x="2819609" y="838811"/>
+              <a:ext cx="1094780" cy="1094780"/>
+            </a:xfrm>
+            <a:prstGeom prst="rect">
+              <a:avLst/>
+            </a:prstGeom>
+            <a:ln>
+              <a:noFill/>
+            </a:ln>
+          </p:spPr>
+        </p:pic>
+        <p:sp>
+          <p:nvSpPr>
+            <p:cNvPr id="28" name="TextBox 27">
+              <a:extLst>
+                <a:ext uri="{FF2B5EF4-FFF2-40B4-BE49-F238E27FC236}">
+                  <a16:creationId xmlns:a16="http://schemas.microsoft.com/office/drawing/2014/main" id="{3000E037-3214-81E3-6AB1-A8FA2AB58101}"/>
+                </a:ext>
+              </a:extLst>
+            </p:cNvPr>
+            <p:cNvSpPr txBox="1"/>
+            <p:nvPr/>
+          </p:nvSpPr>
+          <p:spPr>
+            <a:xfrm>
+              <a:off x="4088561" y="838811"/>
+              <a:ext cx="5283831" cy="923330"/>
+            </a:xfrm>
+            <a:prstGeom prst="rect">
+              <a:avLst/>
+            </a:prstGeom>
+            <a:noFill/>
+          </p:spPr>
+          <p:txBody>
+            <a:bodyPr wrap="square" rtlCol="0">
+              <a:spAutoFit/>
+            </a:bodyPr>
+            <a:lstStyle/>
+            <a:p>
+              <a:pPr algn="ctr"/>
+              <a:r>
+                <a:rPr lang="en-US" sz="5400" dirty="0" err="1">
+                  <a:solidFill>
+                    <a:srgbClr val="0EF258"/>
+                  </a:solidFill>
+                  <a:latin typeface="Rockwell Extra Bold" panose="02060903040505020403" pitchFamily="18" charset="0"/>
+                </a:rPr>
+                <a:t>tek</a:t>
+              </a:r>
+              <a:r>
+                <a:rPr lang="en-US" sz="5400" dirty="0" err="1">
+                  <a:solidFill>
+                    <a:srgbClr val="0EF258"/>
+                  </a:solidFill>
+                  <a:latin typeface="Rockwell" panose="02060603020205020403" pitchFamily="18" charset="0"/>
+                </a:rPr>
+                <a:t>Medika</a:t>
+              </a:r>
+              <a:endParaRPr lang="en-IN" sz="4800" dirty="0">
+                <a:solidFill>
+                  <a:srgbClr val="0EF258"/>
+                </a:solidFill>
+                <a:latin typeface="Rockwell" panose="02060603020205020403" pitchFamily="18" charset="0"/>
+              </a:endParaRPr>
+            </a:p>
+          </p:txBody>
+        </p:sp>
+        <p:sp>
+          <p:nvSpPr>
+            <p:cNvPr id="29" name="TextBox 28">
+              <a:extLst>
+                <a:ext uri="{FF2B5EF4-FFF2-40B4-BE49-F238E27FC236}">
+                  <a16:creationId xmlns:a16="http://schemas.microsoft.com/office/drawing/2014/main" id="{739C6828-1F9C-056D-F528-08C1B97B04C0}"/>
+                </a:ext>
+              </a:extLst>
+            </p:cNvPr>
+            <p:cNvSpPr txBox="1"/>
+            <p:nvPr/>
+          </p:nvSpPr>
+          <p:spPr>
+            <a:xfrm>
+              <a:off x="2819607" y="190971"/>
+              <a:ext cx="6552783" cy="646331"/>
+            </a:xfrm>
+            <a:prstGeom prst="rect">
+              <a:avLst/>
+            </a:prstGeom>
+            <a:solidFill>
+              <a:srgbClr val="0EF258"/>
+            </a:solidFill>
+            <a:ln w="28575">
+              <a:solidFill>
+                <a:srgbClr val="0EF258"/>
+              </a:solidFill>
+            </a:ln>
+          </p:spPr>
+          <p:txBody>
+            <a:bodyPr wrap="square" rtlCol="0">
+              <a:spAutoFit/>
+            </a:bodyPr>
+            <a:lstStyle/>
+            <a:p>
+              <a:pPr algn="ctr"/>
+              <a:r>
+                <a:rPr lang="en-US" sz="3600" b="1" dirty="0">
+                  <a:solidFill>
+                    <a:srgbClr val="0D3E51"/>
+                  </a:solidFill>
+                  <a:latin typeface="Cera Pro Medium" panose="00000600000000000000" pitchFamily="50" charset="0"/>
+                </a:rPr>
+                <a:t>INSPIRE-100                   </a:t>
+              </a:r>
+              <a:r>
+                <a:rPr lang="en-US" sz="3600" i="1" dirty="0">
+                  <a:solidFill>
+                    <a:srgbClr val="0D3E51"/>
+                  </a:solidFill>
+                  <a:latin typeface="Cera Pro Medium" panose="00000600000000000000" pitchFamily="50" charset="0"/>
+                </a:rPr>
+                <a:t>Analyzer</a:t>
+              </a:r>
+              <a:endParaRPr lang="en-IN" sz="3600" i="1" dirty="0">
+                <a:solidFill>
+                  <a:srgbClr val="0D3E51"/>
+                </a:solidFill>
+                <a:latin typeface="Cera Pro Medium" panose="00000600000000000000" pitchFamily="50" charset="0"/>
+              </a:endParaRPr>
+            </a:p>
+          </p:txBody>
+        </p:sp>
+      </p:grpSp>
+      <p:grpSp>
+        <p:nvGrpSpPr>
+          <p:cNvPr id="30" name="Group 29">
+            <a:extLst>
+              <a:ext uri="{FF2B5EF4-FFF2-40B4-BE49-F238E27FC236}">
+                <a16:creationId xmlns:a16="http://schemas.microsoft.com/office/drawing/2014/main" id="{FA660C82-8C0C-DA6A-1CD2-71104BAE4DE9}"/>
+              </a:ext>
+            </a:extLst>
+          </p:cNvPr>
+          <p:cNvGrpSpPr/>
+          <p:nvPr/>
+        </p:nvGrpSpPr>
+        <p:grpSpPr>
+          <a:xfrm>
+            <a:off x="2819605" y="4160269"/>
+            <a:ext cx="6552785" cy="1745490"/>
+            <a:chOff x="2819607" y="190971"/>
+            <a:chExt cx="6552785" cy="1745490"/>
+          </a:xfrm>
+        </p:grpSpPr>
+        <p:sp>
+          <p:nvSpPr>
+            <p:cNvPr id="31" name="Rectangle 30">
+              <a:extLst>
+                <a:ext uri="{FF2B5EF4-FFF2-40B4-BE49-F238E27FC236}">
+                  <a16:creationId xmlns:a16="http://schemas.microsoft.com/office/drawing/2014/main" id="{68C5C17B-5970-A186-98F4-7F1ECEB63366}"/>
+                </a:ext>
+              </a:extLst>
+            </p:cNvPr>
+            <p:cNvSpPr>
+              <a:spLocks noChangeAspect="1"/>
+            </p:cNvSpPr>
+            <p:nvPr/>
+          </p:nvSpPr>
+          <p:spPr>
+            <a:xfrm>
+              <a:off x="2819609" y="841829"/>
+              <a:ext cx="6552783" cy="1094632"/>
+            </a:xfrm>
+            <a:prstGeom prst="rect">
+              <a:avLst/>
+            </a:prstGeom>
+            <a:solidFill>
+              <a:srgbClr val="0D3E51"/>
+            </a:solidFill>
+            <a:ln w="28575">
+              <a:solidFill>
+                <a:srgbClr val="0EF258"/>
+              </a:solidFill>
+            </a:ln>
+          </p:spPr>
+          <p:style>
+            <a:lnRef idx="2">
+              <a:schemeClr val="accent1">
+                <a:shade val="15000"/>
+              </a:schemeClr>
+            </a:lnRef>
+            <a:fillRef idx="1">
+              <a:schemeClr val="accent1"/>
+            </a:fillRef>
+            <a:effectRef idx="0">
+              <a:schemeClr val="accent1"/>
+            </a:effectRef>
+            <a:fontRef idx="minor">
+              <a:schemeClr val="lt1"/>
+            </a:fontRef>
+          </p:style>
+          <p:txBody>
+            <a:bodyPr rtlCol="0" anchor="ctr"/>
+            <a:lstStyle/>
+            <a:p>
+              <a:pPr algn="ctr"/>
+              <a:endParaRPr lang="en-IN" dirty="0"/>
+            </a:p>
+          </p:txBody>
+        </p:sp>
+        <p:pic>
+          <p:nvPicPr>
+            <p:cNvPr id="32" name="Picture 31">
+              <a:extLst>
+                <a:ext uri="{FF2B5EF4-FFF2-40B4-BE49-F238E27FC236}">
+                  <a16:creationId xmlns:a16="http://schemas.microsoft.com/office/drawing/2014/main" id="{40A70188-093D-E450-E65B-DC18DBDD07CE}"/>
+                </a:ext>
+              </a:extLst>
+            </p:cNvPr>
+            <p:cNvPicPr>
+              <a:picLocks noChangeAspect="1"/>
+            </p:cNvPicPr>
+            <p:nvPr/>
+          </p:nvPicPr>
+          <p:blipFill>
+            <a:blip r:embed="rId2"/>
+            <a:stretch>
+              <a:fillRect/>
+            </a:stretch>
+          </p:blipFill>
+          <p:spPr>
+            <a:xfrm>
+              <a:off x="2819609" y="838811"/>
+              <a:ext cx="1094780" cy="1094780"/>
+            </a:xfrm>
+            <a:prstGeom prst="rect">
+              <a:avLst/>
+            </a:prstGeom>
+            <a:ln>
+              <a:noFill/>
+            </a:ln>
+          </p:spPr>
+        </p:pic>
+        <p:sp>
+          <p:nvSpPr>
+            <p:cNvPr id="33" name="TextBox 32">
+              <a:extLst>
+                <a:ext uri="{FF2B5EF4-FFF2-40B4-BE49-F238E27FC236}">
+                  <a16:creationId xmlns:a16="http://schemas.microsoft.com/office/drawing/2014/main" id="{8A8B8340-16F6-F3D7-6D75-8F7B6B7DC6C0}"/>
+                </a:ext>
+              </a:extLst>
+            </p:cNvPr>
+            <p:cNvSpPr txBox="1"/>
+            <p:nvPr/>
+          </p:nvSpPr>
+          <p:spPr>
+            <a:xfrm>
+              <a:off x="4088561" y="838811"/>
+              <a:ext cx="5283831" cy="923330"/>
+            </a:xfrm>
+            <a:prstGeom prst="rect">
+              <a:avLst/>
+            </a:prstGeom>
+            <a:noFill/>
+          </p:spPr>
+          <p:txBody>
+            <a:bodyPr wrap="square" rtlCol="0">
+              <a:spAutoFit/>
+            </a:bodyPr>
+            <a:lstStyle/>
+            <a:p>
+              <a:pPr algn="ctr"/>
+              <a:r>
+                <a:rPr lang="en-US" sz="5400" dirty="0" err="1">
+                  <a:solidFill>
+                    <a:srgbClr val="0EF258"/>
+                  </a:solidFill>
+                  <a:latin typeface="Rockwell Extra Bold" panose="02060903040505020403" pitchFamily="18" charset="0"/>
+                </a:rPr>
+                <a:t>tek</a:t>
+              </a:r>
+              <a:r>
+                <a:rPr lang="en-US" sz="5400" dirty="0" err="1">
+                  <a:solidFill>
+                    <a:srgbClr val="0EF258"/>
+                  </a:solidFill>
+                  <a:latin typeface="Rockwell" panose="02060603020205020403" pitchFamily="18" charset="0"/>
+                </a:rPr>
+                <a:t>Medika</a:t>
+              </a:r>
+              <a:endParaRPr lang="en-IN" sz="4800" dirty="0">
+                <a:solidFill>
+                  <a:srgbClr val="0EF258"/>
+                </a:solidFill>
+                <a:latin typeface="Rockwell" panose="02060603020205020403" pitchFamily="18" charset="0"/>
+              </a:endParaRPr>
+            </a:p>
+          </p:txBody>
+        </p:sp>
+        <p:sp>
+          <p:nvSpPr>
+            <p:cNvPr id="34" name="TextBox 33">
+              <a:extLst>
+                <a:ext uri="{FF2B5EF4-FFF2-40B4-BE49-F238E27FC236}">
+                  <a16:creationId xmlns:a16="http://schemas.microsoft.com/office/drawing/2014/main" id="{21B758AF-FB8B-59BA-81F5-BD602D765983}"/>
+                </a:ext>
+              </a:extLst>
+            </p:cNvPr>
+            <p:cNvSpPr txBox="1"/>
+            <p:nvPr/>
+          </p:nvSpPr>
+          <p:spPr>
+            <a:xfrm>
+              <a:off x="2819607" y="190971"/>
+              <a:ext cx="6552783" cy="646331"/>
+            </a:xfrm>
+            <a:prstGeom prst="rect">
+              <a:avLst/>
+            </a:prstGeom>
+            <a:solidFill>
+              <a:srgbClr val="0EF258"/>
+            </a:solidFill>
+            <a:ln w="28575">
+              <a:solidFill>
+                <a:srgbClr val="0EF258"/>
+              </a:solidFill>
+            </a:ln>
+          </p:spPr>
+          <p:txBody>
+            <a:bodyPr wrap="square" rtlCol="0">
+              <a:spAutoFit/>
+            </a:bodyPr>
+            <a:lstStyle/>
+            <a:p>
+              <a:pPr algn="ctr"/>
+              <a:r>
+                <a:rPr lang="en-US" sz="3600" b="1" dirty="0">
+                  <a:solidFill>
+                    <a:srgbClr val="0D3E51"/>
+                  </a:solidFill>
+                  <a:latin typeface="Cera Pro Medium" panose="00000600000000000000" pitchFamily="50" charset="0"/>
+                </a:rPr>
+                <a:t>INSPIRE-100                  </a:t>
+              </a:r>
+              <a:r>
+                <a:rPr lang="en-US" sz="3600" i="1" dirty="0">
+                  <a:solidFill>
+                    <a:srgbClr val="0D3E51"/>
+                  </a:solidFill>
+                  <a:latin typeface="Cera Pro Medium" panose="00000600000000000000" pitchFamily="50" charset="0"/>
+                </a:rPr>
+                <a:t>Recorder</a:t>
+              </a:r>
+              <a:endParaRPr lang="en-IN" sz="3600" i="1" dirty="0">
+                <a:solidFill>
+                  <a:srgbClr val="0D3E51"/>
+                </a:solidFill>
+                <a:latin typeface="Cera Pro Medium" panose="00000600000000000000" pitchFamily="50" charset="0"/>
+              </a:endParaRPr>
+            </a:p>
+          </p:txBody>
+        </p:sp>
+      </p:grpSp>
+    </p:spTree>
+    <p:extLst>
+      <p:ext uri="{BB962C8B-B14F-4D97-AF65-F5344CB8AC3E}">
+        <p14:creationId xmlns:p14="http://schemas.microsoft.com/office/powerpoint/2010/main" val="3916464779"/>
+      </p:ext>
+    </p:extLst>
+  </p:cSld>
+  <p:clrMapOvr>
+    <a:masterClrMapping/>
+  </p:clrMapOvr>
+</p:sld>
+</file>
+
+<file path=ppt/slides/slide4.xml><?xml version="1.0" encoding="utf-8"?>
+<p:sld xmlns:a="http://schemas.openxmlformats.org/drawingml/2006/main" xmlns:r="http://schemas.openxmlformats.org/officeDocument/2006/relationships" xmlns:p="http://schemas.openxmlformats.org/presentationml/2006/main">
+  <p:cSld>
+    <p:spTree>
+      <p:nvGrpSpPr>
+        <p:cNvPr id="1" name=""/>
+        <p:cNvGrpSpPr/>
+        <p:nvPr/>
+      </p:nvGrpSpPr>
+      <p:grpSpPr>
+        <a:xfrm>
+          <a:off x="0" y="0"/>
+          <a:ext cx="0" cy="0"/>
+          <a:chOff x="0" y="0"/>
+          <a:chExt cx="0" cy="0"/>
+        </a:xfrm>
+      </p:grpSpPr>
+      <p:sp>
+        <p:nvSpPr>
+          <p:cNvPr id="7" name="Rectangle 6">
+            <a:extLst>
+              <a:ext uri="{FF2B5EF4-FFF2-40B4-BE49-F238E27FC236}">
+                <a16:creationId xmlns:a16="http://schemas.microsoft.com/office/drawing/2014/main" id="{EEF91457-55A0-402E-BD61-62BA66406954}"/>
+              </a:ext>
+            </a:extLst>
+          </p:cNvPr>
+          <p:cNvSpPr/>
+          <p:nvPr/>
+        </p:nvSpPr>
+        <p:spPr>
+          <a:xfrm>
+            <a:off x="2467893" y="842036"/>
+            <a:ext cx="6517082" cy="1013005"/>
+          </a:xfrm>
+          <a:prstGeom prst="rect">
+            <a:avLst/>
+          </a:prstGeom>
+          <a:solidFill>
+            <a:srgbClr val="0D3E51"/>
+          </a:solidFill>
+          <a:ln w="28575">
+            <a:noFill/>
+          </a:ln>
+        </p:spPr>
+        <p:style>
+          <a:lnRef idx="2">
+            <a:schemeClr val="accent1">
+              <a:shade val="50000"/>
+            </a:schemeClr>
+          </a:lnRef>
+          <a:fillRef idx="1">
+            <a:schemeClr val="accent1"/>
+          </a:fillRef>
+          <a:effectRef idx="0">
+            <a:schemeClr val="accent1"/>
+          </a:effectRef>
+          <a:fontRef idx="minor">
+            <a:schemeClr val="lt1"/>
+          </a:fontRef>
+        </p:style>
+        <p:txBody>
+          <a:bodyPr rtlCol="0" anchor="ctr"/>
+          <a:lstStyle/>
+          <a:p>
+            <a:pPr algn="ctr"/>
+            <a:endParaRPr lang="en-IN"/>
+          </a:p>
+        </p:txBody>
+      </p:sp>
+      <p:pic>
+        <p:nvPicPr>
+          <p:cNvPr id="4" name="Picture 3">
+            <a:extLst>
+              <a:ext uri="{FF2B5EF4-FFF2-40B4-BE49-F238E27FC236}">
+                <a16:creationId xmlns:a16="http://schemas.microsoft.com/office/drawing/2014/main" id="{8D330BC5-5567-4ED0-841A-3D55AD50899F}"/>
+              </a:ext>
+            </a:extLst>
+          </p:cNvPr>
+          <p:cNvPicPr/>
+          <p:nvPr/>
+        </p:nvPicPr>
+        <p:blipFill>
+          <a:blip r:embed="rId2" cstate="print">
+            <a:extLst>
+              <a:ext uri="{28A0092B-C50C-407E-A947-70E740481C1C}">
+                <a14:useLocalDpi xmlns:a14="http://schemas.microsoft.com/office/drawing/2010/main" val="0"/>
+              </a:ext>
+            </a:extLst>
+          </a:blip>
+          <a:stretch>
+            <a:fillRect/>
+          </a:stretch>
+        </p:blipFill>
+        <p:spPr>
+          <a:xfrm>
+            <a:off x="2613589" y="1039752"/>
+            <a:ext cx="2179702" cy="656278"/>
+          </a:xfrm>
+          <a:prstGeom prst="rect">
+            <a:avLst/>
+          </a:prstGeom>
+          <a:ln>
+            <a:solidFill>
+              <a:schemeClr val="bg1"/>
+            </a:solidFill>
+          </a:ln>
+        </p:spPr>
+      </p:pic>
+      <p:pic>
+        <p:nvPicPr>
+          <p:cNvPr id="5" name="Picture 4">
+            <a:extLst>
+              <a:ext uri="{FF2B5EF4-FFF2-40B4-BE49-F238E27FC236}">
+                <a16:creationId xmlns:a16="http://schemas.microsoft.com/office/drawing/2014/main" id="{26B3BBC2-168A-4DB5-BA2F-91EF44DC7972}"/>
+              </a:ext>
+            </a:extLst>
+          </p:cNvPr>
+          <p:cNvPicPr/>
+          <p:nvPr/>
+        </p:nvPicPr>
+        <p:blipFill>
+          <a:blip r:embed="rId3" cstate="print">
+            <a:extLst>
+              <a:ext uri="{28A0092B-C50C-407E-A947-70E740481C1C}">
+                <a14:useLocalDpi xmlns:a14="http://schemas.microsoft.com/office/drawing/2010/main" val="0"/>
+              </a:ext>
+            </a:extLst>
+          </a:blip>
+          <a:stretch/>
+        </p:blipFill>
+        <p:spPr>
+          <a:xfrm>
+            <a:off x="5147817" y="921541"/>
+            <a:ext cx="1344715" cy="853994"/>
+          </a:xfrm>
+          <a:prstGeom prst="rect">
+            <a:avLst/>
+          </a:prstGeom>
+        </p:spPr>
+      </p:pic>
+      <p:pic>
+        <p:nvPicPr>
+          <p:cNvPr id="6" name="Picture 5">
+            <a:extLst>
+              <a:ext uri="{FF2B5EF4-FFF2-40B4-BE49-F238E27FC236}">
+                <a16:creationId xmlns:a16="http://schemas.microsoft.com/office/drawing/2014/main" id="{E314DA14-6156-4656-9C1E-436F8520007E}"/>
+              </a:ext>
+            </a:extLst>
+          </p:cNvPr>
+          <p:cNvPicPr/>
+          <p:nvPr/>
+        </p:nvPicPr>
+        <p:blipFill>
+          <a:blip r:embed="rId4">
+            <a:extLst>
+              <a:ext uri="{28A0092B-C50C-407E-A947-70E740481C1C}">
+                <a14:useLocalDpi xmlns:a14="http://schemas.microsoft.com/office/drawing/2010/main" val="0"/>
+              </a:ext>
+            </a:extLst>
+          </a:blip>
+          <a:stretch>
+            <a:fillRect/>
+          </a:stretch>
+        </p:blipFill>
+        <p:spPr>
+          <a:xfrm>
+            <a:off x="6847058" y="1039752"/>
+            <a:ext cx="1984468" cy="656278"/>
+          </a:xfrm>
+          <a:prstGeom prst="rect">
+            <a:avLst/>
+          </a:prstGeom>
+          <a:ln>
+            <a:solidFill>
+              <a:schemeClr val="bg1"/>
+            </a:solidFill>
+          </a:ln>
+        </p:spPr>
+      </p:pic>
+      <p:sp>
+        <p:nvSpPr>
+          <p:cNvPr id="9" name="TextBox 8">
+            <a:extLst>
+              <a:ext uri="{FF2B5EF4-FFF2-40B4-BE49-F238E27FC236}">
+                <a16:creationId xmlns:a16="http://schemas.microsoft.com/office/drawing/2014/main" id="{40345026-653B-4597-B859-9085B3762637}"/>
+              </a:ext>
+            </a:extLst>
+          </p:cNvPr>
+          <p:cNvSpPr txBox="1"/>
+          <p:nvPr/>
+        </p:nvSpPr>
+        <p:spPr>
+          <a:xfrm>
+            <a:off x="2467892" y="239310"/>
+            <a:ext cx="6517082" cy="584775"/>
+          </a:xfrm>
+          <a:prstGeom prst="rect">
+            <a:avLst/>
+          </a:prstGeom>
+          <a:solidFill>
+            <a:srgbClr val="1D85AD"/>
+          </a:solidFill>
+          <a:ln w="28575">
+            <a:noFill/>
+          </a:ln>
+        </p:spPr>
+        <p:txBody>
+          <a:bodyPr wrap="square" rtlCol="0">
+            <a:spAutoFit/>
+          </a:bodyPr>
+          <a:lstStyle/>
+          <a:p>
+            <a:pPr algn="ctr"/>
+            <a:r>
+              <a:rPr lang="en-US" sz="3200" b="1" dirty="0">
+                <a:solidFill>
+                  <a:schemeClr val="bg1"/>
+                </a:solidFill>
+                <a:latin typeface="Cera Pro Medium" panose="00000600000000000000" pitchFamily="50" charset="0"/>
+              </a:rPr>
+              <a:t>INSPIRE-100 WEB RECORDER</a:t>
+            </a:r>
+            <a:endParaRPr lang="en-IN" sz="3200" b="1" dirty="0">
+              <a:solidFill>
+                <a:schemeClr val="bg1"/>
+              </a:solidFill>
+              <a:latin typeface="Cera Pro Medium" panose="00000600000000000000" pitchFamily="50" charset="0"/>
+            </a:endParaRPr>
+          </a:p>
+        </p:txBody>
+      </p:sp>
+      <p:grpSp>
+        <p:nvGrpSpPr>
+          <p:cNvPr id="17" name="Group 16">
+            <a:extLst>
+              <a:ext uri="{FF2B5EF4-FFF2-40B4-BE49-F238E27FC236}">
+                <a16:creationId xmlns:a16="http://schemas.microsoft.com/office/drawing/2014/main" id="{4A47D272-DCE4-43B9-9808-C5B9B9DEED60}"/>
+              </a:ext>
+            </a:extLst>
+          </p:cNvPr>
+          <p:cNvGrpSpPr/>
+          <p:nvPr/>
+        </p:nvGrpSpPr>
+        <p:grpSpPr>
+          <a:xfrm>
+            <a:off x="2556386" y="5471925"/>
+            <a:ext cx="6517082" cy="1013005"/>
             <a:chOff x="2143431" y="4830314"/>
             <a:chExt cx="8731045" cy="1013005"/>
           </a:xfrm>
@@ -3817,7 +5748,7 @@
         <p:grpSpPr>
           <a:xfrm>
             <a:off x="2467892" y="1955818"/>
-            <a:ext cx="8731046" cy="1615731"/>
+            <a:ext cx="6517083" cy="1615731"/>
             <a:chOff x="2143432" y="1620665"/>
             <a:chExt cx="8731046" cy="1615731"/>
           </a:xfrm>
@@ -4051,7 +5982,7 @@
         <p:grpSpPr>
           <a:xfrm>
             <a:off x="2467891" y="3676675"/>
-            <a:ext cx="8731046" cy="1615731"/>
+            <a:ext cx="6517083" cy="1615731"/>
             <a:chOff x="2143432" y="1620665"/>
             <a:chExt cx="8731046" cy="1615731"/>
           </a:xfrm>
@@ -4274,7 +6205,7 @@
     </p:spTree>
     <p:extLst>
       <p:ext uri="{BB962C8B-B14F-4D97-AF65-F5344CB8AC3E}">
-        <p14:creationId xmlns:p14="http://schemas.microsoft.com/office/powerpoint/2010/main" val="1890481987"/>
+        <p14:creationId xmlns:p14="http://schemas.microsoft.com/office/powerpoint/2010/main" val="2799003779"/>
       </p:ext>
     </p:extLst>
   </p:cSld>
@@ -4284,7 +6215,7 @@
 </p:sld>
 </file>
 
-<file path=ppt/slides/slide2.xml><?xml version="1.0" encoding="utf-8"?>
+<file path=ppt/slides/slide5.xml><?xml version="1.0" encoding="utf-8"?>
 <p:sld xmlns:a="http://schemas.openxmlformats.org/drawingml/2006/main" xmlns:r="http://schemas.openxmlformats.org/officeDocument/2006/relationships" xmlns:p="http://schemas.openxmlformats.org/presentationml/2006/main">
   <p:cSld>
     <p:spTree>

--- a/common/img/Logo.pptx
+++ b/common/img/Logo.pptx
@@ -8,8 +8,9 @@
     <p:sldId id="260" r:id="rId2"/>
     <p:sldId id="263" r:id="rId3"/>
     <p:sldId id="264" r:id="rId4"/>
-    <p:sldId id="261" r:id="rId5"/>
-    <p:sldId id="259" r:id="rId6"/>
+    <p:sldId id="265" r:id="rId5"/>
+    <p:sldId id="261" r:id="rId6"/>
+    <p:sldId id="259" r:id="rId7"/>
   </p:sldIdLst>
   <p:sldSz cx="12192000" cy="6858000"/>
   <p:notesSz cx="6858000" cy="9144000"/>
@@ -4585,6 +4586,759 @@
       </p:grpSpPr>
       <p:grpSp>
         <p:nvGrpSpPr>
+          <p:cNvPr id="3" name="Group 2">
+            <a:extLst>
+              <a:ext uri="{FF2B5EF4-FFF2-40B4-BE49-F238E27FC236}">
+                <a16:creationId xmlns:a16="http://schemas.microsoft.com/office/drawing/2014/main" id="{20B8C784-D91E-B72E-7255-BB3E9545D0D7}"/>
+              </a:ext>
+            </a:extLst>
+          </p:cNvPr>
+          <p:cNvGrpSpPr/>
+          <p:nvPr/>
+        </p:nvGrpSpPr>
+        <p:grpSpPr>
+          <a:xfrm>
+            <a:off x="2107046" y="824518"/>
+            <a:ext cx="8000841" cy="1499845"/>
+            <a:chOff x="2107046" y="824518"/>
+            <a:chExt cx="8000841" cy="1499845"/>
+          </a:xfrm>
+        </p:grpSpPr>
+        <p:sp>
+          <p:nvSpPr>
+            <p:cNvPr id="9" name="Rectangle 8">
+              <a:extLst>
+                <a:ext uri="{FF2B5EF4-FFF2-40B4-BE49-F238E27FC236}">
+                  <a16:creationId xmlns:a16="http://schemas.microsoft.com/office/drawing/2014/main" id="{9FCC845F-1106-5691-5BD0-1A5B88E09ABA}"/>
+                </a:ext>
+              </a:extLst>
+            </p:cNvPr>
+            <p:cNvSpPr>
+              <a:spLocks noChangeAspect="1"/>
+            </p:cNvSpPr>
+            <p:nvPr/>
+          </p:nvSpPr>
+          <p:spPr>
+            <a:xfrm>
+              <a:off x="2819610" y="830556"/>
+              <a:ext cx="4747382" cy="1488573"/>
+            </a:xfrm>
+            <a:prstGeom prst="rect">
+              <a:avLst/>
+            </a:prstGeom>
+            <a:solidFill>
+              <a:srgbClr val="0D3E51"/>
+            </a:solidFill>
+            <a:ln w="28575">
+              <a:noFill/>
+            </a:ln>
+          </p:spPr>
+          <p:style>
+            <a:lnRef idx="2">
+              <a:schemeClr val="accent1">
+                <a:shade val="15000"/>
+              </a:schemeClr>
+            </a:lnRef>
+            <a:fillRef idx="1">
+              <a:schemeClr val="accent1"/>
+            </a:fillRef>
+            <a:effectRef idx="0">
+              <a:schemeClr val="accent1"/>
+            </a:effectRef>
+            <a:fontRef idx="minor">
+              <a:schemeClr val="lt1"/>
+            </a:fontRef>
+          </p:style>
+          <p:txBody>
+            <a:bodyPr rtlCol="0" anchor="ctr"/>
+            <a:lstStyle/>
+            <a:p>
+              <a:pPr algn="ctr"/>
+              <a:endParaRPr lang="en-IN" dirty="0"/>
+            </a:p>
+          </p:txBody>
+        </p:sp>
+        <p:pic>
+          <p:nvPicPr>
+            <p:cNvPr id="10" name="Picture 9">
+              <a:extLst>
+                <a:ext uri="{FF2B5EF4-FFF2-40B4-BE49-F238E27FC236}">
+                  <a16:creationId xmlns:a16="http://schemas.microsoft.com/office/drawing/2014/main" id="{7E0023C2-B67F-66BA-2DE4-0BAAB0CE8035}"/>
+                </a:ext>
+              </a:extLst>
+            </p:cNvPr>
+            <p:cNvPicPr>
+              <a:picLocks noChangeAspect="1"/>
+            </p:cNvPicPr>
+            <p:nvPr/>
+          </p:nvPicPr>
+          <p:blipFill>
+            <a:blip r:embed="rId2"/>
+            <a:stretch>
+              <a:fillRect/>
+            </a:stretch>
+          </p:blipFill>
+          <p:spPr>
+            <a:xfrm>
+              <a:off x="2107046" y="824518"/>
+              <a:ext cx="1499845" cy="1499845"/>
+            </a:xfrm>
+            <a:prstGeom prst="rect">
+              <a:avLst/>
+            </a:prstGeom>
+            <a:ln w="28575">
+              <a:noFill/>
+            </a:ln>
+          </p:spPr>
+        </p:pic>
+        <p:sp>
+          <p:nvSpPr>
+            <p:cNvPr id="11" name="TextBox 10">
+              <a:extLst>
+                <a:ext uri="{FF2B5EF4-FFF2-40B4-BE49-F238E27FC236}">
+                  <a16:creationId xmlns:a16="http://schemas.microsoft.com/office/drawing/2014/main" id="{EA906BE6-1FF2-F802-E2DA-655F33BA0B66}"/>
+                </a:ext>
+              </a:extLst>
+            </p:cNvPr>
+            <p:cNvSpPr txBox="1"/>
+            <p:nvPr/>
+          </p:nvSpPr>
+          <p:spPr>
+            <a:xfrm>
+              <a:off x="3606891" y="1060335"/>
+              <a:ext cx="3949830" cy="830997"/>
+            </a:xfrm>
+            <a:prstGeom prst="rect">
+              <a:avLst/>
+            </a:prstGeom>
+            <a:noFill/>
+          </p:spPr>
+          <p:txBody>
+            <a:bodyPr wrap="square" rtlCol="0">
+              <a:spAutoFit/>
+            </a:bodyPr>
+            <a:lstStyle/>
+            <a:p>
+              <a:pPr algn="ctr"/>
+              <a:r>
+                <a:rPr lang="en-US" sz="4800" dirty="0" err="1">
+                  <a:solidFill>
+                    <a:srgbClr val="0EF258"/>
+                  </a:solidFill>
+                  <a:latin typeface="Rockwell Extra Bold" panose="02060903040505020403" pitchFamily="18" charset="0"/>
+                </a:rPr>
+                <a:t>tek</a:t>
+              </a:r>
+              <a:r>
+                <a:rPr lang="en-US" sz="4800" dirty="0" err="1">
+                  <a:solidFill>
+                    <a:srgbClr val="0EF258"/>
+                  </a:solidFill>
+                  <a:latin typeface="Rockwell" panose="02060603020205020403" pitchFamily="18" charset="0"/>
+                </a:rPr>
+                <a:t>Medika</a:t>
+              </a:r>
+              <a:endParaRPr lang="en-IN" sz="4800" dirty="0">
+                <a:solidFill>
+                  <a:srgbClr val="0EF258"/>
+                </a:solidFill>
+                <a:latin typeface="Rockwell" panose="02060603020205020403" pitchFamily="18" charset="0"/>
+              </a:endParaRPr>
+            </a:p>
+          </p:txBody>
+        </p:sp>
+        <p:sp>
+          <p:nvSpPr>
+            <p:cNvPr id="2" name="Rectangle 1">
+              <a:extLst>
+                <a:ext uri="{FF2B5EF4-FFF2-40B4-BE49-F238E27FC236}">
+                  <a16:creationId xmlns:a16="http://schemas.microsoft.com/office/drawing/2014/main" id="{42466AD2-8190-5A6A-314E-1DAED3B1CCF1}"/>
+                </a:ext>
+              </a:extLst>
+            </p:cNvPr>
+            <p:cNvSpPr>
+              <a:spLocks noChangeAspect="1"/>
+            </p:cNvSpPr>
+            <p:nvPr/>
+          </p:nvSpPr>
+          <p:spPr>
+            <a:xfrm>
+              <a:off x="7566992" y="835791"/>
+              <a:ext cx="2540895" cy="1477301"/>
+            </a:xfrm>
+            <a:prstGeom prst="rect">
+              <a:avLst/>
+            </a:prstGeom>
+            <a:solidFill>
+              <a:srgbClr val="0EF258"/>
+            </a:solidFill>
+            <a:ln w="28575">
+              <a:noFill/>
+            </a:ln>
+          </p:spPr>
+          <p:style>
+            <a:lnRef idx="2">
+              <a:schemeClr val="accent1">
+                <a:shade val="15000"/>
+              </a:schemeClr>
+            </a:lnRef>
+            <a:fillRef idx="1">
+              <a:schemeClr val="accent1"/>
+            </a:fillRef>
+            <a:effectRef idx="0">
+              <a:schemeClr val="accent1"/>
+            </a:effectRef>
+            <a:fontRef idx="minor">
+              <a:schemeClr val="lt1"/>
+            </a:fontRef>
+          </p:style>
+          <p:txBody>
+            <a:bodyPr rtlCol="0" anchor="ctr"/>
+            <a:lstStyle/>
+            <a:p>
+              <a:pPr algn="ctr"/>
+              <a:r>
+                <a:rPr lang="en-US" sz="3200" b="1" dirty="0">
+                  <a:solidFill>
+                    <a:srgbClr val="0D3E51"/>
+                  </a:solidFill>
+                </a:rPr>
+                <a:t>INSPIRE-100</a:t>
+              </a:r>
+            </a:p>
+            <a:p>
+              <a:pPr algn="ctr"/>
+              <a:r>
+                <a:rPr lang="en-US" sz="3600" i="1" dirty="0">
+                  <a:solidFill>
+                    <a:srgbClr val="0D3E51"/>
+                  </a:solidFill>
+                </a:rPr>
+                <a:t>Dashboard</a:t>
+              </a:r>
+              <a:endParaRPr lang="en-IN" sz="3200" i="1" dirty="0">
+                <a:solidFill>
+                  <a:srgbClr val="0D3E51"/>
+                </a:solidFill>
+              </a:endParaRPr>
+            </a:p>
+          </p:txBody>
+        </p:sp>
+      </p:grpSp>
+      <p:grpSp>
+        <p:nvGrpSpPr>
+          <p:cNvPr id="5" name="Group 4">
+            <a:extLst>
+              <a:ext uri="{FF2B5EF4-FFF2-40B4-BE49-F238E27FC236}">
+                <a16:creationId xmlns:a16="http://schemas.microsoft.com/office/drawing/2014/main" id="{27993E89-B084-676E-6A88-23B985F5DEB8}"/>
+              </a:ext>
+            </a:extLst>
+          </p:cNvPr>
+          <p:cNvGrpSpPr/>
+          <p:nvPr/>
+        </p:nvGrpSpPr>
+        <p:grpSpPr>
+          <a:xfrm>
+            <a:off x="2095579" y="2554142"/>
+            <a:ext cx="8000841" cy="1499845"/>
+            <a:chOff x="2107046" y="824518"/>
+            <a:chExt cx="8000841" cy="1499845"/>
+          </a:xfrm>
+        </p:grpSpPr>
+        <p:sp>
+          <p:nvSpPr>
+            <p:cNvPr id="6" name="Rectangle 5">
+              <a:extLst>
+                <a:ext uri="{FF2B5EF4-FFF2-40B4-BE49-F238E27FC236}">
+                  <a16:creationId xmlns:a16="http://schemas.microsoft.com/office/drawing/2014/main" id="{812CA1F0-5664-6545-A8CA-4B6FCE6DC89F}"/>
+                </a:ext>
+              </a:extLst>
+            </p:cNvPr>
+            <p:cNvSpPr>
+              <a:spLocks noChangeAspect="1"/>
+            </p:cNvSpPr>
+            <p:nvPr/>
+          </p:nvSpPr>
+          <p:spPr>
+            <a:xfrm>
+              <a:off x="2819610" y="830556"/>
+              <a:ext cx="4747382" cy="1488573"/>
+            </a:xfrm>
+            <a:prstGeom prst="rect">
+              <a:avLst/>
+            </a:prstGeom>
+            <a:solidFill>
+              <a:srgbClr val="0D3E51"/>
+            </a:solidFill>
+            <a:ln w="28575">
+              <a:noFill/>
+            </a:ln>
+          </p:spPr>
+          <p:style>
+            <a:lnRef idx="2">
+              <a:schemeClr val="accent1">
+                <a:shade val="15000"/>
+              </a:schemeClr>
+            </a:lnRef>
+            <a:fillRef idx="1">
+              <a:schemeClr val="accent1"/>
+            </a:fillRef>
+            <a:effectRef idx="0">
+              <a:schemeClr val="accent1"/>
+            </a:effectRef>
+            <a:fontRef idx="minor">
+              <a:schemeClr val="lt1"/>
+            </a:fontRef>
+          </p:style>
+          <p:txBody>
+            <a:bodyPr rtlCol="0" anchor="ctr"/>
+            <a:lstStyle/>
+            <a:p>
+              <a:pPr algn="ctr"/>
+              <a:endParaRPr lang="en-IN" dirty="0"/>
+            </a:p>
+          </p:txBody>
+        </p:sp>
+        <p:pic>
+          <p:nvPicPr>
+            <p:cNvPr id="7" name="Picture 6">
+              <a:extLst>
+                <a:ext uri="{FF2B5EF4-FFF2-40B4-BE49-F238E27FC236}">
+                  <a16:creationId xmlns:a16="http://schemas.microsoft.com/office/drawing/2014/main" id="{8C836487-939B-FE9B-0C90-5B565334E0DF}"/>
+                </a:ext>
+              </a:extLst>
+            </p:cNvPr>
+            <p:cNvPicPr>
+              <a:picLocks noChangeAspect="1"/>
+            </p:cNvPicPr>
+            <p:nvPr/>
+          </p:nvPicPr>
+          <p:blipFill>
+            <a:blip r:embed="rId2"/>
+            <a:stretch>
+              <a:fillRect/>
+            </a:stretch>
+          </p:blipFill>
+          <p:spPr>
+            <a:xfrm>
+              <a:off x="2107046" y="824518"/>
+              <a:ext cx="1499845" cy="1499845"/>
+            </a:xfrm>
+            <a:prstGeom prst="rect">
+              <a:avLst/>
+            </a:prstGeom>
+            <a:ln w="28575">
+              <a:noFill/>
+            </a:ln>
+          </p:spPr>
+        </p:pic>
+        <p:sp>
+          <p:nvSpPr>
+            <p:cNvPr id="8" name="TextBox 7">
+              <a:extLst>
+                <a:ext uri="{FF2B5EF4-FFF2-40B4-BE49-F238E27FC236}">
+                  <a16:creationId xmlns:a16="http://schemas.microsoft.com/office/drawing/2014/main" id="{05C96A5D-CE8C-95F4-0472-48E7CFB8BF69}"/>
+                </a:ext>
+              </a:extLst>
+            </p:cNvPr>
+            <p:cNvSpPr txBox="1"/>
+            <p:nvPr/>
+          </p:nvSpPr>
+          <p:spPr>
+            <a:xfrm>
+              <a:off x="3606891" y="1060335"/>
+              <a:ext cx="3949830" cy="830997"/>
+            </a:xfrm>
+            <a:prstGeom prst="rect">
+              <a:avLst/>
+            </a:prstGeom>
+            <a:noFill/>
+          </p:spPr>
+          <p:txBody>
+            <a:bodyPr wrap="square" rtlCol="0">
+              <a:spAutoFit/>
+            </a:bodyPr>
+            <a:lstStyle/>
+            <a:p>
+              <a:pPr algn="ctr"/>
+              <a:r>
+                <a:rPr lang="en-US" sz="4800" dirty="0" err="1">
+                  <a:solidFill>
+                    <a:srgbClr val="0EF258"/>
+                  </a:solidFill>
+                  <a:latin typeface="Rockwell Extra Bold" panose="02060903040505020403" pitchFamily="18" charset="0"/>
+                </a:rPr>
+                <a:t>tek</a:t>
+              </a:r>
+              <a:r>
+                <a:rPr lang="en-US" sz="4800" dirty="0" err="1">
+                  <a:solidFill>
+                    <a:srgbClr val="0EF258"/>
+                  </a:solidFill>
+                  <a:latin typeface="Rockwell" panose="02060603020205020403" pitchFamily="18" charset="0"/>
+                </a:rPr>
+                <a:t>Medika</a:t>
+              </a:r>
+              <a:endParaRPr lang="en-IN" sz="4800" dirty="0">
+                <a:solidFill>
+                  <a:srgbClr val="0EF258"/>
+                </a:solidFill>
+                <a:latin typeface="Rockwell" panose="02060603020205020403" pitchFamily="18" charset="0"/>
+              </a:endParaRPr>
+            </a:p>
+          </p:txBody>
+        </p:sp>
+        <p:sp>
+          <p:nvSpPr>
+            <p:cNvPr id="12" name="Rectangle 11">
+              <a:extLst>
+                <a:ext uri="{FF2B5EF4-FFF2-40B4-BE49-F238E27FC236}">
+                  <a16:creationId xmlns:a16="http://schemas.microsoft.com/office/drawing/2014/main" id="{90C8D8A5-E672-9983-CB80-992395D37065}"/>
+                </a:ext>
+              </a:extLst>
+            </p:cNvPr>
+            <p:cNvSpPr>
+              <a:spLocks noChangeAspect="1"/>
+            </p:cNvSpPr>
+            <p:nvPr/>
+          </p:nvSpPr>
+          <p:spPr>
+            <a:xfrm>
+              <a:off x="7566992" y="835791"/>
+              <a:ext cx="2540895" cy="1477301"/>
+            </a:xfrm>
+            <a:prstGeom prst="rect">
+              <a:avLst/>
+            </a:prstGeom>
+            <a:solidFill>
+              <a:srgbClr val="0EF258"/>
+            </a:solidFill>
+            <a:ln w="28575">
+              <a:noFill/>
+            </a:ln>
+          </p:spPr>
+          <p:style>
+            <a:lnRef idx="2">
+              <a:schemeClr val="accent1">
+                <a:shade val="15000"/>
+              </a:schemeClr>
+            </a:lnRef>
+            <a:fillRef idx="1">
+              <a:schemeClr val="accent1"/>
+            </a:fillRef>
+            <a:effectRef idx="0">
+              <a:schemeClr val="accent1"/>
+            </a:effectRef>
+            <a:fontRef idx="minor">
+              <a:schemeClr val="lt1"/>
+            </a:fontRef>
+          </p:style>
+          <p:txBody>
+            <a:bodyPr rtlCol="0" anchor="ctr"/>
+            <a:lstStyle/>
+            <a:p>
+              <a:pPr algn="ctr"/>
+              <a:r>
+                <a:rPr lang="en-US" sz="3200" b="1" dirty="0">
+                  <a:solidFill>
+                    <a:srgbClr val="0D3E51"/>
+                  </a:solidFill>
+                </a:rPr>
+                <a:t>INSPIRE-100</a:t>
+              </a:r>
+            </a:p>
+            <a:p>
+              <a:pPr algn="ctr"/>
+              <a:r>
+                <a:rPr lang="en-US" sz="3600" i="1" dirty="0">
+                  <a:solidFill>
+                    <a:srgbClr val="0D3E51"/>
+                  </a:solidFill>
+                </a:rPr>
+                <a:t>Analyzer</a:t>
+              </a:r>
+              <a:endParaRPr lang="en-IN" sz="3200" i="1" dirty="0">
+                <a:solidFill>
+                  <a:srgbClr val="0D3E51"/>
+                </a:solidFill>
+              </a:endParaRPr>
+            </a:p>
+          </p:txBody>
+        </p:sp>
+      </p:grpSp>
+      <p:grpSp>
+        <p:nvGrpSpPr>
+          <p:cNvPr id="17" name="Group 16">
+            <a:extLst>
+              <a:ext uri="{FF2B5EF4-FFF2-40B4-BE49-F238E27FC236}">
+                <a16:creationId xmlns:a16="http://schemas.microsoft.com/office/drawing/2014/main" id="{9A625FF4-9DF2-6C1B-42EC-C2DE21FCDC11}"/>
+              </a:ext>
+            </a:extLst>
+          </p:cNvPr>
+          <p:cNvGrpSpPr/>
+          <p:nvPr/>
+        </p:nvGrpSpPr>
+        <p:grpSpPr>
+          <a:xfrm>
+            <a:off x="2105285" y="4283766"/>
+            <a:ext cx="8000841" cy="1499845"/>
+            <a:chOff x="2107046" y="824518"/>
+            <a:chExt cx="8000841" cy="1499845"/>
+          </a:xfrm>
+        </p:grpSpPr>
+        <p:sp>
+          <p:nvSpPr>
+            <p:cNvPr id="18" name="Rectangle 17">
+              <a:extLst>
+                <a:ext uri="{FF2B5EF4-FFF2-40B4-BE49-F238E27FC236}">
+                  <a16:creationId xmlns:a16="http://schemas.microsoft.com/office/drawing/2014/main" id="{4DC350B9-B8F2-BA1E-7640-7A5E520DCA56}"/>
+                </a:ext>
+              </a:extLst>
+            </p:cNvPr>
+            <p:cNvSpPr>
+              <a:spLocks noChangeAspect="1"/>
+            </p:cNvSpPr>
+            <p:nvPr/>
+          </p:nvSpPr>
+          <p:spPr>
+            <a:xfrm>
+              <a:off x="2819610" y="830556"/>
+              <a:ext cx="4747382" cy="1488573"/>
+            </a:xfrm>
+            <a:prstGeom prst="rect">
+              <a:avLst/>
+            </a:prstGeom>
+            <a:solidFill>
+              <a:srgbClr val="0D3E51"/>
+            </a:solidFill>
+            <a:ln w="28575">
+              <a:noFill/>
+            </a:ln>
+          </p:spPr>
+          <p:style>
+            <a:lnRef idx="2">
+              <a:schemeClr val="accent1">
+                <a:shade val="15000"/>
+              </a:schemeClr>
+            </a:lnRef>
+            <a:fillRef idx="1">
+              <a:schemeClr val="accent1"/>
+            </a:fillRef>
+            <a:effectRef idx="0">
+              <a:schemeClr val="accent1"/>
+            </a:effectRef>
+            <a:fontRef idx="minor">
+              <a:schemeClr val="lt1"/>
+            </a:fontRef>
+          </p:style>
+          <p:txBody>
+            <a:bodyPr rtlCol="0" anchor="ctr"/>
+            <a:lstStyle/>
+            <a:p>
+              <a:pPr algn="ctr"/>
+              <a:endParaRPr lang="en-IN" dirty="0"/>
+            </a:p>
+          </p:txBody>
+        </p:sp>
+        <p:pic>
+          <p:nvPicPr>
+            <p:cNvPr id="19" name="Picture 18">
+              <a:extLst>
+                <a:ext uri="{FF2B5EF4-FFF2-40B4-BE49-F238E27FC236}">
+                  <a16:creationId xmlns:a16="http://schemas.microsoft.com/office/drawing/2014/main" id="{F9DAC78B-6864-CD13-80E2-B8D0C5A9092B}"/>
+                </a:ext>
+              </a:extLst>
+            </p:cNvPr>
+            <p:cNvPicPr>
+              <a:picLocks noChangeAspect="1"/>
+            </p:cNvPicPr>
+            <p:nvPr/>
+          </p:nvPicPr>
+          <p:blipFill>
+            <a:blip r:embed="rId2"/>
+            <a:stretch>
+              <a:fillRect/>
+            </a:stretch>
+          </p:blipFill>
+          <p:spPr>
+            <a:xfrm>
+              <a:off x="2107046" y="824518"/>
+              <a:ext cx="1499845" cy="1499845"/>
+            </a:xfrm>
+            <a:prstGeom prst="rect">
+              <a:avLst/>
+            </a:prstGeom>
+            <a:ln w="28575">
+              <a:noFill/>
+            </a:ln>
+          </p:spPr>
+        </p:pic>
+        <p:sp>
+          <p:nvSpPr>
+            <p:cNvPr id="20" name="TextBox 19">
+              <a:extLst>
+                <a:ext uri="{FF2B5EF4-FFF2-40B4-BE49-F238E27FC236}">
+                  <a16:creationId xmlns:a16="http://schemas.microsoft.com/office/drawing/2014/main" id="{331510B7-D5AA-E348-21BD-223A6AD90B3E}"/>
+                </a:ext>
+              </a:extLst>
+            </p:cNvPr>
+            <p:cNvSpPr txBox="1"/>
+            <p:nvPr/>
+          </p:nvSpPr>
+          <p:spPr>
+            <a:xfrm>
+              <a:off x="3606891" y="1060335"/>
+              <a:ext cx="3949830" cy="830997"/>
+            </a:xfrm>
+            <a:prstGeom prst="rect">
+              <a:avLst/>
+            </a:prstGeom>
+            <a:noFill/>
+          </p:spPr>
+          <p:txBody>
+            <a:bodyPr wrap="square" rtlCol="0">
+              <a:spAutoFit/>
+            </a:bodyPr>
+            <a:lstStyle/>
+            <a:p>
+              <a:pPr algn="ctr"/>
+              <a:r>
+                <a:rPr lang="en-US" sz="4800" dirty="0" err="1">
+                  <a:solidFill>
+                    <a:srgbClr val="0EF258"/>
+                  </a:solidFill>
+                  <a:latin typeface="Rockwell Extra Bold" panose="02060903040505020403" pitchFamily="18" charset="0"/>
+                </a:rPr>
+                <a:t>tek</a:t>
+              </a:r>
+              <a:r>
+                <a:rPr lang="en-US" sz="4800" dirty="0" err="1">
+                  <a:solidFill>
+                    <a:srgbClr val="0EF258"/>
+                  </a:solidFill>
+                  <a:latin typeface="Rockwell" panose="02060603020205020403" pitchFamily="18" charset="0"/>
+                </a:rPr>
+                <a:t>Medika</a:t>
+              </a:r>
+              <a:endParaRPr lang="en-IN" sz="4800" dirty="0">
+                <a:solidFill>
+                  <a:srgbClr val="0EF258"/>
+                </a:solidFill>
+                <a:latin typeface="Rockwell" panose="02060603020205020403" pitchFamily="18" charset="0"/>
+              </a:endParaRPr>
+            </a:p>
+          </p:txBody>
+        </p:sp>
+        <p:sp>
+          <p:nvSpPr>
+            <p:cNvPr id="21" name="Rectangle 20">
+              <a:extLst>
+                <a:ext uri="{FF2B5EF4-FFF2-40B4-BE49-F238E27FC236}">
+                  <a16:creationId xmlns:a16="http://schemas.microsoft.com/office/drawing/2014/main" id="{88EE430B-2D48-047A-5210-CC9D01EE87EF}"/>
+                </a:ext>
+              </a:extLst>
+            </p:cNvPr>
+            <p:cNvSpPr>
+              <a:spLocks noChangeAspect="1"/>
+            </p:cNvSpPr>
+            <p:nvPr/>
+          </p:nvSpPr>
+          <p:spPr>
+            <a:xfrm>
+              <a:off x="7566992" y="835791"/>
+              <a:ext cx="2540895" cy="1477301"/>
+            </a:xfrm>
+            <a:prstGeom prst="rect">
+              <a:avLst/>
+            </a:prstGeom>
+            <a:solidFill>
+              <a:srgbClr val="0EF258"/>
+            </a:solidFill>
+            <a:ln w="28575">
+              <a:noFill/>
+            </a:ln>
+          </p:spPr>
+          <p:style>
+            <a:lnRef idx="2">
+              <a:schemeClr val="accent1">
+                <a:shade val="15000"/>
+              </a:schemeClr>
+            </a:lnRef>
+            <a:fillRef idx="1">
+              <a:schemeClr val="accent1"/>
+            </a:fillRef>
+            <a:effectRef idx="0">
+              <a:schemeClr val="accent1"/>
+            </a:effectRef>
+            <a:fontRef idx="minor">
+              <a:schemeClr val="lt1"/>
+            </a:fontRef>
+          </p:style>
+          <p:txBody>
+            <a:bodyPr rtlCol="0" anchor="ctr"/>
+            <a:lstStyle/>
+            <a:p>
+              <a:pPr algn="ctr"/>
+              <a:r>
+                <a:rPr lang="en-US" sz="3200" b="1" dirty="0">
+                  <a:solidFill>
+                    <a:srgbClr val="0D3E51"/>
+                  </a:solidFill>
+                </a:rPr>
+                <a:t>INSPIRE-100</a:t>
+              </a:r>
+            </a:p>
+            <a:p>
+              <a:pPr algn="ctr"/>
+              <a:r>
+                <a:rPr lang="en-US" sz="3600" i="1" dirty="0">
+                  <a:solidFill>
+                    <a:srgbClr val="0D3E51"/>
+                  </a:solidFill>
+                </a:rPr>
+                <a:t>Recorder</a:t>
+              </a:r>
+              <a:endParaRPr lang="en-IN" sz="3200" i="1" dirty="0">
+                <a:solidFill>
+                  <a:srgbClr val="0D3E51"/>
+                </a:solidFill>
+              </a:endParaRPr>
+            </a:p>
+          </p:txBody>
+        </p:sp>
+      </p:grpSp>
+    </p:spTree>
+    <p:extLst>
+      <p:ext uri="{BB962C8B-B14F-4D97-AF65-F5344CB8AC3E}">
+        <p14:creationId xmlns:p14="http://schemas.microsoft.com/office/powerpoint/2010/main" val="3916464779"/>
+      </p:ext>
+    </p:extLst>
+  </p:cSld>
+  <p:clrMapOvr>
+    <a:masterClrMapping/>
+  </p:clrMapOvr>
+</p:sld>
+</file>
+
+<file path=ppt/slides/slide4.xml><?xml version="1.0" encoding="utf-8"?>
+<p:sld xmlns:a="http://schemas.openxmlformats.org/drawingml/2006/main" xmlns:r="http://schemas.openxmlformats.org/officeDocument/2006/relationships" xmlns:p="http://schemas.openxmlformats.org/presentationml/2006/main">
+  <p:cSld>
+    <p:spTree>
+      <p:nvGrpSpPr>
+        <p:cNvPr id="1" name=""/>
+        <p:cNvGrpSpPr/>
+        <p:nvPr/>
+      </p:nvGrpSpPr>
+      <p:grpSpPr>
+        <a:xfrm>
+          <a:off x="0" y="0"/>
+          <a:ext cx="0" cy="0"/>
+          <a:chOff x="0" y="0"/>
+          <a:chExt cx="0" cy="0"/>
+        </a:xfrm>
+      </p:grpSpPr>
+      <p:grpSp>
+        <p:nvGrpSpPr>
           <p:cNvPr id="4" name="Group 3">
             <a:extLst>
               <a:ext uri="{FF2B5EF4-FFF2-40B4-BE49-F238E27FC236}">
@@ -5273,7 +6027,7 @@
     </p:spTree>
     <p:extLst>
       <p:ext uri="{BB962C8B-B14F-4D97-AF65-F5344CB8AC3E}">
-        <p14:creationId xmlns:p14="http://schemas.microsoft.com/office/powerpoint/2010/main" val="3916464779"/>
+        <p14:creationId xmlns:p14="http://schemas.microsoft.com/office/powerpoint/2010/main" val="514684497"/>
       </p:ext>
     </p:extLst>
   </p:cSld>
@@ -5283,7 +6037,7 @@
 </p:sld>
 </file>
 
-<file path=ppt/slides/slide4.xml><?xml version="1.0" encoding="utf-8"?>
+<file path=ppt/slides/slide5.xml><?xml version="1.0" encoding="utf-8"?>
 <p:sld xmlns:a="http://schemas.openxmlformats.org/drawingml/2006/main" xmlns:r="http://schemas.openxmlformats.org/officeDocument/2006/relationships" xmlns:p="http://schemas.openxmlformats.org/presentationml/2006/main">
   <p:cSld>
     <p:spTree>
@@ -6215,7 +6969,7 @@
 </p:sld>
 </file>
 
-<file path=ppt/slides/slide5.xml><?xml version="1.0" encoding="utf-8"?>
+<file path=ppt/slides/slide6.xml><?xml version="1.0" encoding="utf-8"?>
 <p:sld xmlns:a="http://schemas.openxmlformats.org/drawingml/2006/main" xmlns:r="http://schemas.openxmlformats.org/officeDocument/2006/relationships" xmlns:p="http://schemas.openxmlformats.org/presentationml/2006/main">
   <p:cSld>
     <p:spTree>

--- a/common/img/Logo.pptx
+++ b/common/img/Logo.pptx
@@ -6,11 +6,14 @@
   </p:sldMasterIdLst>
   <p:sldIdLst>
     <p:sldId id="260" r:id="rId2"/>
-    <p:sldId id="263" r:id="rId3"/>
-    <p:sldId id="264" r:id="rId4"/>
-    <p:sldId id="265" r:id="rId5"/>
-    <p:sldId id="261" r:id="rId6"/>
-    <p:sldId id="259" r:id="rId7"/>
+    <p:sldId id="267" r:id="rId3"/>
+    <p:sldId id="268" r:id="rId4"/>
+    <p:sldId id="266" r:id="rId5"/>
+    <p:sldId id="263" r:id="rId6"/>
+    <p:sldId id="264" r:id="rId7"/>
+    <p:sldId id="265" r:id="rId8"/>
+    <p:sldId id="261" r:id="rId9"/>
+    <p:sldId id="259" r:id="rId10"/>
   </p:sldIdLst>
   <p:sldSz cx="12192000" cy="6858000"/>
   <p:notesSz cx="6858000" cy="9144000"/>
@@ -266,7 +269,7 @@
           <a:p>
             <a:fld id="{4967892D-CE2D-495A-A9CA-7CB88C831AAA}" type="datetimeFigureOut">
               <a:rPr lang="en-IN" smtClean="0"/>
-              <a:t>07-01-2024</a:t>
+              <a:t>08-01-2024</a:t>
             </a:fld>
             <a:endParaRPr lang="en-IN"/>
           </a:p>
@@ -466,7 +469,7 @@
           <a:p>
             <a:fld id="{4967892D-CE2D-495A-A9CA-7CB88C831AAA}" type="datetimeFigureOut">
               <a:rPr lang="en-IN" smtClean="0"/>
-              <a:t>07-01-2024</a:t>
+              <a:t>08-01-2024</a:t>
             </a:fld>
             <a:endParaRPr lang="en-IN"/>
           </a:p>
@@ -676,7 +679,7 @@
           <a:p>
             <a:fld id="{4967892D-CE2D-495A-A9CA-7CB88C831AAA}" type="datetimeFigureOut">
               <a:rPr lang="en-IN" smtClean="0"/>
-              <a:t>07-01-2024</a:t>
+              <a:t>08-01-2024</a:t>
             </a:fld>
             <a:endParaRPr lang="en-IN"/>
           </a:p>
@@ -876,7 +879,7 @@
           <a:p>
             <a:fld id="{4967892D-CE2D-495A-A9CA-7CB88C831AAA}" type="datetimeFigureOut">
               <a:rPr lang="en-IN" smtClean="0"/>
-              <a:t>07-01-2024</a:t>
+              <a:t>08-01-2024</a:t>
             </a:fld>
             <a:endParaRPr lang="en-IN"/>
           </a:p>
@@ -1152,7 +1155,7 @@
           <a:p>
             <a:fld id="{4967892D-CE2D-495A-A9CA-7CB88C831AAA}" type="datetimeFigureOut">
               <a:rPr lang="en-IN" smtClean="0"/>
-              <a:t>07-01-2024</a:t>
+              <a:t>08-01-2024</a:t>
             </a:fld>
             <a:endParaRPr lang="en-IN"/>
           </a:p>
@@ -1420,7 +1423,7 @@
           <a:p>
             <a:fld id="{4967892D-CE2D-495A-A9CA-7CB88C831AAA}" type="datetimeFigureOut">
               <a:rPr lang="en-IN" smtClean="0"/>
-              <a:t>07-01-2024</a:t>
+              <a:t>08-01-2024</a:t>
             </a:fld>
             <a:endParaRPr lang="en-IN"/>
           </a:p>
@@ -1835,7 +1838,7 @@
           <a:p>
             <a:fld id="{4967892D-CE2D-495A-A9CA-7CB88C831AAA}" type="datetimeFigureOut">
               <a:rPr lang="en-IN" smtClean="0"/>
-              <a:t>07-01-2024</a:t>
+              <a:t>08-01-2024</a:t>
             </a:fld>
             <a:endParaRPr lang="en-IN"/>
           </a:p>
@@ -1977,7 +1980,7 @@
           <a:p>
             <a:fld id="{4967892D-CE2D-495A-A9CA-7CB88C831AAA}" type="datetimeFigureOut">
               <a:rPr lang="en-IN" smtClean="0"/>
-              <a:t>07-01-2024</a:t>
+              <a:t>08-01-2024</a:t>
             </a:fld>
             <a:endParaRPr lang="en-IN"/>
           </a:p>
@@ -2090,7 +2093,7 @@
           <a:p>
             <a:fld id="{4967892D-CE2D-495A-A9CA-7CB88C831AAA}" type="datetimeFigureOut">
               <a:rPr lang="en-IN" smtClean="0"/>
-              <a:t>07-01-2024</a:t>
+              <a:t>08-01-2024</a:t>
             </a:fld>
             <a:endParaRPr lang="en-IN"/>
           </a:p>
@@ -2403,7 +2406,7 @@
           <a:p>
             <a:fld id="{4967892D-CE2D-495A-A9CA-7CB88C831AAA}" type="datetimeFigureOut">
               <a:rPr lang="en-IN" smtClean="0"/>
-              <a:t>07-01-2024</a:t>
+              <a:t>08-01-2024</a:t>
             </a:fld>
             <a:endParaRPr lang="en-IN"/>
           </a:p>
@@ -2692,7 +2695,7 @@
           <a:p>
             <a:fld id="{4967892D-CE2D-495A-A9CA-7CB88C831AAA}" type="datetimeFigureOut">
               <a:rPr lang="en-IN" smtClean="0"/>
-              <a:t>07-01-2024</a:t>
+              <a:t>08-01-2024</a:t>
             </a:fld>
             <a:endParaRPr lang="en-IN"/>
           </a:p>
@@ -2935,7 +2938,7 @@
           <a:p>
             <a:fld id="{4967892D-CE2D-495A-A9CA-7CB88C831AAA}" type="datetimeFigureOut">
               <a:rPr lang="en-IN" smtClean="0"/>
-              <a:t>07-01-2024</a:t>
+              <a:t>08-01-2024</a:t>
             </a:fld>
             <a:endParaRPr lang="en-IN"/>
           </a:p>
@@ -3354,6 +3357,2249 @@
       </p:grpSpPr>
       <p:grpSp>
         <p:nvGrpSpPr>
+          <p:cNvPr id="51" name="Group 50">
+            <a:extLst>
+              <a:ext uri="{FF2B5EF4-FFF2-40B4-BE49-F238E27FC236}">
+                <a16:creationId xmlns:a16="http://schemas.microsoft.com/office/drawing/2014/main" id="{F70CA307-B570-F110-E460-B1010D9A7ADD}"/>
+              </a:ext>
+            </a:extLst>
+          </p:cNvPr>
+          <p:cNvGrpSpPr/>
+          <p:nvPr/>
+        </p:nvGrpSpPr>
+        <p:grpSpPr>
+          <a:xfrm>
+            <a:off x="2819604" y="130925"/>
+            <a:ext cx="6552784" cy="1805536"/>
+            <a:chOff x="2819604" y="130925"/>
+            <a:chExt cx="6552784" cy="1805536"/>
+          </a:xfrm>
+        </p:grpSpPr>
+        <p:pic>
+          <p:nvPicPr>
+            <p:cNvPr id="26" name="Picture 25">
+              <a:extLst>
+                <a:ext uri="{FF2B5EF4-FFF2-40B4-BE49-F238E27FC236}">
+                  <a16:creationId xmlns:a16="http://schemas.microsoft.com/office/drawing/2014/main" id="{C9DDA8A0-94B0-6742-B0C8-61A9368B0518}"/>
+                </a:ext>
+              </a:extLst>
+            </p:cNvPr>
+            <p:cNvPicPr>
+              <a:picLocks noChangeAspect="1"/>
+            </p:cNvPicPr>
+            <p:nvPr/>
+          </p:nvPicPr>
+          <p:blipFill>
+            <a:blip r:embed="rId2"/>
+            <a:stretch>
+              <a:fillRect/>
+            </a:stretch>
+          </p:blipFill>
+          <p:spPr>
+            <a:xfrm>
+              <a:off x="2819607" y="841680"/>
+              <a:ext cx="1094780" cy="1094781"/>
+            </a:xfrm>
+            <a:prstGeom prst="rect">
+              <a:avLst/>
+            </a:prstGeom>
+          </p:spPr>
+        </p:pic>
+        <p:sp>
+          <p:nvSpPr>
+            <p:cNvPr id="35" name="Rectangle 34">
+              <a:extLst>
+                <a:ext uri="{FF2B5EF4-FFF2-40B4-BE49-F238E27FC236}">
+                  <a16:creationId xmlns:a16="http://schemas.microsoft.com/office/drawing/2014/main" id="{246C8107-3922-2394-EA70-4E4F7EE9AD63}"/>
+                </a:ext>
+              </a:extLst>
+            </p:cNvPr>
+            <p:cNvSpPr/>
+            <p:nvPr/>
+          </p:nvSpPr>
+          <p:spPr>
+            <a:xfrm>
+              <a:off x="2819605" y="234520"/>
+              <a:ext cx="6552783" cy="607309"/>
+            </a:xfrm>
+            <a:prstGeom prst="rect">
+              <a:avLst/>
+            </a:prstGeom>
+            <a:solidFill>
+              <a:srgbClr val="0D3E51"/>
+            </a:solidFill>
+            <a:ln>
+              <a:noFill/>
+            </a:ln>
+          </p:spPr>
+          <p:style>
+            <a:lnRef idx="2">
+              <a:schemeClr val="accent1">
+                <a:shade val="15000"/>
+              </a:schemeClr>
+            </a:lnRef>
+            <a:fillRef idx="1">
+              <a:schemeClr val="accent1"/>
+            </a:fillRef>
+            <a:effectRef idx="0">
+              <a:schemeClr val="accent1"/>
+            </a:effectRef>
+            <a:fontRef idx="minor">
+              <a:schemeClr val="lt1"/>
+            </a:fontRef>
+          </p:style>
+          <p:txBody>
+            <a:bodyPr rtlCol="0" anchor="ctr"/>
+            <a:lstStyle/>
+            <a:p>
+              <a:pPr algn="ctr"/>
+              <a:endParaRPr lang="en-IN"/>
+            </a:p>
+          </p:txBody>
+        </p:sp>
+        <p:sp>
+          <p:nvSpPr>
+            <p:cNvPr id="9" name="Rectangle 8">
+              <a:extLst>
+                <a:ext uri="{FF2B5EF4-FFF2-40B4-BE49-F238E27FC236}">
+                  <a16:creationId xmlns:a16="http://schemas.microsoft.com/office/drawing/2014/main" id="{9FCC845F-1106-5691-5BD0-1A5B88E09ABA}"/>
+                </a:ext>
+              </a:extLst>
+            </p:cNvPr>
+            <p:cNvSpPr>
+              <a:spLocks noChangeAspect="1"/>
+            </p:cNvSpPr>
+            <p:nvPr/>
+          </p:nvSpPr>
+          <p:spPr>
+            <a:xfrm>
+              <a:off x="3914386" y="841829"/>
+              <a:ext cx="5458002" cy="1094632"/>
+            </a:xfrm>
+            <a:prstGeom prst="rect">
+              <a:avLst/>
+            </a:prstGeom>
+            <a:solidFill>
+              <a:srgbClr val="5B7C99"/>
+            </a:solidFill>
+            <a:ln w="28575">
+              <a:noFill/>
+            </a:ln>
+          </p:spPr>
+          <p:style>
+            <a:lnRef idx="2">
+              <a:schemeClr val="accent1">
+                <a:shade val="15000"/>
+              </a:schemeClr>
+            </a:lnRef>
+            <a:fillRef idx="1">
+              <a:schemeClr val="accent1"/>
+            </a:fillRef>
+            <a:effectRef idx="0">
+              <a:schemeClr val="accent1"/>
+            </a:effectRef>
+            <a:fontRef idx="minor">
+              <a:schemeClr val="lt1"/>
+            </a:fontRef>
+          </p:style>
+          <p:txBody>
+            <a:bodyPr rtlCol="0" anchor="ctr"/>
+            <a:lstStyle/>
+            <a:p>
+              <a:pPr algn="ctr"/>
+              <a:endParaRPr lang="en-IN" dirty="0"/>
+            </a:p>
+          </p:txBody>
+        </p:sp>
+        <p:sp>
+          <p:nvSpPr>
+            <p:cNvPr id="11" name="TextBox 10">
+              <a:extLst>
+                <a:ext uri="{FF2B5EF4-FFF2-40B4-BE49-F238E27FC236}">
+                  <a16:creationId xmlns:a16="http://schemas.microsoft.com/office/drawing/2014/main" id="{EA906BE6-1FF2-F802-E2DA-655F33BA0B66}"/>
+                </a:ext>
+              </a:extLst>
+            </p:cNvPr>
+            <p:cNvSpPr txBox="1"/>
+            <p:nvPr/>
+          </p:nvSpPr>
+          <p:spPr>
+            <a:xfrm>
+              <a:off x="3914386" y="838811"/>
+              <a:ext cx="5458002" cy="923330"/>
+            </a:xfrm>
+            <a:prstGeom prst="rect">
+              <a:avLst/>
+            </a:prstGeom>
+            <a:noFill/>
+          </p:spPr>
+          <p:txBody>
+            <a:bodyPr wrap="square" rtlCol="0">
+              <a:spAutoFit/>
+            </a:bodyPr>
+            <a:lstStyle/>
+            <a:p>
+              <a:pPr algn="ctr"/>
+              <a:r>
+                <a:rPr lang="en-US" sz="5400" dirty="0" err="1">
+                  <a:solidFill>
+                    <a:srgbClr val="EEF4ED"/>
+                  </a:solidFill>
+                  <a:latin typeface="Rockwell Extra Bold" panose="02060903040505020403" pitchFamily="18" charset="0"/>
+                </a:rPr>
+                <a:t>tek</a:t>
+              </a:r>
+              <a:r>
+                <a:rPr lang="en-US" sz="5400" dirty="0" err="1">
+                  <a:solidFill>
+                    <a:srgbClr val="EEF4ED"/>
+                  </a:solidFill>
+                  <a:latin typeface="Rockwell" panose="02060603020205020403" pitchFamily="18" charset="0"/>
+                </a:rPr>
+                <a:t>Medika</a:t>
+              </a:r>
+              <a:endParaRPr lang="en-IN" sz="4800" dirty="0">
+                <a:solidFill>
+                  <a:srgbClr val="EEF4ED"/>
+                </a:solidFill>
+                <a:latin typeface="Rockwell" panose="02060603020205020403" pitchFamily="18" charset="0"/>
+              </a:endParaRPr>
+            </a:p>
+          </p:txBody>
+        </p:sp>
+        <p:sp>
+          <p:nvSpPr>
+            <p:cNvPr id="16" name="TextBox 15">
+              <a:extLst>
+                <a:ext uri="{FF2B5EF4-FFF2-40B4-BE49-F238E27FC236}">
+                  <a16:creationId xmlns:a16="http://schemas.microsoft.com/office/drawing/2014/main" id="{2778DF63-4498-0961-AF10-B6A31C091514}"/>
+                </a:ext>
+              </a:extLst>
+            </p:cNvPr>
+            <p:cNvSpPr txBox="1"/>
+            <p:nvPr/>
+          </p:nvSpPr>
+          <p:spPr>
+            <a:xfrm>
+              <a:off x="2819604" y="130925"/>
+              <a:ext cx="6552781" cy="707886"/>
+            </a:xfrm>
+            <a:prstGeom prst="rect">
+              <a:avLst/>
+            </a:prstGeom>
+            <a:solidFill>
+              <a:srgbClr val="2C94BC"/>
+            </a:solidFill>
+            <a:ln w="28575">
+              <a:noFill/>
+            </a:ln>
+          </p:spPr>
+          <p:txBody>
+            <a:bodyPr wrap="square" rtlCol="0">
+              <a:spAutoFit/>
+            </a:bodyPr>
+            <a:lstStyle/>
+            <a:p>
+              <a:pPr algn="ctr"/>
+              <a:r>
+                <a:rPr lang="en-US" sz="4000" b="1" dirty="0">
+                  <a:solidFill>
+                    <a:srgbClr val="EEF4ED"/>
+                  </a:solidFill>
+                  <a:latin typeface="Cera Pro Medium" panose="00000600000000000000" pitchFamily="50" charset="0"/>
+                </a:rPr>
+                <a:t>INSPIRE-100 </a:t>
+              </a:r>
+              <a:r>
+                <a:rPr lang="en-US" sz="4000" i="1" dirty="0">
+                  <a:solidFill>
+                    <a:srgbClr val="EEF4ED"/>
+                  </a:solidFill>
+                  <a:latin typeface="Cera Pro Medium" panose="00000600000000000000" pitchFamily="50" charset="0"/>
+                </a:rPr>
+                <a:t>Web Applications</a:t>
+              </a:r>
+              <a:endParaRPr lang="en-IN" sz="4000" i="1" dirty="0">
+                <a:solidFill>
+                  <a:srgbClr val="EEF4ED"/>
+                </a:solidFill>
+                <a:latin typeface="Cera Pro Medium" panose="00000600000000000000" pitchFamily="50" charset="0"/>
+              </a:endParaRPr>
+            </a:p>
+          </p:txBody>
+        </p:sp>
+      </p:grpSp>
+      <p:grpSp>
+        <p:nvGrpSpPr>
+          <p:cNvPr id="52" name="Group 51">
+            <a:extLst>
+              <a:ext uri="{FF2B5EF4-FFF2-40B4-BE49-F238E27FC236}">
+                <a16:creationId xmlns:a16="http://schemas.microsoft.com/office/drawing/2014/main" id="{F8E8A685-6814-575D-58D3-1655CB02066B}"/>
+              </a:ext>
+            </a:extLst>
+          </p:cNvPr>
+          <p:cNvGrpSpPr/>
+          <p:nvPr/>
+        </p:nvGrpSpPr>
+        <p:grpSpPr>
+          <a:xfrm>
+            <a:off x="2819604" y="2271151"/>
+            <a:ext cx="6552784" cy="1805536"/>
+            <a:chOff x="2819604" y="130925"/>
+            <a:chExt cx="6552784" cy="1805536"/>
+          </a:xfrm>
+        </p:grpSpPr>
+        <p:pic>
+          <p:nvPicPr>
+            <p:cNvPr id="53" name="Picture 52">
+              <a:extLst>
+                <a:ext uri="{FF2B5EF4-FFF2-40B4-BE49-F238E27FC236}">
+                  <a16:creationId xmlns:a16="http://schemas.microsoft.com/office/drawing/2014/main" id="{9AF731A8-3FB1-09CC-ADCB-3A63F2EB5FD4}"/>
+                </a:ext>
+              </a:extLst>
+            </p:cNvPr>
+            <p:cNvPicPr>
+              <a:picLocks noChangeAspect="1"/>
+            </p:cNvPicPr>
+            <p:nvPr/>
+          </p:nvPicPr>
+          <p:blipFill>
+            <a:blip r:embed="rId2"/>
+            <a:stretch>
+              <a:fillRect/>
+            </a:stretch>
+          </p:blipFill>
+          <p:spPr>
+            <a:xfrm>
+              <a:off x="2819607" y="841680"/>
+              <a:ext cx="1094780" cy="1094781"/>
+            </a:xfrm>
+            <a:prstGeom prst="rect">
+              <a:avLst/>
+            </a:prstGeom>
+          </p:spPr>
+        </p:pic>
+        <p:sp>
+          <p:nvSpPr>
+            <p:cNvPr id="54" name="Rectangle 53">
+              <a:extLst>
+                <a:ext uri="{FF2B5EF4-FFF2-40B4-BE49-F238E27FC236}">
+                  <a16:creationId xmlns:a16="http://schemas.microsoft.com/office/drawing/2014/main" id="{1EE30CE6-09B1-67AC-7E57-334FE2FEA27A}"/>
+                </a:ext>
+              </a:extLst>
+            </p:cNvPr>
+            <p:cNvSpPr/>
+            <p:nvPr/>
+          </p:nvSpPr>
+          <p:spPr>
+            <a:xfrm>
+              <a:off x="2819605" y="234520"/>
+              <a:ext cx="6552783" cy="607309"/>
+            </a:xfrm>
+            <a:prstGeom prst="rect">
+              <a:avLst/>
+            </a:prstGeom>
+            <a:solidFill>
+              <a:srgbClr val="0D3E51"/>
+            </a:solidFill>
+            <a:ln>
+              <a:noFill/>
+            </a:ln>
+          </p:spPr>
+          <p:style>
+            <a:lnRef idx="2">
+              <a:schemeClr val="accent1">
+                <a:shade val="15000"/>
+              </a:schemeClr>
+            </a:lnRef>
+            <a:fillRef idx="1">
+              <a:schemeClr val="accent1"/>
+            </a:fillRef>
+            <a:effectRef idx="0">
+              <a:schemeClr val="accent1"/>
+            </a:effectRef>
+            <a:fontRef idx="minor">
+              <a:schemeClr val="lt1"/>
+            </a:fontRef>
+          </p:style>
+          <p:txBody>
+            <a:bodyPr rtlCol="0" anchor="ctr"/>
+            <a:lstStyle/>
+            <a:p>
+              <a:pPr algn="ctr"/>
+              <a:endParaRPr lang="en-IN"/>
+            </a:p>
+          </p:txBody>
+        </p:sp>
+        <p:sp>
+          <p:nvSpPr>
+            <p:cNvPr id="55" name="Rectangle 54">
+              <a:extLst>
+                <a:ext uri="{FF2B5EF4-FFF2-40B4-BE49-F238E27FC236}">
+                  <a16:creationId xmlns:a16="http://schemas.microsoft.com/office/drawing/2014/main" id="{85B49DF7-A214-C486-2C99-187842BA787C}"/>
+                </a:ext>
+              </a:extLst>
+            </p:cNvPr>
+            <p:cNvSpPr>
+              <a:spLocks noChangeAspect="1"/>
+            </p:cNvSpPr>
+            <p:nvPr/>
+          </p:nvSpPr>
+          <p:spPr>
+            <a:xfrm>
+              <a:off x="3914386" y="841829"/>
+              <a:ext cx="5458002" cy="1094632"/>
+            </a:xfrm>
+            <a:prstGeom prst="rect">
+              <a:avLst/>
+            </a:prstGeom>
+            <a:solidFill>
+              <a:srgbClr val="5B7C99"/>
+            </a:solidFill>
+            <a:ln w="28575">
+              <a:noFill/>
+            </a:ln>
+          </p:spPr>
+          <p:style>
+            <a:lnRef idx="2">
+              <a:schemeClr val="accent1">
+                <a:shade val="15000"/>
+              </a:schemeClr>
+            </a:lnRef>
+            <a:fillRef idx="1">
+              <a:schemeClr val="accent1"/>
+            </a:fillRef>
+            <a:effectRef idx="0">
+              <a:schemeClr val="accent1"/>
+            </a:effectRef>
+            <a:fontRef idx="minor">
+              <a:schemeClr val="lt1"/>
+            </a:fontRef>
+          </p:style>
+          <p:txBody>
+            <a:bodyPr rtlCol="0" anchor="ctr"/>
+            <a:lstStyle/>
+            <a:p>
+              <a:pPr algn="ctr"/>
+              <a:endParaRPr lang="en-IN" dirty="0"/>
+            </a:p>
+          </p:txBody>
+        </p:sp>
+        <p:sp>
+          <p:nvSpPr>
+            <p:cNvPr id="56" name="TextBox 55">
+              <a:extLst>
+                <a:ext uri="{FF2B5EF4-FFF2-40B4-BE49-F238E27FC236}">
+                  <a16:creationId xmlns:a16="http://schemas.microsoft.com/office/drawing/2014/main" id="{B8942939-9FFF-4904-025B-5B8185E32EB4}"/>
+                </a:ext>
+              </a:extLst>
+            </p:cNvPr>
+            <p:cNvSpPr txBox="1"/>
+            <p:nvPr/>
+          </p:nvSpPr>
+          <p:spPr>
+            <a:xfrm>
+              <a:off x="3914386" y="838811"/>
+              <a:ext cx="5458002" cy="923330"/>
+            </a:xfrm>
+            <a:prstGeom prst="rect">
+              <a:avLst/>
+            </a:prstGeom>
+            <a:noFill/>
+          </p:spPr>
+          <p:txBody>
+            <a:bodyPr wrap="square" rtlCol="0">
+              <a:spAutoFit/>
+            </a:bodyPr>
+            <a:lstStyle/>
+            <a:p>
+              <a:pPr algn="ctr"/>
+              <a:r>
+                <a:rPr lang="en-US" sz="5400" dirty="0" err="1">
+                  <a:solidFill>
+                    <a:srgbClr val="EEF4ED"/>
+                  </a:solidFill>
+                  <a:latin typeface="Rockwell Extra Bold" panose="02060903040505020403" pitchFamily="18" charset="0"/>
+                </a:rPr>
+                <a:t>tek</a:t>
+              </a:r>
+              <a:r>
+                <a:rPr lang="en-US" sz="5400" dirty="0" err="1">
+                  <a:solidFill>
+                    <a:srgbClr val="EEF4ED"/>
+                  </a:solidFill>
+                  <a:latin typeface="Rockwell" panose="02060603020205020403" pitchFamily="18" charset="0"/>
+                </a:rPr>
+                <a:t>Medika</a:t>
+              </a:r>
+              <a:endParaRPr lang="en-IN" sz="4800" dirty="0">
+                <a:solidFill>
+                  <a:srgbClr val="EEF4ED"/>
+                </a:solidFill>
+                <a:latin typeface="Rockwell" panose="02060603020205020403" pitchFamily="18" charset="0"/>
+              </a:endParaRPr>
+            </a:p>
+          </p:txBody>
+        </p:sp>
+        <p:sp>
+          <p:nvSpPr>
+            <p:cNvPr id="57" name="TextBox 56">
+              <a:extLst>
+                <a:ext uri="{FF2B5EF4-FFF2-40B4-BE49-F238E27FC236}">
+                  <a16:creationId xmlns:a16="http://schemas.microsoft.com/office/drawing/2014/main" id="{BDB379CC-A5B8-E7DB-BBB5-0FFC818BDD96}"/>
+                </a:ext>
+              </a:extLst>
+            </p:cNvPr>
+            <p:cNvSpPr txBox="1"/>
+            <p:nvPr/>
+          </p:nvSpPr>
+          <p:spPr>
+            <a:xfrm>
+              <a:off x="2819604" y="130925"/>
+              <a:ext cx="6552781" cy="707886"/>
+            </a:xfrm>
+            <a:prstGeom prst="rect">
+              <a:avLst/>
+            </a:prstGeom>
+            <a:solidFill>
+              <a:srgbClr val="2C94BC"/>
+            </a:solidFill>
+            <a:ln w="28575">
+              <a:noFill/>
+            </a:ln>
+          </p:spPr>
+          <p:txBody>
+            <a:bodyPr wrap="square" rtlCol="0">
+              <a:spAutoFit/>
+            </a:bodyPr>
+            <a:lstStyle/>
+            <a:p>
+              <a:pPr algn="ctr"/>
+              <a:r>
+                <a:rPr lang="en-US" sz="4000" b="1" dirty="0">
+                  <a:solidFill>
+                    <a:srgbClr val="EEF4ED"/>
+                  </a:solidFill>
+                  <a:latin typeface="Cera Pro Medium" panose="00000600000000000000" pitchFamily="50" charset="0"/>
+                </a:rPr>
+                <a:t>INSPIRE-100               </a:t>
+              </a:r>
+              <a:r>
+                <a:rPr lang="en-US" sz="4000" i="1" dirty="0">
+                  <a:solidFill>
+                    <a:srgbClr val="EEF4ED"/>
+                  </a:solidFill>
+                  <a:latin typeface="Cera Pro Medium" panose="00000600000000000000" pitchFamily="50" charset="0"/>
+                </a:rPr>
+                <a:t>Firmware</a:t>
+              </a:r>
+              <a:endParaRPr lang="en-IN" sz="4000" i="1" dirty="0">
+                <a:solidFill>
+                  <a:srgbClr val="EEF4ED"/>
+                </a:solidFill>
+                <a:latin typeface="Cera Pro Medium" panose="00000600000000000000" pitchFamily="50" charset="0"/>
+              </a:endParaRPr>
+            </a:p>
+          </p:txBody>
+        </p:sp>
+      </p:grpSp>
+      <p:grpSp>
+        <p:nvGrpSpPr>
+          <p:cNvPr id="58" name="Group 57">
+            <a:extLst>
+              <a:ext uri="{FF2B5EF4-FFF2-40B4-BE49-F238E27FC236}">
+                <a16:creationId xmlns:a16="http://schemas.microsoft.com/office/drawing/2014/main" id="{58465A5A-9CD2-A4AF-6530-2674C2DF4581}"/>
+              </a:ext>
+            </a:extLst>
+          </p:cNvPr>
+          <p:cNvGrpSpPr/>
+          <p:nvPr/>
+        </p:nvGrpSpPr>
+        <p:grpSpPr>
+          <a:xfrm>
+            <a:off x="2819601" y="4408359"/>
+            <a:ext cx="6552784" cy="1805536"/>
+            <a:chOff x="2819604" y="130925"/>
+            <a:chExt cx="6552784" cy="1805536"/>
+          </a:xfrm>
+        </p:grpSpPr>
+        <p:pic>
+          <p:nvPicPr>
+            <p:cNvPr id="59" name="Picture 58">
+              <a:extLst>
+                <a:ext uri="{FF2B5EF4-FFF2-40B4-BE49-F238E27FC236}">
+                  <a16:creationId xmlns:a16="http://schemas.microsoft.com/office/drawing/2014/main" id="{FB57AE9B-1C75-9C14-574C-C89A389C7F95}"/>
+                </a:ext>
+              </a:extLst>
+            </p:cNvPr>
+            <p:cNvPicPr>
+              <a:picLocks noChangeAspect="1"/>
+            </p:cNvPicPr>
+            <p:nvPr/>
+          </p:nvPicPr>
+          <p:blipFill>
+            <a:blip r:embed="rId2"/>
+            <a:stretch>
+              <a:fillRect/>
+            </a:stretch>
+          </p:blipFill>
+          <p:spPr>
+            <a:xfrm>
+              <a:off x="2819607" y="841680"/>
+              <a:ext cx="1094780" cy="1094781"/>
+            </a:xfrm>
+            <a:prstGeom prst="rect">
+              <a:avLst/>
+            </a:prstGeom>
+          </p:spPr>
+        </p:pic>
+        <p:sp>
+          <p:nvSpPr>
+            <p:cNvPr id="60" name="Rectangle 59">
+              <a:extLst>
+                <a:ext uri="{FF2B5EF4-FFF2-40B4-BE49-F238E27FC236}">
+                  <a16:creationId xmlns:a16="http://schemas.microsoft.com/office/drawing/2014/main" id="{DC3F2677-6545-2B0A-2F31-069403BD323A}"/>
+                </a:ext>
+              </a:extLst>
+            </p:cNvPr>
+            <p:cNvSpPr/>
+            <p:nvPr/>
+          </p:nvSpPr>
+          <p:spPr>
+            <a:xfrm>
+              <a:off x="2819605" y="234520"/>
+              <a:ext cx="6552783" cy="607309"/>
+            </a:xfrm>
+            <a:prstGeom prst="rect">
+              <a:avLst/>
+            </a:prstGeom>
+            <a:solidFill>
+              <a:srgbClr val="0D3E51"/>
+            </a:solidFill>
+            <a:ln>
+              <a:noFill/>
+            </a:ln>
+          </p:spPr>
+          <p:style>
+            <a:lnRef idx="2">
+              <a:schemeClr val="accent1">
+                <a:shade val="15000"/>
+              </a:schemeClr>
+            </a:lnRef>
+            <a:fillRef idx="1">
+              <a:schemeClr val="accent1"/>
+            </a:fillRef>
+            <a:effectRef idx="0">
+              <a:schemeClr val="accent1"/>
+            </a:effectRef>
+            <a:fontRef idx="minor">
+              <a:schemeClr val="lt1"/>
+            </a:fontRef>
+          </p:style>
+          <p:txBody>
+            <a:bodyPr rtlCol="0" anchor="ctr"/>
+            <a:lstStyle/>
+            <a:p>
+              <a:pPr algn="ctr"/>
+              <a:endParaRPr lang="en-IN"/>
+            </a:p>
+          </p:txBody>
+        </p:sp>
+        <p:sp>
+          <p:nvSpPr>
+            <p:cNvPr id="61" name="Rectangle 60">
+              <a:extLst>
+                <a:ext uri="{FF2B5EF4-FFF2-40B4-BE49-F238E27FC236}">
+                  <a16:creationId xmlns:a16="http://schemas.microsoft.com/office/drawing/2014/main" id="{83B85113-96DE-7C4A-63DB-B72E3C2DC000}"/>
+                </a:ext>
+              </a:extLst>
+            </p:cNvPr>
+            <p:cNvSpPr>
+              <a:spLocks noChangeAspect="1"/>
+            </p:cNvSpPr>
+            <p:nvPr/>
+          </p:nvSpPr>
+          <p:spPr>
+            <a:xfrm>
+              <a:off x="3914386" y="841829"/>
+              <a:ext cx="5458002" cy="1094632"/>
+            </a:xfrm>
+            <a:prstGeom prst="rect">
+              <a:avLst/>
+            </a:prstGeom>
+            <a:solidFill>
+              <a:srgbClr val="5B7C99"/>
+            </a:solidFill>
+            <a:ln w="28575">
+              <a:noFill/>
+            </a:ln>
+          </p:spPr>
+          <p:style>
+            <a:lnRef idx="2">
+              <a:schemeClr val="accent1">
+                <a:shade val="15000"/>
+              </a:schemeClr>
+            </a:lnRef>
+            <a:fillRef idx="1">
+              <a:schemeClr val="accent1"/>
+            </a:fillRef>
+            <a:effectRef idx="0">
+              <a:schemeClr val="accent1"/>
+            </a:effectRef>
+            <a:fontRef idx="minor">
+              <a:schemeClr val="lt1"/>
+            </a:fontRef>
+          </p:style>
+          <p:txBody>
+            <a:bodyPr rtlCol="0" anchor="ctr"/>
+            <a:lstStyle/>
+            <a:p>
+              <a:pPr algn="ctr"/>
+              <a:endParaRPr lang="en-IN" dirty="0"/>
+            </a:p>
+          </p:txBody>
+        </p:sp>
+        <p:sp>
+          <p:nvSpPr>
+            <p:cNvPr id="62" name="TextBox 61">
+              <a:extLst>
+                <a:ext uri="{FF2B5EF4-FFF2-40B4-BE49-F238E27FC236}">
+                  <a16:creationId xmlns:a16="http://schemas.microsoft.com/office/drawing/2014/main" id="{AFB552A6-DCF4-0D1F-6044-BF14DE52FA52}"/>
+                </a:ext>
+              </a:extLst>
+            </p:cNvPr>
+            <p:cNvSpPr txBox="1"/>
+            <p:nvPr/>
+          </p:nvSpPr>
+          <p:spPr>
+            <a:xfrm>
+              <a:off x="3914386" y="838811"/>
+              <a:ext cx="5458002" cy="923330"/>
+            </a:xfrm>
+            <a:prstGeom prst="rect">
+              <a:avLst/>
+            </a:prstGeom>
+            <a:noFill/>
+          </p:spPr>
+          <p:txBody>
+            <a:bodyPr wrap="square" rtlCol="0">
+              <a:spAutoFit/>
+            </a:bodyPr>
+            <a:lstStyle/>
+            <a:p>
+              <a:pPr algn="ctr"/>
+              <a:r>
+                <a:rPr lang="en-US" sz="5400" dirty="0" err="1">
+                  <a:solidFill>
+                    <a:srgbClr val="EEF4ED"/>
+                  </a:solidFill>
+                  <a:latin typeface="Rockwell Extra Bold" panose="02060903040505020403" pitchFamily="18" charset="0"/>
+                </a:rPr>
+                <a:t>tek</a:t>
+              </a:r>
+              <a:r>
+                <a:rPr lang="en-US" sz="5400" dirty="0" err="1">
+                  <a:solidFill>
+                    <a:srgbClr val="EEF4ED"/>
+                  </a:solidFill>
+                  <a:latin typeface="Rockwell" panose="02060603020205020403" pitchFamily="18" charset="0"/>
+                </a:rPr>
+                <a:t>Medika</a:t>
+              </a:r>
+              <a:endParaRPr lang="en-IN" sz="4800" dirty="0">
+                <a:solidFill>
+                  <a:srgbClr val="EEF4ED"/>
+                </a:solidFill>
+                <a:latin typeface="Rockwell" panose="02060603020205020403" pitchFamily="18" charset="0"/>
+              </a:endParaRPr>
+            </a:p>
+          </p:txBody>
+        </p:sp>
+        <p:sp>
+          <p:nvSpPr>
+            <p:cNvPr id="63" name="TextBox 62">
+              <a:extLst>
+                <a:ext uri="{FF2B5EF4-FFF2-40B4-BE49-F238E27FC236}">
+                  <a16:creationId xmlns:a16="http://schemas.microsoft.com/office/drawing/2014/main" id="{B16C4C08-001D-8415-EE1E-32F415E1FF0B}"/>
+                </a:ext>
+              </a:extLst>
+            </p:cNvPr>
+            <p:cNvSpPr txBox="1"/>
+            <p:nvPr/>
+          </p:nvSpPr>
+          <p:spPr>
+            <a:xfrm>
+              <a:off x="2819604" y="130925"/>
+              <a:ext cx="6552781" cy="707886"/>
+            </a:xfrm>
+            <a:prstGeom prst="rect">
+              <a:avLst/>
+            </a:prstGeom>
+            <a:solidFill>
+              <a:srgbClr val="2C94BC"/>
+            </a:solidFill>
+            <a:ln w="28575">
+              <a:noFill/>
+            </a:ln>
+          </p:spPr>
+          <p:txBody>
+            <a:bodyPr wrap="square" rtlCol="0">
+              <a:spAutoFit/>
+            </a:bodyPr>
+            <a:lstStyle/>
+            <a:p>
+              <a:pPr algn="ctr"/>
+              <a:r>
+                <a:rPr lang="en-US" sz="4000" b="1" dirty="0">
+                  <a:solidFill>
+                    <a:srgbClr val="EEF4ED"/>
+                  </a:solidFill>
+                  <a:latin typeface="Cera Pro Medium" panose="00000600000000000000" pitchFamily="50" charset="0"/>
+                </a:rPr>
+                <a:t>INSPIRE-100    </a:t>
+              </a:r>
+              <a:r>
+                <a:rPr lang="en-US" sz="4000" i="1" dirty="0">
+                  <a:solidFill>
+                    <a:srgbClr val="EEF4ED"/>
+                  </a:solidFill>
+                  <a:latin typeface="Cera Pro Medium" panose="00000600000000000000" pitchFamily="50" charset="0"/>
+                </a:rPr>
+                <a:t>Documentation</a:t>
+              </a:r>
+              <a:endParaRPr lang="en-IN" sz="4000" i="1" dirty="0">
+                <a:solidFill>
+                  <a:srgbClr val="EEF4ED"/>
+                </a:solidFill>
+                <a:latin typeface="Cera Pro Medium" panose="00000600000000000000" pitchFamily="50" charset="0"/>
+              </a:endParaRPr>
+            </a:p>
+          </p:txBody>
+        </p:sp>
+      </p:grpSp>
+    </p:spTree>
+    <p:extLst>
+      <p:ext uri="{BB962C8B-B14F-4D97-AF65-F5344CB8AC3E}">
+        <p14:creationId xmlns:p14="http://schemas.microsoft.com/office/powerpoint/2010/main" val="1887048"/>
+      </p:ext>
+    </p:extLst>
+  </p:cSld>
+  <p:clrMapOvr>
+    <a:masterClrMapping/>
+  </p:clrMapOvr>
+</p:sld>
+</file>
+
+<file path=ppt/slides/slide2.xml><?xml version="1.0" encoding="utf-8"?>
+<p:sld xmlns:a="http://schemas.openxmlformats.org/drawingml/2006/main" xmlns:r="http://schemas.openxmlformats.org/officeDocument/2006/relationships" xmlns:p="http://schemas.openxmlformats.org/presentationml/2006/main">
+  <p:cSld>
+    <p:spTree>
+      <p:nvGrpSpPr>
+        <p:cNvPr id="1" name=""/>
+        <p:cNvGrpSpPr/>
+        <p:nvPr/>
+      </p:nvGrpSpPr>
+      <p:grpSpPr>
+        <a:xfrm>
+          <a:off x="0" y="0"/>
+          <a:ext cx="0" cy="0"/>
+          <a:chOff x="0" y="0"/>
+          <a:chExt cx="0" cy="0"/>
+        </a:xfrm>
+      </p:grpSpPr>
+      <p:grpSp>
+        <p:nvGrpSpPr>
+          <p:cNvPr id="24" name="Group 23">
+            <a:extLst>
+              <a:ext uri="{FF2B5EF4-FFF2-40B4-BE49-F238E27FC236}">
+                <a16:creationId xmlns:a16="http://schemas.microsoft.com/office/drawing/2014/main" id="{B236847F-412A-34C4-B5F4-039F21BCCB1B}"/>
+              </a:ext>
+            </a:extLst>
+          </p:cNvPr>
+          <p:cNvGrpSpPr/>
+          <p:nvPr/>
+        </p:nvGrpSpPr>
+        <p:grpSpPr>
+          <a:xfrm>
+            <a:off x="2819605" y="683281"/>
+            <a:ext cx="6552784" cy="1805536"/>
+            <a:chOff x="2819604" y="130925"/>
+            <a:chExt cx="6552784" cy="1805536"/>
+          </a:xfrm>
+        </p:grpSpPr>
+        <p:pic>
+          <p:nvPicPr>
+            <p:cNvPr id="25" name="Picture 24">
+              <a:extLst>
+                <a:ext uri="{FF2B5EF4-FFF2-40B4-BE49-F238E27FC236}">
+                  <a16:creationId xmlns:a16="http://schemas.microsoft.com/office/drawing/2014/main" id="{1897D017-4841-1911-86D5-804734442DD5}"/>
+                </a:ext>
+              </a:extLst>
+            </p:cNvPr>
+            <p:cNvPicPr>
+              <a:picLocks noChangeAspect="1"/>
+            </p:cNvPicPr>
+            <p:nvPr/>
+          </p:nvPicPr>
+          <p:blipFill>
+            <a:blip r:embed="rId2"/>
+            <a:stretch>
+              <a:fillRect/>
+            </a:stretch>
+          </p:blipFill>
+          <p:spPr>
+            <a:xfrm>
+              <a:off x="2819607" y="841680"/>
+              <a:ext cx="1094780" cy="1094781"/>
+            </a:xfrm>
+            <a:prstGeom prst="rect">
+              <a:avLst/>
+            </a:prstGeom>
+          </p:spPr>
+        </p:pic>
+        <p:sp>
+          <p:nvSpPr>
+            <p:cNvPr id="26" name="Rectangle 25">
+              <a:extLst>
+                <a:ext uri="{FF2B5EF4-FFF2-40B4-BE49-F238E27FC236}">
+                  <a16:creationId xmlns:a16="http://schemas.microsoft.com/office/drawing/2014/main" id="{619B246F-F6EF-2739-0973-FFBBB0D0FFEF}"/>
+                </a:ext>
+              </a:extLst>
+            </p:cNvPr>
+            <p:cNvSpPr/>
+            <p:nvPr/>
+          </p:nvSpPr>
+          <p:spPr>
+            <a:xfrm>
+              <a:off x="2819605" y="234520"/>
+              <a:ext cx="6552783" cy="607309"/>
+            </a:xfrm>
+            <a:prstGeom prst="rect">
+              <a:avLst/>
+            </a:prstGeom>
+            <a:solidFill>
+              <a:srgbClr val="0D3E51"/>
+            </a:solidFill>
+            <a:ln>
+              <a:noFill/>
+            </a:ln>
+          </p:spPr>
+          <p:style>
+            <a:lnRef idx="2">
+              <a:schemeClr val="accent1">
+                <a:shade val="15000"/>
+              </a:schemeClr>
+            </a:lnRef>
+            <a:fillRef idx="1">
+              <a:schemeClr val="accent1"/>
+            </a:fillRef>
+            <a:effectRef idx="0">
+              <a:schemeClr val="accent1"/>
+            </a:effectRef>
+            <a:fontRef idx="minor">
+              <a:schemeClr val="lt1"/>
+            </a:fontRef>
+          </p:style>
+          <p:txBody>
+            <a:bodyPr rtlCol="0" anchor="ctr"/>
+            <a:lstStyle/>
+            <a:p>
+              <a:pPr algn="ctr"/>
+              <a:endParaRPr lang="en-IN"/>
+            </a:p>
+          </p:txBody>
+        </p:sp>
+        <p:sp>
+          <p:nvSpPr>
+            <p:cNvPr id="27" name="Rectangle 26">
+              <a:extLst>
+                <a:ext uri="{FF2B5EF4-FFF2-40B4-BE49-F238E27FC236}">
+                  <a16:creationId xmlns:a16="http://schemas.microsoft.com/office/drawing/2014/main" id="{E0840FEA-4121-A11F-D6A5-FA90350EA3F5}"/>
+                </a:ext>
+              </a:extLst>
+            </p:cNvPr>
+            <p:cNvSpPr>
+              <a:spLocks noChangeAspect="1"/>
+            </p:cNvSpPr>
+            <p:nvPr/>
+          </p:nvSpPr>
+          <p:spPr>
+            <a:xfrm>
+              <a:off x="3914386" y="841829"/>
+              <a:ext cx="5458002" cy="1094632"/>
+            </a:xfrm>
+            <a:prstGeom prst="rect">
+              <a:avLst/>
+            </a:prstGeom>
+            <a:solidFill>
+              <a:srgbClr val="5B7C99"/>
+            </a:solidFill>
+            <a:ln w="28575">
+              <a:noFill/>
+            </a:ln>
+          </p:spPr>
+          <p:style>
+            <a:lnRef idx="2">
+              <a:schemeClr val="accent1">
+                <a:shade val="15000"/>
+              </a:schemeClr>
+            </a:lnRef>
+            <a:fillRef idx="1">
+              <a:schemeClr val="accent1"/>
+            </a:fillRef>
+            <a:effectRef idx="0">
+              <a:schemeClr val="accent1"/>
+            </a:effectRef>
+            <a:fontRef idx="minor">
+              <a:schemeClr val="lt1"/>
+            </a:fontRef>
+          </p:style>
+          <p:txBody>
+            <a:bodyPr rtlCol="0" anchor="ctr"/>
+            <a:lstStyle/>
+            <a:p>
+              <a:pPr algn="ctr"/>
+              <a:endParaRPr lang="en-IN" dirty="0"/>
+            </a:p>
+          </p:txBody>
+        </p:sp>
+        <p:sp>
+          <p:nvSpPr>
+            <p:cNvPr id="28" name="TextBox 27">
+              <a:extLst>
+                <a:ext uri="{FF2B5EF4-FFF2-40B4-BE49-F238E27FC236}">
+                  <a16:creationId xmlns:a16="http://schemas.microsoft.com/office/drawing/2014/main" id="{C0562E71-86DB-290E-5EF3-7E442B71E32F}"/>
+                </a:ext>
+              </a:extLst>
+            </p:cNvPr>
+            <p:cNvSpPr txBox="1"/>
+            <p:nvPr/>
+          </p:nvSpPr>
+          <p:spPr>
+            <a:xfrm>
+              <a:off x="3914386" y="838811"/>
+              <a:ext cx="5458002" cy="923330"/>
+            </a:xfrm>
+            <a:prstGeom prst="rect">
+              <a:avLst/>
+            </a:prstGeom>
+            <a:noFill/>
+          </p:spPr>
+          <p:txBody>
+            <a:bodyPr wrap="square" rtlCol="0">
+              <a:spAutoFit/>
+            </a:bodyPr>
+            <a:lstStyle/>
+            <a:p>
+              <a:pPr algn="ctr"/>
+              <a:r>
+                <a:rPr lang="en-US" sz="5400" dirty="0" err="1">
+                  <a:solidFill>
+                    <a:srgbClr val="EEF4ED"/>
+                  </a:solidFill>
+                  <a:latin typeface="Rockwell Extra Bold" panose="02060903040505020403" pitchFamily="18" charset="0"/>
+                </a:rPr>
+                <a:t>tek</a:t>
+              </a:r>
+              <a:r>
+                <a:rPr lang="en-US" sz="5400" dirty="0" err="1">
+                  <a:solidFill>
+                    <a:srgbClr val="EEF4ED"/>
+                  </a:solidFill>
+                  <a:latin typeface="Rockwell" panose="02060603020205020403" pitchFamily="18" charset="0"/>
+                </a:rPr>
+                <a:t>Medika</a:t>
+              </a:r>
+              <a:endParaRPr lang="en-IN" sz="4800" dirty="0">
+                <a:solidFill>
+                  <a:srgbClr val="EEF4ED"/>
+                </a:solidFill>
+                <a:latin typeface="Rockwell" panose="02060603020205020403" pitchFamily="18" charset="0"/>
+              </a:endParaRPr>
+            </a:p>
+          </p:txBody>
+        </p:sp>
+        <p:sp>
+          <p:nvSpPr>
+            <p:cNvPr id="29" name="TextBox 28">
+              <a:extLst>
+                <a:ext uri="{FF2B5EF4-FFF2-40B4-BE49-F238E27FC236}">
+                  <a16:creationId xmlns:a16="http://schemas.microsoft.com/office/drawing/2014/main" id="{90721170-51D0-FEC8-4ED8-60E134103EF2}"/>
+                </a:ext>
+              </a:extLst>
+            </p:cNvPr>
+            <p:cNvSpPr txBox="1"/>
+            <p:nvPr/>
+          </p:nvSpPr>
+          <p:spPr>
+            <a:xfrm>
+              <a:off x="2819604" y="130925"/>
+              <a:ext cx="6552781" cy="707886"/>
+            </a:xfrm>
+            <a:prstGeom prst="rect">
+              <a:avLst/>
+            </a:prstGeom>
+            <a:solidFill>
+              <a:srgbClr val="2C94BC"/>
+            </a:solidFill>
+            <a:ln w="28575">
+              <a:noFill/>
+            </a:ln>
+          </p:spPr>
+          <p:txBody>
+            <a:bodyPr wrap="square" rtlCol="0">
+              <a:spAutoFit/>
+            </a:bodyPr>
+            <a:lstStyle/>
+            <a:p>
+              <a:pPr algn="ctr"/>
+              <a:r>
+                <a:rPr lang="en-US" sz="4000" b="1" dirty="0">
+                  <a:solidFill>
+                    <a:srgbClr val="EEF4ED"/>
+                  </a:solidFill>
+                  <a:latin typeface="Cera Pro Medium" panose="00000600000000000000" pitchFamily="50" charset="0"/>
+                </a:rPr>
+                <a:t>INSPIRE-100    </a:t>
+              </a:r>
+              <a:r>
+                <a:rPr lang="en-US" sz="4000" i="1" dirty="0">
+                  <a:solidFill>
+                    <a:srgbClr val="EEF4ED"/>
+                  </a:solidFill>
+                  <a:latin typeface="Cera Pro Medium" panose="00000600000000000000" pitchFamily="50" charset="0"/>
+                </a:rPr>
+                <a:t>FiO2 Calculator</a:t>
+              </a:r>
+              <a:endParaRPr lang="en-IN" sz="4000" i="1" dirty="0">
+                <a:solidFill>
+                  <a:srgbClr val="EEF4ED"/>
+                </a:solidFill>
+                <a:latin typeface="Cera Pro Medium" panose="00000600000000000000" pitchFamily="50" charset="0"/>
+              </a:endParaRPr>
+            </a:p>
+          </p:txBody>
+        </p:sp>
+      </p:grpSp>
+      <p:grpSp>
+        <p:nvGrpSpPr>
+          <p:cNvPr id="36" name="Group 35">
+            <a:extLst>
+              <a:ext uri="{FF2B5EF4-FFF2-40B4-BE49-F238E27FC236}">
+                <a16:creationId xmlns:a16="http://schemas.microsoft.com/office/drawing/2014/main" id="{FB673BEE-D7A9-9199-714A-7D9E38A28D90}"/>
+              </a:ext>
+            </a:extLst>
+          </p:cNvPr>
+          <p:cNvGrpSpPr/>
+          <p:nvPr/>
+        </p:nvGrpSpPr>
+        <p:grpSpPr>
+          <a:xfrm>
+            <a:off x="2819605" y="3115054"/>
+            <a:ext cx="6552784" cy="1805536"/>
+            <a:chOff x="2819604" y="130925"/>
+            <a:chExt cx="6552784" cy="1805536"/>
+          </a:xfrm>
+        </p:grpSpPr>
+        <p:pic>
+          <p:nvPicPr>
+            <p:cNvPr id="37" name="Picture 36">
+              <a:extLst>
+                <a:ext uri="{FF2B5EF4-FFF2-40B4-BE49-F238E27FC236}">
+                  <a16:creationId xmlns:a16="http://schemas.microsoft.com/office/drawing/2014/main" id="{9CD38CCC-C875-0E24-B0B4-9D468B7FB530}"/>
+                </a:ext>
+              </a:extLst>
+            </p:cNvPr>
+            <p:cNvPicPr>
+              <a:picLocks noChangeAspect="1"/>
+            </p:cNvPicPr>
+            <p:nvPr/>
+          </p:nvPicPr>
+          <p:blipFill>
+            <a:blip r:embed="rId2"/>
+            <a:stretch>
+              <a:fillRect/>
+            </a:stretch>
+          </p:blipFill>
+          <p:spPr>
+            <a:xfrm>
+              <a:off x="2819607" y="841680"/>
+              <a:ext cx="1094780" cy="1094781"/>
+            </a:xfrm>
+            <a:prstGeom prst="rect">
+              <a:avLst/>
+            </a:prstGeom>
+          </p:spPr>
+        </p:pic>
+        <p:sp>
+          <p:nvSpPr>
+            <p:cNvPr id="38" name="Rectangle 37">
+              <a:extLst>
+                <a:ext uri="{FF2B5EF4-FFF2-40B4-BE49-F238E27FC236}">
+                  <a16:creationId xmlns:a16="http://schemas.microsoft.com/office/drawing/2014/main" id="{8C8D13D5-5C71-5CEB-C8C7-C492486FB542}"/>
+                </a:ext>
+              </a:extLst>
+            </p:cNvPr>
+            <p:cNvSpPr/>
+            <p:nvPr/>
+          </p:nvSpPr>
+          <p:spPr>
+            <a:xfrm>
+              <a:off x="2819605" y="234520"/>
+              <a:ext cx="6552783" cy="607309"/>
+            </a:xfrm>
+            <a:prstGeom prst="rect">
+              <a:avLst/>
+            </a:prstGeom>
+            <a:solidFill>
+              <a:srgbClr val="0D3E51"/>
+            </a:solidFill>
+            <a:ln>
+              <a:noFill/>
+            </a:ln>
+          </p:spPr>
+          <p:style>
+            <a:lnRef idx="2">
+              <a:schemeClr val="accent1">
+                <a:shade val="15000"/>
+              </a:schemeClr>
+            </a:lnRef>
+            <a:fillRef idx="1">
+              <a:schemeClr val="accent1"/>
+            </a:fillRef>
+            <a:effectRef idx="0">
+              <a:schemeClr val="accent1"/>
+            </a:effectRef>
+            <a:fontRef idx="minor">
+              <a:schemeClr val="lt1"/>
+            </a:fontRef>
+          </p:style>
+          <p:txBody>
+            <a:bodyPr rtlCol="0" anchor="ctr"/>
+            <a:lstStyle/>
+            <a:p>
+              <a:pPr algn="ctr"/>
+              <a:endParaRPr lang="en-IN"/>
+            </a:p>
+          </p:txBody>
+        </p:sp>
+        <p:sp>
+          <p:nvSpPr>
+            <p:cNvPr id="39" name="Rectangle 38">
+              <a:extLst>
+                <a:ext uri="{FF2B5EF4-FFF2-40B4-BE49-F238E27FC236}">
+                  <a16:creationId xmlns:a16="http://schemas.microsoft.com/office/drawing/2014/main" id="{3AF023FF-6FEF-2AD1-3CED-6DA857D519E9}"/>
+                </a:ext>
+              </a:extLst>
+            </p:cNvPr>
+            <p:cNvSpPr>
+              <a:spLocks noChangeAspect="1"/>
+            </p:cNvSpPr>
+            <p:nvPr/>
+          </p:nvSpPr>
+          <p:spPr>
+            <a:xfrm>
+              <a:off x="3914386" y="841829"/>
+              <a:ext cx="5458002" cy="1094632"/>
+            </a:xfrm>
+            <a:prstGeom prst="rect">
+              <a:avLst/>
+            </a:prstGeom>
+            <a:solidFill>
+              <a:srgbClr val="5B7C99"/>
+            </a:solidFill>
+            <a:ln w="28575">
+              <a:noFill/>
+            </a:ln>
+          </p:spPr>
+          <p:style>
+            <a:lnRef idx="2">
+              <a:schemeClr val="accent1">
+                <a:shade val="15000"/>
+              </a:schemeClr>
+            </a:lnRef>
+            <a:fillRef idx="1">
+              <a:schemeClr val="accent1"/>
+            </a:fillRef>
+            <a:effectRef idx="0">
+              <a:schemeClr val="accent1"/>
+            </a:effectRef>
+            <a:fontRef idx="minor">
+              <a:schemeClr val="lt1"/>
+            </a:fontRef>
+          </p:style>
+          <p:txBody>
+            <a:bodyPr rtlCol="0" anchor="ctr"/>
+            <a:lstStyle/>
+            <a:p>
+              <a:pPr algn="ctr"/>
+              <a:endParaRPr lang="en-IN" dirty="0"/>
+            </a:p>
+          </p:txBody>
+        </p:sp>
+        <p:sp>
+          <p:nvSpPr>
+            <p:cNvPr id="40" name="TextBox 39">
+              <a:extLst>
+                <a:ext uri="{FF2B5EF4-FFF2-40B4-BE49-F238E27FC236}">
+                  <a16:creationId xmlns:a16="http://schemas.microsoft.com/office/drawing/2014/main" id="{CE2B2EB7-7595-9D13-E347-0795E2EEC125}"/>
+                </a:ext>
+              </a:extLst>
+            </p:cNvPr>
+            <p:cNvSpPr txBox="1"/>
+            <p:nvPr/>
+          </p:nvSpPr>
+          <p:spPr>
+            <a:xfrm>
+              <a:off x="3914386" y="838811"/>
+              <a:ext cx="5458002" cy="923330"/>
+            </a:xfrm>
+            <a:prstGeom prst="rect">
+              <a:avLst/>
+            </a:prstGeom>
+            <a:noFill/>
+          </p:spPr>
+          <p:txBody>
+            <a:bodyPr wrap="square" rtlCol="0">
+              <a:spAutoFit/>
+            </a:bodyPr>
+            <a:lstStyle/>
+            <a:p>
+              <a:pPr algn="ctr"/>
+              <a:r>
+                <a:rPr lang="en-US" sz="5400" dirty="0" err="1">
+                  <a:solidFill>
+                    <a:srgbClr val="EEF4ED"/>
+                  </a:solidFill>
+                  <a:latin typeface="Rockwell Extra Bold" panose="02060903040505020403" pitchFamily="18" charset="0"/>
+                </a:rPr>
+                <a:t>tek</a:t>
+              </a:r>
+              <a:r>
+                <a:rPr lang="en-US" sz="5400" dirty="0" err="1">
+                  <a:solidFill>
+                    <a:srgbClr val="EEF4ED"/>
+                  </a:solidFill>
+                  <a:latin typeface="Rockwell" panose="02060603020205020403" pitchFamily="18" charset="0"/>
+                </a:rPr>
+                <a:t>Medika</a:t>
+              </a:r>
+              <a:endParaRPr lang="en-IN" sz="4800" dirty="0">
+                <a:solidFill>
+                  <a:srgbClr val="EEF4ED"/>
+                </a:solidFill>
+                <a:latin typeface="Rockwell" panose="02060603020205020403" pitchFamily="18" charset="0"/>
+              </a:endParaRPr>
+            </a:p>
+          </p:txBody>
+        </p:sp>
+        <p:sp>
+          <p:nvSpPr>
+            <p:cNvPr id="41" name="TextBox 40">
+              <a:extLst>
+                <a:ext uri="{FF2B5EF4-FFF2-40B4-BE49-F238E27FC236}">
+                  <a16:creationId xmlns:a16="http://schemas.microsoft.com/office/drawing/2014/main" id="{83CB3C2F-8192-46A5-37FF-7CA30DBED553}"/>
+                </a:ext>
+              </a:extLst>
+            </p:cNvPr>
+            <p:cNvSpPr txBox="1"/>
+            <p:nvPr/>
+          </p:nvSpPr>
+          <p:spPr>
+            <a:xfrm>
+              <a:off x="2819604" y="130925"/>
+              <a:ext cx="6552781" cy="707886"/>
+            </a:xfrm>
+            <a:prstGeom prst="rect">
+              <a:avLst/>
+            </a:prstGeom>
+            <a:solidFill>
+              <a:srgbClr val="2C94BC"/>
+            </a:solidFill>
+            <a:ln w="28575">
+              <a:noFill/>
+            </a:ln>
+          </p:spPr>
+          <p:txBody>
+            <a:bodyPr wrap="square" rtlCol="0">
+              <a:spAutoFit/>
+            </a:bodyPr>
+            <a:lstStyle/>
+            <a:p>
+              <a:pPr algn="ctr"/>
+              <a:r>
+                <a:rPr lang="en-US" sz="4000" b="1" dirty="0">
+                  <a:solidFill>
+                    <a:srgbClr val="EEF4ED"/>
+                  </a:solidFill>
+                  <a:latin typeface="Cera Pro Medium" panose="00000600000000000000" pitchFamily="50" charset="0"/>
+                </a:rPr>
+                <a:t>INSPIRE-100    </a:t>
+              </a:r>
+              <a:r>
+                <a:rPr lang="en-US" sz="4000" i="1" dirty="0">
+                  <a:solidFill>
+                    <a:srgbClr val="EEF4ED"/>
+                  </a:solidFill>
+                  <a:latin typeface="Cera Pro Medium" panose="00000600000000000000" pitchFamily="50" charset="0"/>
+                </a:rPr>
+                <a:t>PSV Calculator</a:t>
+              </a:r>
+              <a:endParaRPr lang="en-IN" sz="4000" i="1" dirty="0">
+                <a:solidFill>
+                  <a:srgbClr val="EEF4ED"/>
+                </a:solidFill>
+                <a:latin typeface="Cera Pro Medium" panose="00000600000000000000" pitchFamily="50" charset="0"/>
+              </a:endParaRPr>
+            </a:p>
+          </p:txBody>
+        </p:sp>
+      </p:grpSp>
+    </p:spTree>
+    <p:extLst>
+      <p:ext uri="{BB962C8B-B14F-4D97-AF65-F5344CB8AC3E}">
+        <p14:creationId xmlns:p14="http://schemas.microsoft.com/office/powerpoint/2010/main" val="917225869"/>
+      </p:ext>
+    </p:extLst>
+  </p:cSld>
+  <p:clrMapOvr>
+    <a:masterClrMapping/>
+  </p:clrMapOvr>
+</p:sld>
+</file>
+
+<file path=ppt/slides/slide3.xml><?xml version="1.0" encoding="utf-8"?>
+<p:sld xmlns:a="http://schemas.openxmlformats.org/drawingml/2006/main" xmlns:r="http://schemas.openxmlformats.org/officeDocument/2006/relationships" xmlns:p="http://schemas.openxmlformats.org/presentationml/2006/main">
+  <p:cSld>
+    <p:spTree>
+      <p:nvGrpSpPr>
+        <p:cNvPr id="1" name=""/>
+        <p:cNvGrpSpPr/>
+        <p:nvPr/>
+      </p:nvGrpSpPr>
+      <p:grpSpPr>
+        <a:xfrm>
+          <a:off x="0" y="0"/>
+          <a:ext cx="0" cy="0"/>
+          <a:chOff x="0" y="0"/>
+          <a:chExt cx="0" cy="0"/>
+        </a:xfrm>
+      </p:grpSpPr>
+      <p:grpSp>
+        <p:nvGrpSpPr>
+          <p:cNvPr id="14" name="Group 13">
+            <a:extLst>
+              <a:ext uri="{FF2B5EF4-FFF2-40B4-BE49-F238E27FC236}">
+                <a16:creationId xmlns:a16="http://schemas.microsoft.com/office/drawing/2014/main" id="{C9A23F50-900A-0715-A32B-6572F034A7CE}"/>
+              </a:ext>
+            </a:extLst>
+          </p:cNvPr>
+          <p:cNvGrpSpPr/>
+          <p:nvPr/>
+        </p:nvGrpSpPr>
+        <p:grpSpPr>
+          <a:xfrm>
+            <a:off x="2001588" y="830846"/>
+            <a:ext cx="8188824" cy="1477301"/>
+            <a:chOff x="406536" y="3152015"/>
+            <a:chExt cx="8188824" cy="1477301"/>
+          </a:xfrm>
+        </p:grpSpPr>
+        <p:sp>
+          <p:nvSpPr>
+            <p:cNvPr id="6" name="Rectangle 5">
+              <a:extLst>
+                <a:ext uri="{FF2B5EF4-FFF2-40B4-BE49-F238E27FC236}">
+                  <a16:creationId xmlns:a16="http://schemas.microsoft.com/office/drawing/2014/main" id="{1B340D44-C497-4210-6562-F644969F9AAF}"/>
+                </a:ext>
+              </a:extLst>
+            </p:cNvPr>
+            <p:cNvSpPr>
+              <a:spLocks noChangeAspect="1"/>
+            </p:cNvSpPr>
+            <p:nvPr/>
+          </p:nvSpPr>
+          <p:spPr>
+            <a:xfrm>
+              <a:off x="406536" y="3152015"/>
+              <a:ext cx="2540895" cy="1477301"/>
+            </a:xfrm>
+            <a:prstGeom prst="rect">
+              <a:avLst/>
+            </a:prstGeom>
+            <a:solidFill>
+              <a:srgbClr val="2C94BC"/>
+            </a:solidFill>
+            <a:ln w="28575">
+              <a:noFill/>
+            </a:ln>
+          </p:spPr>
+          <p:style>
+            <a:lnRef idx="2">
+              <a:schemeClr val="accent1">
+                <a:shade val="15000"/>
+              </a:schemeClr>
+            </a:lnRef>
+            <a:fillRef idx="1">
+              <a:schemeClr val="accent1"/>
+            </a:fillRef>
+            <a:effectRef idx="0">
+              <a:schemeClr val="accent1"/>
+            </a:effectRef>
+            <a:fontRef idx="minor">
+              <a:schemeClr val="lt1"/>
+            </a:fontRef>
+          </p:style>
+          <p:txBody>
+            <a:bodyPr rtlCol="0" anchor="ctr"/>
+            <a:lstStyle/>
+            <a:p>
+              <a:pPr algn="ctr"/>
+              <a:r>
+                <a:rPr lang="en-US" sz="3200" b="1" dirty="0">
+                  <a:solidFill>
+                    <a:srgbClr val="EEF4ED"/>
+                  </a:solidFill>
+                </a:rPr>
+                <a:t>INSPIRE-100</a:t>
+              </a:r>
+            </a:p>
+            <a:p>
+              <a:pPr algn="ctr"/>
+              <a:r>
+                <a:rPr lang="en-US" sz="3600" i="1" dirty="0">
+                  <a:solidFill>
+                    <a:srgbClr val="EEF4ED"/>
+                  </a:solidFill>
+                </a:rPr>
+                <a:t>Dashboard</a:t>
+              </a:r>
+              <a:endParaRPr lang="en-IN" sz="3200" i="1" dirty="0">
+                <a:solidFill>
+                  <a:srgbClr val="EEF4ED"/>
+                </a:solidFill>
+              </a:endParaRPr>
+            </a:p>
+          </p:txBody>
+        </p:sp>
+        <p:grpSp>
+          <p:nvGrpSpPr>
+            <p:cNvPr id="13" name="Group 12">
+              <a:extLst>
+                <a:ext uri="{FF2B5EF4-FFF2-40B4-BE49-F238E27FC236}">
+                  <a16:creationId xmlns:a16="http://schemas.microsoft.com/office/drawing/2014/main" id="{28553205-E229-C2B7-1F93-00F91BA9A5E3}"/>
+                </a:ext>
+              </a:extLst>
+            </p:cNvPr>
+            <p:cNvGrpSpPr>
+              <a:grpSpLocks noChangeAspect="1"/>
+            </p:cNvGrpSpPr>
+            <p:nvPr/>
+          </p:nvGrpSpPr>
+          <p:grpSpPr>
+            <a:xfrm>
+              <a:off x="2947431" y="3152015"/>
+              <a:ext cx="5647929" cy="1473440"/>
+              <a:chOff x="2819611" y="3567393"/>
+              <a:chExt cx="4196470" cy="1094781"/>
+            </a:xfrm>
+          </p:grpSpPr>
+          <p:pic>
+            <p:nvPicPr>
+              <p:cNvPr id="8" name="Picture 7">
+                <a:extLst>
+                  <a:ext uri="{FF2B5EF4-FFF2-40B4-BE49-F238E27FC236}">
+                    <a16:creationId xmlns:a16="http://schemas.microsoft.com/office/drawing/2014/main" id="{9D990066-B59D-C34C-5DB7-02B7BBA50CB8}"/>
+                  </a:ext>
+                </a:extLst>
+              </p:cNvPr>
+              <p:cNvPicPr>
+                <a:picLocks noChangeAspect="1"/>
+              </p:cNvPicPr>
+              <p:nvPr/>
+            </p:nvPicPr>
+            <p:blipFill>
+              <a:blip r:embed="rId2"/>
+              <a:stretch>
+                <a:fillRect/>
+              </a:stretch>
+            </p:blipFill>
+            <p:spPr>
+              <a:xfrm>
+                <a:off x="2819611" y="3567393"/>
+                <a:ext cx="1094780" cy="1094781"/>
+              </a:xfrm>
+              <a:prstGeom prst="rect">
+                <a:avLst/>
+              </a:prstGeom>
+            </p:spPr>
+          </p:pic>
+          <p:sp>
+            <p:nvSpPr>
+              <p:cNvPr id="10" name="Rectangle 9">
+                <a:extLst>
+                  <a:ext uri="{FF2B5EF4-FFF2-40B4-BE49-F238E27FC236}">
+                    <a16:creationId xmlns:a16="http://schemas.microsoft.com/office/drawing/2014/main" id="{81D739AE-DEDB-E70E-42A6-4F714693FFF9}"/>
+                  </a:ext>
+                </a:extLst>
+              </p:cNvPr>
+              <p:cNvSpPr>
+                <a:spLocks noChangeAspect="1"/>
+              </p:cNvSpPr>
+              <p:nvPr/>
+            </p:nvSpPr>
+            <p:spPr>
+              <a:xfrm>
+                <a:off x="3914390" y="3567542"/>
+                <a:ext cx="3101691" cy="1094632"/>
+              </a:xfrm>
+              <a:prstGeom prst="rect">
+                <a:avLst/>
+              </a:prstGeom>
+              <a:solidFill>
+                <a:srgbClr val="5B7C99"/>
+              </a:solidFill>
+              <a:ln w="28575">
+                <a:noFill/>
+              </a:ln>
+            </p:spPr>
+            <p:style>
+              <a:lnRef idx="2">
+                <a:schemeClr val="accent1">
+                  <a:shade val="15000"/>
+                </a:schemeClr>
+              </a:lnRef>
+              <a:fillRef idx="1">
+                <a:schemeClr val="accent1"/>
+              </a:fillRef>
+              <a:effectRef idx="0">
+                <a:schemeClr val="accent1"/>
+              </a:effectRef>
+              <a:fontRef idx="minor">
+                <a:schemeClr val="lt1"/>
+              </a:fontRef>
+            </p:style>
+            <p:txBody>
+              <a:bodyPr rtlCol="0" anchor="ctr"/>
+              <a:lstStyle/>
+              <a:p>
+                <a:pPr algn="ctr"/>
+                <a:endParaRPr lang="en-IN" dirty="0"/>
+              </a:p>
+            </p:txBody>
+          </p:sp>
+          <p:sp>
+            <p:nvSpPr>
+              <p:cNvPr id="11" name="TextBox 10">
+                <a:extLst>
+                  <a:ext uri="{FF2B5EF4-FFF2-40B4-BE49-F238E27FC236}">
+                    <a16:creationId xmlns:a16="http://schemas.microsoft.com/office/drawing/2014/main" id="{408BEBA6-E9B7-9BE4-86F4-F61B7B926391}"/>
+                  </a:ext>
+                </a:extLst>
+              </p:cNvPr>
+              <p:cNvSpPr txBox="1"/>
+              <p:nvPr/>
+            </p:nvSpPr>
+            <p:spPr>
+              <a:xfrm>
+                <a:off x="3914390" y="3745913"/>
+                <a:ext cx="3028524" cy="686044"/>
+              </a:xfrm>
+              <a:prstGeom prst="rect">
+                <a:avLst/>
+              </a:prstGeom>
+              <a:noFill/>
+            </p:spPr>
+            <p:txBody>
+              <a:bodyPr wrap="square" rtlCol="0">
+                <a:spAutoFit/>
+              </a:bodyPr>
+              <a:lstStyle/>
+              <a:p>
+                <a:pPr algn="ctr"/>
+                <a:r>
+                  <a:rPr lang="en-US" sz="5400" dirty="0" err="1">
+                    <a:solidFill>
+                      <a:srgbClr val="EEF4ED"/>
+                    </a:solidFill>
+                    <a:latin typeface="Rockwell Extra Bold" panose="02060903040505020403" pitchFamily="18" charset="0"/>
+                  </a:rPr>
+                  <a:t>tek</a:t>
+                </a:r>
+                <a:r>
+                  <a:rPr lang="en-US" sz="5400" dirty="0" err="1">
+                    <a:solidFill>
+                      <a:srgbClr val="EEF4ED"/>
+                    </a:solidFill>
+                    <a:latin typeface="Rockwell" panose="02060603020205020403" pitchFamily="18" charset="0"/>
+                  </a:rPr>
+                  <a:t>Medika</a:t>
+                </a:r>
+                <a:endParaRPr lang="en-IN" sz="4800" dirty="0">
+                  <a:solidFill>
+                    <a:srgbClr val="EEF4ED"/>
+                  </a:solidFill>
+                  <a:latin typeface="Rockwell" panose="02060603020205020403" pitchFamily="18" charset="0"/>
+                </a:endParaRPr>
+              </a:p>
+            </p:txBody>
+          </p:sp>
+        </p:grpSp>
+      </p:grpSp>
+      <p:grpSp>
+        <p:nvGrpSpPr>
+          <p:cNvPr id="20" name="Group 19">
+            <a:extLst>
+              <a:ext uri="{FF2B5EF4-FFF2-40B4-BE49-F238E27FC236}">
+                <a16:creationId xmlns:a16="http://schemas.microsoft.com/office/drawing/2014/main" id="{41D144CF-D8DA-3657-D3D2-DFFF71FB4BAB}"/>
+              </a:ext>
+            </a:extLst>
+          </p:cNvPr>
+          <p:cNvGrpSpPr/>
+          <p:nvPr/>
+        </p:nvGrpSpPr>
+        <p:grpSpPr>
+          <a:xfrm>
+            <a:off x="2001588" y="2826114"/>
+            <a:ext cx="8188824" cy="1477301"/>
+            <a:chOff x="406536" y="3152015"/>
+            <a:chExt cx="8188824" cy="1477301"/>
+          </a:xfrm>
+        </p:grpSpPr>
+        <p:sp>
+          <p:nvSpPr>
+            <p:cNvPr id="21" name="Rectangle 20">
+              <a:extLst>
+                <a:ext uri="{FF2B5EF4-FFF2-40B4-BE49-F238E27FC236}">
+                  <a16:creationId xmlns:a16="http://schemas.microsoft.com/office/drawing/2014/main" id="{9B07B337-D4A6-D294-E685-0E5F954E4C35}"/>
+                </a:ext>
+              </a:extLst>
+            </p:cNvPr>
+            <p:cNvSpPr>
+              <a:spLocks noChangeAspect="1"/>
+            </p:cNvSpPr>
+            <p:nvPr/>
+          </p:nvSpPr>
+          <p:spPr>
+            <a:xfrm>
+              <a:off x="406536" y="3152015"/>
+              <a:ext cx="2540895" cy="1477301"/>
+            </a:xfrm>
+            <a:prstGeom prst="rect">
+              <a:avLst/>
+            </a:prstGeom>
+            <a:solidFill>
+              <a:srgbClr val="2C94BC"/>
+            </a:solidFill>
+            <a:ln w="28575">
+              <a:noFill/>
+            </a:ln>
+          </p:spPr>
+          <p:style>
+            <a:lnRef idx="2">
+              <a:schemeClr val="accent1">
+                <a:shade val="15000"/>
+              </a:schemeClr>
+            </a:lnRef>
+            <a:fillRef idx="1">
+              <a:schemeClr val="accent1"/>
+            </a:fillRef>
+            <a:effectRef idx="0">
+              <a:schemeClr val="accent1"/>
+            </a:effectRef>
+            <a:fontRef idx="minor">
+              <a:schemeClr val="lt1"/>
+            </a:fontRef>
+          </p:style>
+          <p:txBody>
+            <a:bodyPr rtlCol="0" anchor="ctr"/>
+            <a:lstStyle/>
+            <a:p>
+              <a:pPr algn="ctr"/>
+              <a:r>
+                <a:rPr lang="en-US" sz="3200" b="1" dirty="0">
+                  <a:solidFill>
+                    <a:srgbClr val="EEF4ED"/>
+                  </a:solidFill>
+                </a:rPr>
+                <a:t>INSPIRE-100</a:t>
+              </a:r>
+            </a:p>
+            <a:p>
+              <a:pPr algn="ctr"/>
+              <a:r>
+                <a:rPr lang="en-US" sz="3600" i="1" dirty="0">
+                  <a:solidFill>
+                    <a:srgbClr val="EEF4ED"/>
+                  </a:solidFill>
+                </a:rPr>
+                <a:t>Analyzer</a:t>
+              </a:r>
+              <a:endParaRPr lang="en-IN" sz="3200" i="1" dirty="0">
+                <a:solidFill>
+                  <a:srgbClr val="EEF4ED"/>
+                </a:solidFill>
+              </a:endParaRPr>
+            </a:p>
+          </p:txBody>
+        </p:sp>
+        <p:grpSp>
+          <p:nvGrpSpPr>
+            <p:cNvPr id="22" name="Group 21">
+              <a:extLst>
+                <a:ext uri="{FF2B5EF4-FFF2-40B4-BE49-F238E27FC236}">
+                  <a16:creationId xmlns:a16="http://schemas.microsoft.com/office/drawing/2014/main" id="{6256B338-745C-3100-A0F7-6C7A7AF92E74}"/>
+                </a:ext>
+              </a:extLst>
+            </p:cNvPr>
+            <p:cNvGrpSpPr>
+              <a:grpSpLocks noChangeAspect="1"/>
+            </p:cNvGrpSpPr>
+            <p:nvPr/>
+          </p:nvGrpSpPr>
+          <p:grpSpPr>
+            <a:xfrm>
+              <a:off x="2947431" y="3152015"/>
+              <a:ext cx="5647929" cy="1473440"/>
+              <a:chOff x="2819611" y="3567393"/>
+              <a:chExt cx="4196470" cy="1094781"/>
+            </a:xfrm>
+          </p:grpSpPr>
+          <p:pic>
+            <p:nvPicPr>
+              <p:cNvPr id="23" name="Picture 22">
+                <a:extLst>
+                  <a:ext uri="{FF2B5EF4-FFF2-40B4-BE49-F238E27FC236}">
+                    <a16:creationId xmlns:a16="http://schemas.microsoft.com/office/drawing/2014/main" id="{DA656AB7-1FB1-A2BB-7E40-CCC03E24BB90}"/>
+                  </a:ext>
+                </a:extLst>
+              </p:cNvPr>
+              <p:cNvPicPr>
+                <a:picLocks noChangeAspect="1"/>
+              </p:cNvPicPr>
+              <p:nvPr/>
+            </p:nvPicPr>
+            <p:blipFill>
+              <a:blip r:embed="rId2"/>
+              <a:stretch>
+                <a:fillRect/>
+              </a:stretch>
+            </p:blipFill>
+            <p:spPr>
+              <a:xfrm>
+                <a:off x="2819611" y="3567393"/>
+                <a:ext cx="1094780" cy="1094781"/>
+              </a:xfrm>
+              <a:prstGeom prst="rect">
+                <a:avLst/>
+              </a:prstGeom>
+            </p:spPr>
+          </p:pic>
+          <p:sp>
+            <p:nvSpPr>
+              <p:cNvPr id="24" name="Rectangle 23">
+                <a:extLst>
+                  <a:ext uri="{FF2B5EF4-FFF2-40B4-BE49-F238E27FC236}">
+                    <a16:creationId xmlns:a16="http://schemas.microsoft.com/office/drawing/2014/main" id="{3A3B4266-F563-B7B1-7E55-3502E06A587D}"/>
+                  </a:ext>
+                </a:extLst>
+              </p:cNvPr>
+              <p:cNvSpPr>
+                <a:spLocks noChangeAspect="1"/>
+              </p:cNvSpPr>
+              <p:nvPr/>
+            </p:nvSpPr>
+            <p:spPr>
+              <a:xfrm>
+                <a:off x="3914390" y="3567542"/>
+                <a:ext cx="3101691" cy="1094632"/>
+              </a:xfrm>
+              <a:prstGeom prst="rect">
+                <a:avLst/>
+              </a:prstGeom>
+              <a:solidFill>
+                <a:srgbClr val="5B7C99"/>
+              </a:solidFill>
+              <a:ln w="28575">
+                <a:noFill/>
+              </a:ln>
+            </p:spPr>
+            <p:style>
+              <a:lnRef idx="2">
+                <a:schemeClr val="accent1">
+                  <a:shade val="15000"/>
+                </a:schemeClr>
+              </a:lnRef>
+              <a:fillRef idx="1">
+                <a:schemeClr val="accent1"/>
+              </a:fillRef>
+              <a:effectRef idx="0">
+                <a:schemeClr val="accent1"/>
+              </a:effectRef>
+              <a:fontRef idx="minor">
+                <a:schemeClr val="lt1"/>
+              </a:fontRef>
+            </p:style>
+            <p:txBody>
+              <a:bodyPr rtlCol="0" anchor="ctr"/>
+              <a:lstStyle/>
+              <a:p>
+                <a:pPr algn="ctr"/>
+                <a:endParaRPr lang="en-IN" dirty="0"/>
+              </a:p>
+            </p:txBody>
+          </p:sp>
+          <p:sp>
+            <p:nvSpPr>
+              <p:cNvPr id="25" name="TextBox 24">
+                <a:extLst>
+                  <a:ext uri="{FF2B5EF4-FFF2-40B4-BE49-F238E27FC236}">
+                    <a16:creationId xmlns:a16="http://schemas.microsoft.com/office/drawing/2014/main" id="{CE9D5559-97F3-7270-591E-98EE20773C9B}"/>
+                  </a:ext>
+                </a:extLst>
+              </p:cNvPr>
+              <p:cNvSpPr txBox="1"/>
+              <p:nvPr/>
+            </p:nvSpPr>
+            <p:spPr>
+              <a:xfrm>
+                <a:off x="3914390" y="3745913"/>
+                <a:ext cx="3028524" cy="686044"/>
+              </a:xfrm>
+              <a:prstGeom prst="rect">
+                <a:avLst/>
+              </a:prstGeom>
+              <a:noFill/>
+            </p:spPr>
+            <p:txBody>
+              <a:bodyPr wrap="square" rtlCol="0">
+                <a:spAutoFit/>
+              </a:bodyPr>
+              <a:lstStyle/>
+              <a:p>
+                <a:pPr algn="ctr"/>
+                <a:r>
+                  <a:rPr lang="en-US" sz="5400" dirty="0" err="1">
+                    <a:solidFill>
+                      <a:srgbClr val="EEF4ED"/>
+                    </a:solidFill>
+                    <a:latin typeface="Rockwell Extra Bold" panose="02060903040505020403" pitchFamily="18" charset="0"/>
+                  </a:rPr>
+                  <a:t>tek</a:t>
+                </a:r>
+                <a:r>
+                  <a:rPr lang="en-US" sz="5400" dirty="0" err="1">
+                    <a:solidFill>
+                      <a:srgbClr val="EEF4ED"/>
+                    </a:solidFill>
+                    <a:latin typeface="Rockwell" panose="02060603020205020403" pitchFamily="18" charset="0"/>
+                  </a:rPr>
+                  <a:t>Medika</a:t>
+                </a:r>
+                <a:endParaRPr lang="en-IN" sz="4800" dirty="0">
+                  <a:solidFill>
+                    <a:srgbClr val="EEF4ED"/>
+                  </a:solidFill>
+                  <a:latin typeface="Rockwell" panose="02060603020205020403" pitchFamily="18" charset="0"/>
+                </a:endParaRPr>
+              </a:p>
+            </p:txBody>
+          </p:sp>
+        </p:grpSp>
+      </p:grpSp>
+      <p:grpSp>
+        <p:nvGrpSpPr>
+          <p:cNvPr id="26" name="Group 25">
+            <a:extLst>
+              <a:ext uri="{FF2B5EF4-FFF2-40B4-BE49-F238E27FC236}">
+                <a16:creationId xmlns:a16="http://schemas.microsoft.com/office/drawing/2014/main" id="{6AF8BED4-4460-7F41-11AB-BA4829D642FE}"/>
+              </a:ext>
+            </a:extLst>
+          </p:cNvPr>
+          <p:cNvGrpSpPr/>
+          <p:nvPr/>
+        </p:nvGrpSpPr>
+        <p:grpSpPr>
+          <a:xfrm>
+            <a:off x="2001588" y="4801552"/>
+            <a:ext cx="8188824" cy="1477301"/>
+            <a:chOff x="406536" y="3152015"/>
+            <a:chExt cx="8188824" cy="1477301"/>
+          </a:xfrm>
+        </p:grpSpPr>
+        <p:sp>
+          <p:nvSpPr>
+            <p:cNvPr id="27" name="Rectangle 26">
+              <a:extLst>
+                <a:ext uri="{FF2B5EF4-FFF2-40B4-BE49-F238E27FC236}">
+                  <a16:creationId xmlns:a16="http://schemas.microsoft.com/office/drawing/2014/main" id="{69FBAFD5-7FDA-6D8D-B059-A0C733290948}"/>
+                </a:ext>
+              </a:extLst>
+            </p:cNvPr>
+            <p:cNvSpPr>
+              <a:spLocks noChangeAspect="1"/>
+            </p:cNvSpPr>
+            <p:nvPr/>
+          </p:nvSpPr>
+          <p:spPr>
+            <a:xfrm>
+              <a:off x="406536" y="3152015"/>
+              <a:ext cx="2540895" cy="1477301"/>
+            </a:xfrm>
+            <a:prstGeom prst="rect">
+              <a:avLst/>
+            </a:prstGeom>
+            <a:solidFill>
+              <a:srgbClr val="2C94BC"/>
+            </a:solidFill>
+            <a:ln w="28575">
+              <a:noFill/>
+            </a:ln>
+          </p:spPr>
+          <p:style>
+            <a:lnRef idx="2">
+              <a:schemeClr val="accent1">
+                <a:shade val="15000"/>
+              </a:schemeClr>
+            </a:lnRef>
+            <a:fillRef idx="1">
+              <a:schemeClr val="accent1"/>
+            </a:fillRef>
+            <a:effectRef idx="0">
+              <a:schemeClr val="accent1"/>
+            </a:effectRef>
+            <a:fontRef idx="minor">
+              <a:schemeClr val="lt1"/>
+            </a:fontRef>
+          </p:style>
+          <p:txBody>
+            <a:bodyPr rtlCol="0" anchor="ctr"/>
+            <a:lstStyle/>
+            <a:p>
+              <a:pPr algn="ctr"/>
+              <a:r>
+                <a:rPr lang="en-US" sz="3200" b="1" dirty="0">
+                  <a:solidFill>
+                    <a:srgbClr val="EEF4ED"/>
+                  </a:solidFill>
+                </a:rPr>
+                <a:t>INSPIRE-100</a:t>
+              </a:r>
+            </a:p>
+            <a:p>
+              <a:pPr algn="ctr"/>
+              <a:r>
+                <a:rPr lang="en-US" sz="3600" i="1" dirty="0">
+                  <a:solidFill>
+                    <a:srgbClr val="EEF4ED"/>
+                  </a:solidFill>
+                </a:rPr>
+                <a:t>Recorder</a:t>
+              </a:r>
+              <a:endParaRPr lang="en-IN" sz="3200" i="1" dirty="0">
+                <a:solidFill>
+                  <a:srgbClr val="EEF4ED"/>
+                </a:solidFill>
+              </a:endParaRPr>
+            </a:p>
+          </p:txBody>
+        </p:sp>
+        <p:grpSp>
+          <p:nvGrpSpPr>
+            <p:cNvPr id="28" name="Group 27">
+              <a:extLst>
+                <a:ext uri="{FF2B5EF4-FFF2-40B4-BE49-F238E27FC236}">
+                  <a16:creationId xmlns:a16="http://schemas.microsoft.com/office/drawing/2014/main" id="{289F7779-1594-660B-A624-66EE0567FFD5}"/>
+                </a:ext>
+              </a:extLst>
+            </p:cNvPr>
+            <p:cNvGrpSpPr>
+              <a:grpSpLocks noChangeAspect="1"/>
+            </p:cNvGrpSpPr>
+            <p:nvPr/>
+          </p:nvGrpSpPr>
+          <p:grpSpPr>
+            <a:xfrm>
+              <a:off x="2947431" y="3152015"/>
+              <a:ext cx="5647929" cy="1473440"/>
+              <a:chOff x="2819611" y="3567393"/>
+              <a:chExt cx="4196470" cy="1094781"/>
+            </a:xfrm>
+          </p:grpSpPr>
+          <p:pic>
+            <p:nvPicPr>
+              <p:cNvPr id="29" name="Picture 28">
+                <a:extLst>
+                  <a:ext uri="{FF2B5EF4-FFF2-40B4-BE49-F238E27FC236}">
+                    <a16:creationId xmlns:a16="http://schemas.microsoft.com/office/drawing/2014/main" id="{8515BFC5-E5CE-8673-D8EE-AB384C37C56A}"/>
+                  </a:ext>
+                </a:extLst>
+              </p:cNvPr>
+              <p:cNvPicPr>
+                <a:picLocks noChangeAspect="1"/>
+              </p:cNvPicPr>
+              <p:nvPr/>
+            </p:nvPicPr>
+            <p:blipFill>
+              <a:blip r:embed="rId2"/>
+              <a:stretch>
+                <a:fillRect/>
+              </a:stretch>
+            </p:blipFill>
+            <p:spPr>
+              <a:xfrm>
+                <a:off x="2819611" y="3567393"/>
+                <a:ext cx="1094780" cy="1094781"/>
+              </a:xfrm>
+              <a:prstGeom prst="rect">
+                <a:avLst/>
+              </a:prstGeom>
+            </p:spPr>
+          </p:pic>
+          <p:sp>
+            <p:nvSpPr>
+              <p:cNvPr id="30" name="Rectangle 29">
+                <a:extLst>
+                  <a:ext uri="{FF2B5EF4-FFF2-40B4-BE49-F238E27FC236}">
+                    <a16:creationId xmlns:a16="http://schemas.microsoft.com/office/drawing/2014/main" id="{B36C6AB1-ACFA-2840-8E9C-7767762D47E0}"/>
+                  </a:ext>
+                </a:extLst>
+              </p:cNvPr>
+              <p:cNvSpPr>
+                <a:spLocks noChangeAspect="1"/>
+              </p:cNvSpPr>
+              <p:nvPr/>
+            </p:nvSpPr>
+            <p:spPr>
+              <a:xfrm>
+                <a:off x="3914390" y="3567542"/>
+                <a:ext cx="3101691" cy="1094632"/>
+              </a:xfrm>
+              <a:prstGeom prst="rect">
+                <a:avLst/>
+              </a:prstGeom>
+              <a:solidFill>
+                <a:srgbClr val="5B7C99"/>
+              </a:solidFill>
+              <a:ln w="28575">
+                <a:noFill/>
+              </a:ln>
+            </p:spPr>
+            <p:style>
+              <a:lnRef idx="2">
+                <a:schemeClr val="accent1">
+                  <a:shade val="15000"/>
+                </a:schemeClr>
+              </a:lnRef>
+              <a:fillRef idx="1">
+                <a:schemeClr val="accent1"/>
+              </a:fillRef>
+              <a:effectRef idx="0">
+                <a:schemeClr val="accent1"/>
+              </a:effectRef>
+              <a:fontRef idx="minor">
+                <a:schemeClr val="lt1"/>
+              </a:fontRef>
+            </p:style>
+            <p:txBody>
+              <a:bodyPr rtlCol="0" anchor="ctr"/>
+              <a:lstStyle/>
+              <a:p>
+                <a:pPr algn="ctr"/>
+                <a:endParaRPr lang="en-IN" dirty="0"/>
+              </a:p>
+            </p:txBody>
+          </p:sp>
+          <p:sp>
+            <p:nvSpPr>
+              <p:cNvPr id="31" name="TextBox 30">
+                <a:extLst>
+                  <a:ext uri="{FF2B5EF4-FFF2-40B4-BE49-F238E27FC236}">
+                    <a16:creationId xmlns:a16="http://schemas.microsoft.com/office/drawing/2014/main" id="{3DC499CC-3B59-C1E4-D541-C02D9B8C2E9B}"/>
+                  </a:ext>
+                </a:extLst>
+              </p:cNvPr>
+              <p:cNvSpPr txBox="1"/>
+              <p:nvPr/>
+            </p:nvSpPr>
+            <p:spPr>
+              <a:xfrm>
+                <a:off x="3914390" y="3745913"/>
+                <a:ext cx="3028524" cy="686044"/>
+              </a:xfrm>
+              <a:prstGeom prst="rect">
+                <a:avLst/>
+              </a:prstGeom>
+              <a:noFill/>
+            </p:spPr>
+            <p:txBody>
+              <a:bodyPr wrap="square" rtlCol="0">
+                <a:spAutoFit/>
+              </a:bodyPr>
+              <a:lstStyle/>
+              <a:p>
+                <a:pPr algn="ctr"/>
+                <a:r>
+                  <a:rPr lang="en-US" sz="5400" dirty="0" err="1">
+                    <a:solidFill>
+                      <a:srgbClr val="EEF4ED"/>
+                    </a:solidFill>
+                    <a:latin typeface="Rockwell Extra Bold" panose="02060903040505020403" pitchFamily="18" charset="0"/>
+                  </a:rPr>
+                  <a:t>tek</a:t>
+                </a:r>
+                <a:r>
+                  <a:rPr lang="en-US" sz="5400" dirty="0" err="1">
+                    <a:solidFill>
+                      <a:srgbClr val="EEF4ED"/>
+                    </a:solidFill>
+                    <a:latin typeface="Rockwell" panose="02060603020205020403" pitchFamily="18" charset="0"/>
+                  </a:rPr>
+                  <a:t>Medika</a:t>
+                </a:r>
+                <a:endParaRPr lang="en-IN" sz="4800" dirty="0">
+                  <a:solidFill>
+                    <a:srgbClr val="EEF4ED"/>
+                  </a:solidFill>
+                  <a:latin typeface="Rockwell" panose="02060603020205020403" pitchFamily="18" charset="0"/>
+                </a:endParaRPr>
+              </a:p>
+            </p:txBody>
+          </p:sp>
+        </p:grpSp>
+      </p:grpSp>
+    </p:spTree>
+    <p:extLst>
+      <p:ext uri="{BB962C8B-B14F-4D97-AF65-F5344CB8AC3E}">
+        <p14:creationId xmlns:p14="http://schemas.microsoft.com/office/powerpoint/2010/main" val="2090250459"/>
+      </p:ext>
+    </p:extLst>
+  </p:cSld>
+  <p:clrMapOvr>
+    <a:masterClrMapping/>
+  </p:clrMapOvr>
+</p:sld>
+</file>
+
+<file path=ppt/slides/slide4.xml><?xml version="1.0" encoding="utf-8"?>
+<p:sld xmlns:a="http://schemas.openxmlformats.org/drawingml/2006/main" xmlns:r="http://schemas.openxmlformats.org/officeDocument/2006/relationships" xmlns:p="http://schemas.openxmlformats.org/presentationml/2006/main">
+  <p:cSld>
+    <p:spTree>
+      <p:nvGrpSpPr>
+        <p:cNvPr id="1" name=""/>
+        <p:cNvGrpSpPr/>
+        <p:nvPr/>
+      </p:nvGrpSpPr>
+      <p:grpSpPr>
+        <a:xfrm>
+          <a:off x="0" y="0"/>
+          <a:ext cx="0" cy="0"/>
+          <a:chOff x="0" y="0"/>
+          <a:chExt cx="0" cy="0"/>
+        </a:xfrm>
+      </p:grpSpPr>
+      <p:grpSp>
+        <p:nvGrpSpPr>
           <p:cNvPr id="4" name="Group 3">
             <a:extLst>
               <a:ext uri="{FF2B5EF4-FFF2-40B4-BE49-F238E27FC236}">
@@ -4042,7 +6288,7 @@
     </p:spTree>
     <p:extLst>
       <p:ext uri="{BB962C8B-B14F-4D97-AF65-F5344CB8AC3E}">
-        <p14:creationId xmlns:p14="http://schemas.microsoft.com/office/powerpoint/2010/main" val="1887048"/>
+        <p14:creationId xmlns:p14="http://schemas.microsoft.com/office/powerpoint/2010/main" val="3815280021"/>
       </p:ext>
     </p:extLst>
   </p:cSld>
@@ -4052,7 +6298,7 @@
 </p:sld>
 </file>
 
-<file path=ppt/slides/slide2.xml><?xml version="1.0" encoding="utf-8"?>
+<file path=ppt/slides/slide5.xml><?xml version="1.0" encoding="utf-8"?>
 <p:sld xmlns:a="http://schemas.openxmlformats.org/drawingml/2006/main" xmlns:r="http://schemas.openxmlformats.org/officeDocument/2006/relationships" xmlns:p="http://schemas.openxmlformats.org/presentationml/2006/main">
   <p:cSld>
     <p:spTree>
@@ -4567,7 +6813,7 @@
 </p:sld>
 </file>
 
-<file path=ppt/slides/slide3.xml><?xml version="1.0" encoding="utf-8"?>
+<file path=ppt/slides/slide6.xml><?xml version="1.0" encoding="utf-8"?>
 <p:sld xmlns:a="http://schemas.openxmlformats.org/drawingml/2006/main" xmlns:r="http://schemas.openxmlformats.org/officeDocument/2006/relationships" xmlns:p="http://schemas.openxmlformats.org/presentationml/2006/main">
   <p:cSld>
     <p:spTree>
@@ -5320,7 +7566,7 @@
 </p:sld>
 </file>
 
-<file path=ppt/slides/slide4.xml><?xml version="1.0" encoding="utf-8"?>
+<file path=ppt/slides/slide7.xml><?xml version="1.0" encoding="utf-8"?>
 <p:sld xmlns:a="http://schemas.openxmlformats.org/drawingml/2006/main" xmlns:r="http://schemas.openxmlformats.org/officeDocument/2006/relationships" xmlns:p="http://schemas.openxmlformats.org/presentationml/2006/main">
   <p:cSld>
     <p:spTree>
@@ -6037,7 +8283,7 @@
 </p:sld>
 </file>
 
-<file path=ppt/slides/slide5.xml><?xml version="1.0" encoding="utf-8"?>
+<file path=ppt/slides/slide8.xml><?xml version="1.0" encoding="utf-8"?>
 <p:sld xmlns:a="http://schemas.openxmlformats.org/drawingml/2006/main" xmlns:r="http://schemas.openxmlformats.org/officeDocument/2006/relationships" xmlns:p="http://schemas.openxmlformats.org/presentationml/2006/main">
   <p:cSld>
     <p:spTree>
@@ -6969,7 +9215,7 @@
 </p:sld>
 </file>
 
-<file path=ppt/slides/slide6.xml><?xml version="1.0" encoding="utf-8"?>
+<file path=ppt/slides/slide9.xml><?xml version="1.0" encoding="utf-8"?>
 <p:sld xmlns:a="http://schemas.openxmlformats.org/drawingml/2006/main" xmlns:r="http://schemas.openxmlformats.org/officeDocument/2006/relationships" xmlns:p="http://schemas.openxmlformats.org/presentationml/2006/main">
   <p:cSld>
     <p:spTree>

--- a/common/img/Logo.pptx
+++ b/common/img/Logo.pptx
@@ -269,7 +269,7 @@
           <a:p>
             <a:fld id="{4967892D-CE2D-495A-A9CA-7CB88C831AAA}" type="datetimeFigureOut">
               <a:rPr lang="en-IN" smtClean="0"/>
-              <a:t>08-01-2024</a:t>
+              <a:t>09-01-2024</a:t>
             </a:fld>
             <a:endParaRPr lang="en-IN"/>
           </a:p>
@@ -469,7 +469,7 @@
           <a:p>
             <a:fld id="{4967892D-CE2D-495A-A9CA-7CB88C831AAA}" type="datetimeFigureOut">
               <a:rPr lang="en-IN" smtClean="0"/>
-              <a:t>08-01-2024</a:t>
+              <a:t>09-01-2024</a:t>
             </a:fld>
             <a:endParaRPr lang="en-IN"/>
           </a:p>
@@ -679,7 +679,7 @@
           <a:p>
             <a:fld id="{4967892D-CE2D-495A-A9CA-7CB88C831AAA}" type="datetimeFigureOut">
               <a:rPr lang="en-IN" smtClean="0"/>
-              <a:t>08-01-2024</a:t>
+              <a:t>09-01-2024</a:t>
             </a:fld>
             <a:endParaRPr lang="en-IN"/>
           </a:p>
@@ -879,7 +879,7 @@
           <a:p>
             <a:fld id="{4967892D-CE2D-495A-A9CA-7CB88C831AAA}" type="datetimeFigureOut">
               <a:rPr lang="en-IN" smtClean="0"/>
-              <a:t>08-01-2024</a:t>
+              <a:t>09-01-2024</a:t>
             </a:fld>
             <a:endParaRPr lang="en-IN"/>
           </a:p>
@@ -1155,7 +1155,7 @@
           <a:p>
             <a:fld id="{4967892D-CE2D-495A-A9CA-7CB88C831AAA}" type="datetimeFigureOut">
               <a:rPr lang="en-IN" smtClean="0"/>
-              <a:t>08-01-2024</a:t>
+              <a:t>09-01-2024</a:t>
             </a:fld>
             <a:endParaRPr lang="en-IN"/>
           </a:p>
@@ -1423,7 +1423,7 @@
           <a:p>
             <a:fld id="{4967892D-CE2D-495A-A9CA-7CB88C831AAA}" type="datetimeFigureOut">
               <a:rPr lang="en-IN" smtClean="0"/>
-              <a:t>08-01-2024</a:t>
+              <a:t>09-01-2024</a:t>
             </a:fld>
             <a:endParaRPr lang="en-IN"/>
           </a:p>
@@ -1838,7 +1838,7 @@
           <a:p>
             <a:fld id="{4967892D-CE2D-495A-A9CA-7CB88C831AAA}" type="datetimeFigureOut">
               <a:rPr lang="en-IN" smtClean="0"/>
-              <a:t>08-01-2024</a:t>
+              <a:t>09-01-2024</a:t>
             </a:fld>
             <a:endParaRPr lang="en-IN"/>
           </a:p>
@@ -1980,7 +1980,7 @@
           <a:p>
             <a:fld id="{4967892D-CE2D-495A-A9CA-7CB88C831AAA}" type="datetimeFigureOut">
               <a:rPr lang="en-IN" smtClean="0"/>
-              <a:t>08-01-2024</a:t>
+              <a:t>09-01-2024</a:t>
             </a:fld>
             <a:endParaRPr lang="en-IN"/>
           </a:p>
@@ -2093,7 +2093,7 @@
           <a:p>
             <a:fld id="{4967892D-CE2D-495A-A9CA-7CB88C831AAA}" type="datetimeFigureOut">
               <a:rPr lang="en-IN" smtClean="0"/>
-              <a:t>08-01-2024</a:t>
+              <a:t>09-01-2024</a:t>
             </a:fld>
             <a:endParaRPr lang="en-IN"/>
           </a:p>
@@ -2406,7 +2406,7 @@
           <a:p>
             <a:fld id="{4967892D-CE2D-495A-A9CA-7CB88C831AAA}" type="datetimeFigureOut">
               <a:rPr lang="en-IN" smtClean="0"/>
-              <a:t>08-01-2024</a:t>
+              <a:t>09-01-2024</a:t>
             </a:fld>
             <a:endParaRPr lang="en-IN"/>
           </a:p>
@@ -2695,7 +2695,7 @@
           <a:p>
             <a:fld id="{4967892D-CE2D-495A-A9CA-7CB88C831AAA}" type="datetimeFigureOut">
               <a:rPr lang="en-IN" smtClean="0"/>
-              <a:t>08-01-2024</a:t>
+              <a:t>09-01-2024</a:t>
             </a:fld>
             <a:endParaRPr lang="en-IN"/>
           </a:p>
@@ -2938,7 +2938,7 @@
           <a:p>
             <a:fld id="{4967892D-CE2D-495A-A9CA-7CB88C831AAA}" type="datetimeFigureOut">
               <a:rPr lang="en-IN" smtClean="0"/>
-              <a:t>08-01-2024</a:t>
+              <a:t>09-01-2024</a:t>
             </a:fld>
             <a:endParaRPr lang="en-IN"/>
           </a:p>
@@ -4495,7 +4495,7 @@
         </p:nvGrpSpPr>
         <p:grpSpPr>
           <a:xfrm>
-            <a:off x="2819605" y="3115054"/>
+            <a:off x="2819602" y="2719242"/>
             <a:ext cx="6552784" cy="1805536"/>
             <a:chOff x="2819604" y="130925"/>
             <a:chExt cx="6552784" cy="1805536"/>
@@ -4750,6 +4750,167 @@
                   <a:srgbClr val="EEF4ED"/>
                 </a:solidFill>
                 <a:latin typeface="Cera Pro Medium" panose="00000600000000000000" pitchFamily="50" charset="0"/>
+              </a:endParaRPr>
+            </a:p>
+          </p:txBody>
+        </p:sp>
+      </p:grpSp>
+      <p:grpSp>
+        <p:nvGrpSpPr>
+          <p:cNvPr id="8" name="Group 7">
+            <a:extLst>
+              <a:ext uri="{FF2B5EF4-FFF2-40B4-BE49-F238E27FC236}">
+                <a16:creationId xmlns:a16="http://schemas.microsoft.com/office/drawing/2014/main" id="{706C15C4-345E-952D-DE66-F1FDBC599C83}"/>
+              </a:ext>
+            </a:extLst>
+          </p:cNvPr>
+          <p:cNvGrpSpPr/>
+          <p:nvPr/>
+        </p:nvGrpSpPr>
+        <p:grpSpPr>
+          <a:xfrm>
+            <a:off x="2819601" y="4964141"/>
+            <a:ext cx="6552781" cy="1097650"/>
+            <a:chOff x="2932252" y="5589513"/>
+            <a:chExt cx="6552781" cy="1097650"/>
+          </a:xfrm>
+        </p:grpSpPr>
+        <p:pic>
+          <p:nvPicPr>
+            <p:cNvPr id="3" name="Picture 2">
+              <a:extLst>
+                <a:ext uri="{FF2B5EF4-FFF2-40B4-BE49-F238E27FC236}">
+                  <a16:creationId xmlns:a16="http://schemas.microsoft.com/office/drawing/2014/main" id="{29CC554E-C5DA-EB4C-389C-A9C173F69B88}"/>
+                </a:ext>
+              </a:extLst>
+            </p:cNvPr>
+            <p:cNvPicPr>
+              <a:picLocks noChangeAspect="1"/>
+            </p:cNvPicPr>
+            <p:nvPr/>
+          </p:nvPicPr>
+          <p:blipFill>
+            <a:blip r:embed="rId2"/>
+            <a:stretch>
+              <a:fillRect/>
+            </a:stretch>
+          </p:blipFill>
+          <p:spPr>
+            <a:xfrm>
+              <a:off x="2932252" y="5592382"/>
+              <a:ext cx="1094780" cy="1094781"/>
+            </a:xfrm>
+            <a:prstGeom prst="rect">
+              <a:avLst/>
+            </a:prstGeom>
+          </p:spPr>
+        </p:pic>
+        <p:sp>
+          <p:nvSpPr>
+            <p:cNvPr id="5" name="Rectangle 4">
+              <a:extLst>
+                <a:ext uri="{FF2B5EF4-FFF2-40B4-BE49-F238E27FC236}">
+                  <a16:creationId xmlns:a16="http://schemas.microsoft.com/office/drawing/2014/main" id="{13EE9565-4DF1-9C4C-DEE8-911365411FAB}"/>
+                </a:ext>
+              </a:extLst>
+            </p:cNvPr>
+            <p:cNvSpPr>
+              <a:spLocks noChangeAspect="1"/>
+            </p:cNvSpPr>
+            <p:nvPr/>
+          </p:nvSpPr>
+          <p:spPr>
+            <a:xfrm>
+              <a:off x="4027031" y="5592531"/>
+              <a:ext cx="5458002" cy="1094632"/>
+            </a:xfrm>
+            <a:prstGeom prst="rect">
+              <a:avLst/>
+            </a:prstGeom>
+            <a:solidFill>
+              <a:srgbClr val="5B7C99"/>
+            </a:solidFill>
+            <a:ln w="28575">
+              <a:noFill/>
+            </a:ln>
+          </p:spPr>
+          <p:style>
+            <a:lnRef idx="2">
+              <a:schemeClr val="accent1">
+                <a:shade val="15000"/>
+              </a:schemeClr>
+            </a:lnRef>
+            <a:fillRef idx="1">
+              <a:schemeClr val="accent1"/>
+            </a:fillRef>
+            <a:effectRef idx="0">
+              <a:schemeClr val="accent1"/>
+            </a:effectRef>
+            <a:fontRef idx="minor">
+              <a:schemeClr val="lt1"/>
+            </a:fontRef>
+          </p:style>
+          <p:txBody>
+            <a:bodyPr rtlCol="0" anchor="ctr"/>
+            <a:lstStyle/>
+            <a:p>
+              <a:pPr algn="ctr"/>
+              <a:endParaRPr lang="en-IN" dirty="0"/>
+            </a:p>
+          </p:txBody>
+        </p:sp>
+        <p:sp>
+          <p:nvSpPr>
+            <p:cNvPr id="6" name="TextBox 5">
+              <a:extLst>
+                <a:ext uri="{FF2B5EF4-FFF2-40B4-BE49-F238E27FC236}">
+                  <a16:creationId xmlns:a16="http://schemas.microsoft.com/office/drawing/2014/main" id="{019AB8C1-F0F8-69D2-948A-C48D0746DC42}"/>
+                </a:ext>
+              </a:extLst>
+            </p:cNvPr>
+            <p:cNvSpPr txBox="1"/>
+            <p:nvPr/>
+          </p:nvSpPr>
+          <p:spPr>
+            <a:xfrm>
+              <a:off x="4027031" y="5589513"/>
+              <a:ext cx="5458002" cy="923330"/>
+            </a:xfrm>
+            <a:prstGeom prst="rect">
+              <a:avLst/>
+            </a:prstGeom>
+            <a:noFill/>
+          </p:spPr>
+          <p:txBody>
+            <a:bodyPr wrap="square" rtlCol="0">
+              <a:spAutoFit/>
+            </a:bodyPr>
+            <a:lstStyle/>
+            <a:p>
+              <a:pPr algn="ctr"/>
+              <a:r>
+                <a:rPr lang="en-US" sz="5400" dirty="0" err="1">
+                  <a:solidFill>
+                    <a:srgbClr val="EEF4ED"/>
+                  </a:solidFill>
+                  <a:latin typeface="Rockwell Extra Bold" panose="02060903040505020403" pitchFamily="18" charset="0"/>
+                </a:rPr>
+                <a:t>tek</a:t>
+              </a:r>
+              <a:r>
+                <a:rPr lang="en-US" sz="5400" dirty="0" err="1">
+                  <a:solidFill>
+                    <a:srgbClr val="EEF4ED"/>
+                  </a:solidFill>
+                  <a:latin typeface="Rockwell" panose="02060603020205020403" pitchFamily="18" charset="0"/>
+                </a:rPr>
+                <a:t>Medika</a:t>
+              </a:r>
+              <a:endParaRPr lang="en-IN" sz="4800" dirty="0">
+                <a:solidFill>
+                  <a:srgbClr val="EEF4ED"/>
+                </a:solidFill>
+                <a:latin typeface="Rockwell" panose="02060603020205020403" pitchFamily="18" charset="0"/>
               </a:endParaRPr>
             </a:p>
           </p:txBody>

--- a/common/img/Logo.pptx
+++ b/common/img/Logo.pptx
@@ -269,7 +269,7 @@
           <a:p>
             <a:fld id="{4967892D-CE2D-495A-A9CA-7CB88C831AAA}" type="datetimeFigureOut">
               <a:rPr lang="en-IN" smtClean="0"/>
-              <a:t>09-01-2024</a:t>
+              <a:t>10-01-2024</a:t>
             </a:fld>
             <a:endParaRPr lang="en-IN"/>
           </a:p>
@@ -469,7 +469,7 @@
           <a:p>
             <a:fld id="{4967892D-CE2D-495A-A9CA-7CB88C831AAA}" type="datetimeFigureOut">
               <a:rPr lang="en-IN" smtClean="0"/>
-              <a:t>09-01-2024</a:t>
+              <a:t>10-01-2024</a:t>
             </a:fld>
             <a:endParaRPr lang="en-IN"/>
           </a:p>
@@ -679,7 +679,7 @@
           <a:p>
             <a:fld id="{4967892D-CE2D-495A-A9CA-7CB88C831AAA}" type="datetimeFigureOut">
               <a:rPr lang="en-IN" smtClean="0"/>
-              <a:t>09-01-2024</a:t>
+              <a:t>10-01-2024</a:t>
             </a:fld>
             <a:endParaRPr lang="en-IN"/>
           </a:p>
@@ -879,7 +879,7 @@
           <a:p>
             <a:fld id="{4967892D-CE2D-495A-A9CA-7CB88C831AAA}" type="datetimeFigureOut">
               <a:rPr lang="en-IN" smtClean="0"/>
-              <a:t>09-01-2024</a:t>
+              <a:t>10-01-2024</a:t>
             </a:fld>
             <a:endParaRPr lang="en-IN"/>
           </a:p>
@@ -1155,7 +1155,7 @@
           <a:p>
             <a:fld id="{4967892D-CE2D-495A-A9CA-7CB88C831AAA}" type="datetimeFigureOut">
               <a:rPr lang="en-IN" smtClean="0"/>
-              <a:t>09-01-2024</a:t>
+              <a:t>10-01-2024</a:t>
             </a:fld>
             <a:endParaRPr lang="en-IN"/>
           </a:p>
@@ -1423,7 +1423,7 @@
           <a:p>
             <a:fld id="{4967892D-CE2D-495A-A9CA-7CB88C831AAA}" type="datetimeFigureOut">
               <a:rPr lang="en-IN" smtClean="0"/>
-              <a:t>09-01-2024</a:t>
+              <a:t>10-01-2024</a:t>
             </a:fld>
             <a:endParaRPr lang="en-IN"/>
           </a:p>
@@ -1838,7 +1838,7 @@
           <a:p>
             <a:fld id="{4967892D-CE2D-495A-A9CA-7CB88C831AAA}" type="datetimeFigureOut">
               <a:rPr lang="en-IN" smtClean="0"/>
-              <a:t>09-01-2024</a:t>
+              <a:t>10-01-2024</a:t>
             </a:fld>
             <a:endParaRPr lang="en-IN"/>
           </a:p>
@@ -1980,7 +1980,7 @@
           <a:p>
             <a:fld id="{4967892D-CE2D-495A-A9CA-7CB88C831AAA}" type="datetimeFigureOut">
               <a:rPr lang="en-IN" smtClean="0"/>
-              <a:t>09-01-2024</a:t>
+              <a:t>10-01-2024</a:t>
             </a:fld>
             <a:endParaRPr lang="en-IN"/>
           </a:p>
@@ -2093,7 +2093,7 @@
           <a:p>
             <a:fld id="{4967892D-CE2D-495A-A9CA-7CB88C831AAA}" type="datetimeFigureOut">
               <a:rPr lang="en-IN" smtClean="0"/>
-              <a:t>09-01-2024</a:t>
+              <a:t>10-01-2024</a:t>
             </a:fld>
             <a:endParaRPr lang="en-IN"/>
           </a:p>
@@ -2406,7 +2406,7 @@
           <a:p>
             <a:fld id="{4967892D-CE2D-495A-A9CA-7CB88C831AAA}" type="datetimeFigureOut">
               <a:rPr lang="en-IN" smtClean="0"/>
-              <a:t>09-01-2024</a:t>
+              <a:t>10-01-2024</a:t>
             </a:fld>
             <a:endParaRPr lang="en-IN"/>
           </a:p>
@@ -2695,7 +2695,7 @@
           <a:p>
             <a:fld id="{4967892D-CE2D-495A-A9CA-7CB88C831AAA}" type="datetimeFigureOut">
               <a:rPr lang="en-IN" smtClean="0"/>
-              <a:t>09-01-2024</a:t>
+              <a:t>10-01-2024</a:t>
             </a:fld>
             <a:endParaRPr lang="en-IN"/>
           </a:p>
@@ -2938,7 +2938,7 @@
           <a:p>
             <a:fld id="{4967892D-CE2D-495A-A9CA-7CB88C831AAA}" type="datetimeFigureOut">
               <a:rPr lang="en-IN" smtClean="0"/>
-              <a:t>09-01-2024</a:t>
+              <a:t>10-01-2024</a:t>
             </a:fld>
             <a:endParaRPr lang="en-IN"/>
           </a:p>
@@ -3525,8 +3525,8 @@
           </p:nvSpPr>
           <p:spPr>
             <a:xfrm>
-              <a:off x="3914386" y="838811"/>
-              <a:ext cx="5458002" cy="923330"/>
+              <a:off x="3914383" y="935340"/>
+              <a:ext cx="5458002" cy="830997"/>
             </a:xfrm>
             <a:prstGeom prst="rect">
               <a:avLst/>
@@ -3541,22 +3541,13 @@
             <a:p>
               <a:pPr algn="ctr"/>
               <a:r>
-                <a:rPr lang="en-US" sz="5400" dirty="0" err="1">
+                <a:rPr lang="en-US" sz="4800" dirty="0" err="1">
                   <a:solidFill>
-                    <a:srgbClr val="EEF4ED"/>
+                    <a:schemeClr val="bg1"/>
                   </a:solidFill>
-                  <a:latin typeface="Rockwell Extra Bold" panose="02060903040505020403" pitchFamily="18" charset="0"/>
+                  <a:latin typeface="Xbka" pitchFamily="50" charset="0"/>
                 </a:rPr>
-                <a:t>tek</a:t>
-              </a:r>
-              <a:r>
-                <a:rPr lang="en-US" sz="5400" dirty="0" err="1">
-                  <a:solidFill>
-                    <a:srgbClr val="EEF4ED"/>
-                  </a:solidFill>
-                  <a:latin typeface="Rockwell" panose="02060603020205020403" pitchFamily="18" charset="0"/>
-                </a:rPr>
-                <a:t>Medika</a:t>
+                <a:t>TekMedika</a:t>
               </a:r>
               <a:endParaRPr lang="en-IN" sz="4800" dirty="0">
                 <a:solidFill>
@@ -3799,8 +3790,8 @@
           </p:nvSpPr>
           <p:spPr>
             <a:xfrm>
-              <a:off x="3914386" y="838811"/>
-              <a:ext cx="5458002" cy="923330"/>
+              <a:off x="3914383" y="880615"/>
+              <a:ext cx="5458002" cy="830997"/>
             </a:xfrm>
             <a:prstGeom prst="rect">
               <a:avLst/>
@@ -3815,22 +3806,13 @@
             <a:p>
               <a:pPr algn="ctr"/>
               <a:r>
-                <a:rPr lang="en-US" sz="5400" dirty="0" err="1">
+                <a:rPr lang="en-US" sz="4800" dirty="0" err="1">
                   <a:solidFill>
-                    <a:srgbClr val="EEF4ED"/>
+                    <a:schemeClr val="bg1"/>
                   </a:solidFill>
-                  <a:latin typeface="Rockwell Extra Bold" panose="02060903040505020403" pitchFamily="18" charset="0"/>
+                  <a:latin typeface="Xbka" pitchFamily="50" charset="0"/>
                 </a:rPr>
-                <a:t>tek</a:t>
-              </a:r>
-              <a:r>
-                <a:rPr lang="en-US" sz="5400" dirty="0" err="1">
-                  <a:solidFill>
-                    <a:srgbClr val="EEF4ED"/>
-                  </a:solidFill>
-                  <a:latin typeface="Rockwell" panose="02060603020205020403" pitchFamily="18" charset="0"/>
-                </a:rPr>
-                <a:t>Medika</a:t>
+                <a:t>TekMedika</a:t>
               </a:r>
               <a:endParaRPr lang="en-IN" sz="4800" dirty="0">
                 <a:solidFill>
@@ -4073,8 +4055,8 @@
           </p:nvSpPr>
           <p:spPr>
             <a:xfrm>
-              <a:off x="3914386" y="838811"/>
-              <a:ext cx="5458002" cy="923330"/>
+              <a:off x="3914385" y="866922"/>
+              <a:ext cx="5458002" cy="830997"/>
             </a:xfrm>
             <a:prstGeom prst="rect">
               <a:avLst/>
@@ -4089,22 +4071,13 @@
             <a:p>
               <a:pPr algn="ctr"/>
               <a:r>
-                <a:rPr lang="en-US" sz="5400" dirty="0" err="1">
+                <a:rPr lang="en-US" sz="4800" dirty="0" err="1">
                   <a:solidFill>
-                    <a:srgbClr val="EEF4ED"/>
+                    <a:schemeClr val="bg1"/>
                   </a:solidFill>
-                  <a:latin typeface="Rockwell Extra Bold" panose="02060903040505020403" pitchFamily="18" charset="0"/>
+                  <a:latin typeface="Xbka" pitchFamily="50" charset="0"/>
                 </a:rPr>
-                <a:t>tek</a:t>
-              </a:r>
-              <a:r>
-                <a:rPr lang="en-US" sz="5400" dirty="0" err="1">
-                  <a:solidFill>
-                    <a:srgbClr val="EEF4ED"/>
-                  </a:solidFill>
-                  <a:latin typeface="Rockwell" panose="02060603020205020403" pitchFamily="18" charset="0"/>
-                </a:rPr>
-                <a:t>Medika</a:t>
+                <a:t>TekMedika</a:t>
               </a:r>
               <a:endParaRPr lang="en-IN" sz="4800" dirty="0">
                 <a:solidFill>
@@ -4377,8 +4350,8 @@
           </p:nvSpPr>
           <p:spPr>
             <a:xfrm>
-              <a:off x="3914386" y="838811"/>
-              <a:ext cx="5458002" cy="923330"/>
+              <a:off x="3914379" y="909647"/>
+              <a:ext cx="5458002" cy="830997"/>
             </a:xfrm>
             <a:prstGeom prst="rect">
               <a:avLst/>
@@ -4393,22 +4366,13 @@
             <a:p>
               <a:pPr algn="ctr"/>
               <a:r>
-                <a:rPr lang="en-US" sz="5400" dirty="0" err="1">
+                <a:rPr lang="en-US" sz="4800" dirty="0" err="1">
                   <a:solidFill>
-                    <a:srgbClr val="EEF4ED"/>
+                    <a:schemeClr val="bg1"/>
                   </a:solidFill>
-                  <a:latin typeface="Rockwell Extra Bold" panose="02060903040505020403" pitchFamily="18" charset="0"/>
+                  <a:latin typeface="Xbka" pitchFamily="50" charset="0"/>
                 </a:rPr>
-                <a:t>tek</a:t>
-              </a:r>
-              <a:r>
-                <a:rPr lang="en-US" sz="5400" dirty="0" err="1">
-                  <a:solidFill>
-                    <a:srgbClr val="EEF4ED"/>
-                  </a:solidFill>
-                  <a:latin typeface="Rockwell" panose="02060603020205020403" pitchFamily="18" charset="0"/>
-                </a:rPr>
-                <a:t>Medika</a:t>
+                <a:t>TekMedika</a:t>
               </a:r>
               <a:endParaRPr lang="en-IN" sz="4800" dirty="0">
                 <a:solidFill>
@@ -4651,8 +4615,8 @@
           </p:nvSpPr>
           <p:spPr>
             <a:xfrm>
-              <a:off x="3914386" y="838811"/>
-              <a:ext cx="5458002" cy="923330"/>
+              <a:off x="3914382" y="908213"/>
+              <a:ext cx="5458002" cy="830997"/>
             </a:xfrm>
             <a:prstGeom prst="rect">
               <a:avLst/>
@@ -4667,22 +4631,13 @@
             <a:p>
               <a:pPr algn="ctr"/>
               <a:r>
-                <a:rPr lang="en-US" sz="5400" dirty="0" err="1">
+                <a:rPr lang="en-US" sz="4800" dirty="0" err="1">
                   <a:solidFill>
-                    <a:srgbClr val="EEF4ED"/>
+                    <a:schemeClr val="bg1"/>
                   </a:solidFill>
-                  <a:latin typeface="Rockwell Extra Bold" panose="02060903040505020403" pitchFamily="18" charset="0"/>
+                  <a:latin typeface="Xbka" pitchFamily="50" charset="0"/>
                 </a:rPr>
-                <a:t>tek</a:t>
-              </a:r>
-              <a:r>
-                <a:rPr lang="en-US" sz="5400" dirty="0" err="1">
-                  <a:solidFill>
-                    <a:srgbClr val="EEF4ED"/>
-                  </a:solidFill>
-                  <a:latin typeface="Rockwell" panose="02060603020205020403" pitchFamily="18" charset="0"/>
-                </a:rPr>
-                <a:t>Medika</a:t>
+                <a:t>TekMedika</a:t>
               </a:r>
               <a:endParaRPr lang="en-IN" sz="4800" dirty="0">
                 <a:solidFill>
@@ -4769,10 +4724,10 @@
         </p:nvGrpSpPr>
         <p:grpSpPr>
           <a:xfrm>
-            <a:off x="2819601" y="4964141"/>
-            <a:ext cx="6552781" cy="1097650"/>
-            <a:chOff x="2932252" y="5589513"/>
-            <a:chExt cx="6552781" cy="1097650"/>
+            <a:off x="2819601" y="4967010"/>
+            <a:ext cx="6552781" cy="1094781"/>
+            <a:chOff x="2932252" y="5592382"/>
+            <a:chExt cx="6552781" cy="1094781"/>
           </a:xfrm>
         </p:grpSpPr>
         <p:pic>
@@ -4873,8 +4828,8 @@
           </p:nvSpPr>
           <p:spPr>
             <a:xfrm>
-              <a:off x="4027031" y="5589513"/>
-              <a:ext cx="5458002" cy="923330"/>
+              <a:off x="4027031" y="5658766"/>
+              <a:ext cx="5458002" cy="830997"/>
             </a:xfrm>
             <a:prstGeom prst="rect">
               <a:avLst/>
@@ -4889,22 +4844,13 @@
             <a:p>
               <a:pPr algn="ctr"/>
               <a:r>
-                <a:rPr lang="en-US" sz="5400" dirty="0" err="1">
+                <a:rPr lang="en-US" sz="4800" dirty="0" err="1">
                   <a:solidFill>
-                    <a:srgbClr val="EEF4ED"/>
+                    <a:schemeClr val="bg1"/>
                   </a:solidFill>
-                  <a:latin typeface="Rockwell Extra Bold" panose="02060903040505020403" pitchFamily="18" charset="0"/>
+                  <a:latin typeface="Xbka" pitchFamily="50" charset="0"/>
                 </a:rPr>
-                <a:t>tek</a:t>
-              </a:r>
-              <a:r>
-                <a:rPr lang="en-US" sz="5400" dirty="0" err="1">
-                  <a:solidFill>
-                    <a:srgbClr val="EEF4ED"/>
-                  </a:solidFill>
-                  <a:latin typeface="Rockwell" panose="02060603020205020403" pitchFamily="18" charset="0"/>
-                </a:rPr>
-                <a:t>Medika</a:t>
+                <a:t>TekMedika</a:t>
               </a:r>
               <a:endParaRPr lang="en-IN" sz="4800" dirty="0">
                 <a:solidFill>
@@ -5164,7 +5110,7 @@
             <p:spPr>
               <a:xfrm>
                 <a:off x="3914390" y="3745913"/>
-                <a:ext cx="3028524" cy="686044"/>
+                <a:ext cx="3028524" cy="617439"/>
               </a:xfrm>
               <a:prstGeom prst="rect">
                 <a:avLst/>
@@ -5179,22 +5125,13 @@
               <a:p>
                 <a:pPr algn="ctr"/>
                 <a:r>
-                  <a:rPr lang="en-US" sz="5400" dirty="0" err="1">
+                  <a:rPr lang="en-US" sz="4800" dirty="0" err="1">
                     <a:solidFill>
-                      <a:srgbClr val="EEF4ED"/>
+                      <a:schemeClr val="bg1"/>
                     </a:solidFill>
-                    <a:latin typeface="Rockwell Extra Bold" panose="02060903040505020403" pitchFamily="18" charset="0"/>
+                    <a:latin typeface="Xbka" pitchFamily="50" charset="0"/>
                   </a:rPr>
-                  <a:t>tek</a:t>
-                </a:r>
-                <a:r>
-                  <a:rPr lang="en-US" sz="5400" dirty="0" err="1">
-                    <a:solidFill>
-                      <a:srgbClr val="EEF4ED"/>
-                    </a:solidFill>
-                    <a:latin typeface="Rockwell" panose="02060603020205020403" pitchFamily="18" charset="0"/>
-                  </a:rPr>
-                  <a:t>Medika</a:t>
+                  <a:t>TekMedika</a:t>
                 </a:r>
                 <a:endParaRPr lang="en-IN" sz="4800" dirty="0">
                   <a:solidFill>
@@ -5425,7 +5362,7 @@
             <p:spPr>
               <a:xfrm>
                 <a:off x="3914390" y="3745913"/>
-                <a:ext cx="3028524" cy="686044"/>
+                <a:ext cx="3028524" cy="617439"/>
               </a:xfrm>
               <a:prstGeom prst="rect">
                 <a:avLst/>
@@ -5440,22 +5377,13 @@
               <a:p>
                 <a:pPr algn="ctr"/>
                 <a:r>
-                  <a:rPr lang="en-US" sz="5400" dirty="0" err="1">
+                  <a:rPr lang="en-US" sz="4800" dirty="0" err="1">
                     <a:solidFill>
-                      <a:srgbClr val="EEF4ED"/>
+                      <a:schemeClr val="bg1"/>
                     </a:solidFill>
-                    <a:latin typeface="Rockwell Extra Bold" panose="02060903040505020403" pitchFamily="18" charset="0"/>
+                    <a:latin typeface="Xbka" pitchFamily="50" charset="0"/>
                   </a:rPr>
-                  <a:t>tek</a:t>
-                </a:r>
-                <a:r>
-                  <a:rPr lang="en-US" sz="5400" dirty="0" err="1">
-                    <a:solidFill>
-                      <a:srgbClr val="EEF4ED"/>
-                    </a:solidFill>
-                    <a:latin typeface="Rockwell" panose="02060603020205020403" pitchFamily="18" charset="0"/>
-                  </a:rPr>
-                  <a:t>Medika</a:t>
+                  <a:t>TekMedika</a:t>
                 </a:r>
                 <a:endParaRPr lang="en-IN" sz="4800" dirty="0">
                   <a:solidFill>
@@ -5686,7 +5614,7 @@
             <p:spPr>
               <a:xfrm>
                 <a:off x="3914390" y="3745913"/>
-                <a:ext cx="3028524" cy="686044"/>
+                <a:ext cx="3028524" cy="617439"/>
               </a:xfrm>
               <a:prstGeom prst="rect">
                 <a:avLst/>
@@ -5701,22 +5629,13 @@
               <a:p>
                 <a:pPr algn="ctr"/>
                 <a:r>
-                  <a:rPr lang="en-US" sz="5400" dirty="0" err="1">
+                  <a:rPr lang="en-US" sz="4800" dirty="0" err="1">
                     <a:solidFill>
-                      <a:srgbClr val="EEF4ED"/>
+                      <a:schemeClr val="bg1"/>
                     </a:solidFill>
-                    <a:latin typeface="Rockwell Extra Bold" panose="02060903040505020403" pitchFamily="18" charset="0"/>
+                    <a:latin typeface="Xbka" pitchFamily="50" charset="0"/>
                   </a:rPr>
-                  <a:t>tek</a:t>
-                </a:r>
-                <a:r>
-                  <a:rPr lang="en-US" sz="5400" dirty="0" err="1">
-                    <a:solidFill>
-                      <a:srgbClr val="EEF4ED"/>
-                    </a:solidFill>
-                    <a:latin typeface="Rockwell" panose="02060603020205020403" pitchFamily="18" charset="0"/>
-                  </a:rPr>
-                  <a:t>Medika</a:t>
+                  <a:t>TekMedika</a:t>
                 </a:r>
                 <a:endParaRPr lang="en-IN" sz="4800" dirty="0">
                   <a:solidFill>

--- a/common/img/Logo.pptx
+++ b/common/img/Logo.pptx
@@ -6,14 +6,13 @@
   </p:sldMasterIdLst>
   <p:sldIdLst>
     <p:sldId id="260" r:id="rId2"/>
-    <p:sldId id="267" r:id="rId3"/>
-    <p:sldId id="268" r:id="rId4"/>
-    <p:sldId id="266" r:id="rId5"/>
-    <p:sldId id="263" r:id="rId6"/>
-    <p:sldId id="264" r:id="rId7"/>
-    <p:sldId id="265" r:id="rId8"/>
-    <p:sldId id="261" r:id="rId9"/>
-    <p:sldId id="259" r:id="rId10"/>
+    <p:sldId id="268" r:id="rId3"/>
+    <p:sldId id="266" r:id="rId4"/>
+    <p:sldId id="263" r:id="rId5"/>
+    <p:sldId id="264" r:id="rId6"/>
+    <p:sldId id="265" r:id="rId7"/>
+    <p:sldId id="261" r:id="rId8"/>
+    <p:sldId id="259" r:id="rId9"/>
   </p:sldIdLst>
   <p:sldSz cx="12192000" cy="6858000"/>
   <p:notesSz cx="6858000" cy="9144000"/>
@@ -3357,10 +3356,10 @@
       </p:grpSpPr>
       <p:grpSp>
         <p:nvGrpSpPr>
-          <p:cNvPr id="51" name="Group 50">
-            <a:extLst>
-              <a:ext uri="{FF2B5EF4-FFF2-40B4-BE49-F238E27FC236}">
-                <a16:creationId xmlns:a16="http://schemas.microsoft.com/office/drawing/2014/main" id="{F70CA307-B570-F110-E460-B1010D9A7ADD}"/>
+          <p:cNvPr id="58" name="Group 57">
+            <a:extLst>
+              <a:ext uri="{FF2B5EF4-FFF2-40B4-BE49-F238E27FC236}">
+                <a16:creationId xmlns:a16="http://schemas.microsoft.com/office/drawing/2014/main" id="{58465A5A-9CD2-A4AF-6530-2674C2DF4581}"/>
               </a:ext>
             </a:extLst>
           </p:cNvPr>
@@ -3369,540 +3368,10 @@
         </p:nvGrpSpPr>
         <p:grpSpPr>
           <a:xfrm>
-            <a:off x="2819604" y="130925"/>
-            <a:ext cx="6552784" cy="1805536"/>
-            <a:chOff x="2819604" y="130925"/>
-            <a:chExt cx="6552784" cy="1805536"/>
-          </a:xfrm>
-        </p:grpSpPr>
-        <p:pic>
-          <p:nvPicPr>
-            <p:cNvPr id="26" name="Picture 25">
-              <a:extLst>
-                <a:ext uri="{FF2B5EF4-FFF2-40B4-BE49-F238E27FC236}">
-                  <a16:creationId xmlns:a16="http://schemas.microsoft.com/office/drawing/2014/main" id="{C9DDA8A0-94B0-6742-B0C8-61A9368B0518}"/>
-                </a:ext>
-              </a:extLst>
-            </p:cNvPr>
-            <p:cNvPicPr>
-              <a:picLocks noChangeAspect="1"/>
-            </p:cNvPicPr>
-            <p:nvPr/>
-          </p:nvPicPr>
-          <p:blipFill>
-            <a:blip r:embed="rId2"/>
-            <a:stretch>
-              <a:fillRect/>
-            </a:stretch>
-          </p:blipFill>
-          <p:spPr>
-            <a:xfrm>
-              <a:off x="2819607" y="841680"/>
-              <a:ext cx="1094780" cy="1094781"/>
-            </a:xfrm>
-            <a:prstGeom prst="rect">
-              <a:avLst/>
-            </a:prstGeom>
-          </p:spPr>
-        </p:pic>
-        <p:sp>
-          <p:nvSpPr>
-            <p:cNvPr id="35" name="Rectangle 34">
-              <a:extLst>
-                <a:ext uri="{FF2B5EF4-FFF2-40B4-BE49-F238E27FC236}">
-                  <a16:creationId xmlns:a16="http://schemas.microsoft.com/office/drawing/2014/main" id="{246C8107-3922-2394-EA70-4E4F7EE9AD63}"/>
-                </a:ext>
-              </a:extLst>
-            </p:cNvPr>
-            <p:cNvSpPr/>
-            <p:nvPr/>
-          </p:nvSpPr>
-          <p:spPr>
-            <a:xfrm>
-              <a:off x="2819605" y="234520"/>
-              <a:ext cx="6552783" cy="607309"/>
-            </a:xfrm>
-            <a:prstGeom prst="rect">
-              <a:avLst/>
-            </a:prstGeom>
-            <a:solidFill>
-              <a:srgbClr val="0D3E51"/>
-            </a:solidFill>
-            <a:ln>
-              <a:noFill/>
-            </a:ln>
-          </p:spPr>
-          <p:style>
-            <a:lnRef idx="2">
-              <a:schemeClr val="accent1">
-                <a:shade val="15000"/>
-              </a:schemeClr>
-            </a:lnRef>
-            <a:fillRef idx="1">
-              <a:schemeClr val="accent1"/>
-            </a:fillRef>
-            <a:effectRef idx="0">
-              <a:schemeClr val="accent1"/>
-            </a:effectRef>
-            <a:fontRef idx="minor">
-              <a:schemeClr val="lt1"/>
-            </a:fontRef>
-          </p:style>
-          <p:txBody>
-            <a:bodyPr rtlCol="0" anchor="ctr"/>
-            <a:lstStyle/>
-            <a:p>
-              <a:pPr algn="ctr"/>
-              <a:endParaRPr lang="en-IN"/>
-            </a:p>
-          </p:txBody>
-        </p:sp>
-        <p:sp>
-          <p:nvSpPr>
-            <p:cNvPr id="9" name="Rectangle 8">
-              <a:extLst>
-                <a:ext uri="{FF2B5EF4-FFF2-40B4-BE49-F238E27FC236}">
-                  <a16:creationId xmlns:a16="http://schemas.microsoft.com/office/drawing/2014/main" id="{9FCC845F-1106-5691-5BD0-1A5B88E09ABA}"/>
-                </a:ext>
-              </a:extLst>
-            </p:cNvPr>
-            <p:cNvSpPr>
-              <a:spLocks noChangeAspect="1"/>
-            </p:cNvSpPr>
-            <p:nvPr/>
-          </p:nvSpPr>
-          <p:spPr>
-            <a:xfrm>
-              <a:off x="3914386" y="841829"/>
-              <a:ext cx="5458002" cy="1094632"/>
-            </a:xfrm>
-            <a:prstGeom prst="rect">
-              <a:avLst/>
-            </a:prstGeom>
-            <a:solidFill>
-              <a:srgbClr val="5B7C99"/>
-            </a:solidFill>
-            <a:ln w="28575">
-              <a:noFill/>
-            </a:ln>
-          </p:spPr>
-          <p:style>
-            <a:lnRef idx="2">
-              <a:schemeClr val="accent1">
-                <a:shade val="15000"/>
-              </a:schemeClr>
-            </a:lnRef>
-            <a:fillRef idx="1">
-              <a:schemeClr val="accent1"/>
-            </a:fillRef>
-            <a:effectRef idx="0">
-              <a:schemeClr val="accent1"/>
-            </a:effectRef>
-            <a:fontRef idx="minor">
-              <a:schemeClr val="lt1"/>
-            </a:fontRef>
-          </p:style>
-          <p:txBody>
-            <a:bodyPr rtlCol="0" anchor="ctr"/>
-            <a:lstStyle/>
-            <a:p>
-              <a:pPr algn="ctr"/>
-              <a:endParaRPr lang="en-IN" dirty="0"/>
-            </a:p>
-          </p:txBody>
-        </p:sp>
-        <p:sp>
-          <p:nvSpPr>
-            <p:cNvPr id="11" name="TextBox 10">
-              <a:extLst>
-                <a:ext uri="{FF2B5EF4-FFF2-40B4-BE49-F238E27FC236}">
-                  <a16:creationId xmlns:a16="http://schemas.microsoft.com/office/drawing/2014/main" id="{EA906BE6-1FF2-F802-E2DA-655F33BA0B66}"/>
-                </a:ext>
-              </a:extLst>
-            </p:cNvPr>
-            <p:cNvSpPr txBox="1"/>
-            <p:nvPr/>
-          </p:nvSpPr>
-          <p:spPr>
-            <a:xfrm>
-              <a:off x="3914383" y="935340"/>
-              <a:ext cx="5458002" cy="830997"/>
-            </a:xfrm>
-            <a:prstGeom prst="rect">
-              <a:avLst/>
-            </a:prstGeom>
-            <a:noFill/>
-          </p:spPr>
-          <p:txBody>
-            <a:bodyPr wrap="square" rtlCol="0">
-              <a:spAutoFit/>
-            </a:bodyPr>
-            <a:lstStyle/>
-            <a:p>
-              <a:pPr algn="ctr"/>
-              <a:r>
-                <a:rPr lang="en-US" sz="4800" dirty="0" err="1">
-                  <a:solidFill>
-                    <a:schemeClr val="bg1"/>
-                  </a:solidFill>
-                  <a:latin typeface="Xbka" pitchFamily="50" charset="0"/>
-                </a:rPr>
-                <a:t>TekMedika</a:t>
-              </a:r>
-              <a:endParaRPr lang="en-IN" sz="4800" dirty="0">
-                <a:solidFill>
-                  <a:srgbClr val="EEF4ED"/>
-                </a:solidFill>
-                <a:latin typeface="Rockwell" panose="02060603020205020403" pitchFamily="18" charset="0"/>
-              </a:endParaRPr>
-            </a:p>
-          </p:txBody>
-        </p:sp>
-        <p:sp>
-          <p:nvSpPr>
-            <p:cNvPr id="16" name="TextBox 15">
-              <a:extLst>
-                <a:ext uri="{FF2B5EF4-FFF2-40B4-BE49-F238E27FC236}">
-                  <a16:creationId xmlns:a16="http://schemas.microsoft.com/office/drawing/2014/main" id="{2778DF63-4498-0961-AF10-B6A31C091514}"/>
-                </a:ext>
-              </a:extLst>
-            </p:cNvPr>
-            <p:cNvSpPr txBox="1"/>
-            <p:nvPr/>
-          </p:nvSpPr>
-          <p:spPr>
-            <a:xfrm>
-              <a:off x="2819604" y="130925"/>
-              <a:ext cx="6552781" cy="707886"/>
-            </a:xfrm>
-            <a:prstGeom prst="rect">
-              <a:avLst/>
-            </a:prstGeom>
-            <a:solidFill>
-              <a:srgbClr val="2C94BC"/>
-            </a:solidFill>
-            <a:ln w="28575">
-              <a:noFill/>
-            </a:ln>
-          </p:spPr>
-          <p:txBody>
-            <a:bodyPr wrap="square" rtlCol="0">
-              <a:spAutoFit/>
-            </a:bodyPr>
-            <a:lstStyle/>
-            <a:p>
-              <a:pPr algn="ctr"/>
-              <a:r>
-                <a:rPr lang="en-US" sz="4000" b="1" dirty="0">
-                  <a:solidFill>
-                    <a:srgbClr val="EEF4ED"/>
-                  </a:solidFill>
-                  <a:latin typeface="Cera Pro Medium" panose="00000600000000000000" pitchFamily="50" charset="0"/>
-                </a:rPr>
-                <a:t>INSPIRE-100 </a:t>
-              </a:r>
-              <a:r>
-                <a:rPr lang="en-US" sz="4000" i="1" dirty="0">
-                  <a:solidFill>
-                    <a:srgbClr val="EEF4ED"/>
-                  </a:solidFill>
-                  <a:latin typeface="Cera Pro Medium" panose="00000600000000000000" pitchFamily="50" charset="0"/>
-                </a:rPr>
-                <a:t>Web Applications</a:t>
-              </a:r>
-              <a:endParaRPr lang="en-IN" sz="4000" i="1" dirty="0">
-                <a:solidFill>
-                  <a:srgbClr val="EEF4ED"/>
-                </a:solidFill>
-                <a:latin typeface="Cera Pro Medium" panose="00000600000000000000" pitchFamily="50" charset="0"/>
-              </a:endParaRPr>
-            </a:p>
-          </p:txBody>
-        </p:sp>
-      </p:grpSp>
-      <p:grpSp>
-        <p:nvGrpSpPr>
-          <p:cNvPr id="52" name="Group 51">
-            <a:extLst>
-              <a:ext uri="{FF2B5EF4-FFF2-40B4-BE49-F238E27FC236}">
-                <a16:creationId xmlns:a16="http://schemas.microsoft.com/office/drawing/2014/main" id="{F8E8A685-6814-575D-58D3-1655CB02066B}"/>
-              </a:ext>
-            </a:extLst>
-          </p:cNvPr>
-          <p:cNvGrpSpPr/>
-          <p:nvPr/>
-        </p:nvGrpSpPr>
-        <p:grpSpPr>
-          <a:xfrm>
-            <a:off x="2819604" y="2271151"/>
-            <a:ext cx="6552784" cy="1805536"/>
-            <a:chOff x="2819604" y="130925"/>
-            <a:chExt cx="6552784" cy="1805536"/>
-          </a:xfrm>
-        </p:grpSpPr>
-        <p:pic>
-          <p:nvPicPr>
-            <p:cNvPr id="53" name="Picture 52">
-              <a:extLst>
-                <a:ext uri="{FF2B5EF4-FFF2-40B4-BE49-F238E27FC236}">
-                  <a16:creationId xmlns:a16="http://schemas.microsoft.com/office/drawing/2014/main" id="{9AF731A8-3FB1-09CC-ADCB-3A63F2EB5FD4}"/>
-                </a:ext>
-              </a:extLst>
-            </p:cNvPr>
-            <p:cNvPicPr>
-              <a:picLocks noChangeAspect="1"/>
-            </p:cNvPicPr>
-            <p:nvPr/>
-          </p:nvPicPr>
-          <p:blipFill>
-            <a:blip r:embed="rId2"/>
-            <a:stretch>
-              <a:fillRect/>
-            </a:stretch>
-          </p:blipFill>
-          <p:spPr>
-            <a:xfrm>
-              <a:off x="2819607" y="841680"/>
-              <a:ext cx="1094780" cy="1094781"/>
-            </a:xfrm>
-            <a:prstGeom prst="rect">
-              <a:avLst/>
-            </a:prstGeom>
-          </p:spPr>
-        </p:pic>
-        <p:sp>
-          <p:nvSpPr>
-            <p:cNvPr id="54" name="Rectangle 53">
-              <a:extLst>
-                <a:ext uri="{FF2B5EF4-FFF2-40B4-BE49-F238E27FC236}">
-                  <a16:creationId xmlns:a16="http://schemas.microsoft.com/office/drawing/2014/main" id="{1EE30CE6-09B1-67AC-7E57-334FE2FEA27A}"/>
-                </a:ext>
-              </a:extLst>
-            </p:cNvPr>
-            <p:cNvSpPr/>
-            <p:nvPr/>
-          </p:nvSpPr>
-          <p:spPr>
-            <a:xfrm>
-              <a:off x="2819605" y="234520"/>
-              <a:ext cx="6552783" cy="607309"/>
-            </a:xfrm>
-            <a:prstGeom prst="rect">
-              <a:avLst/>
-            </a:prstGeom>
-            <a:solidFill>
-              <a:srgbClr val="0D3E51"/>
-            </a:solidFill>
-            <a:ln>
-              <a:noFill/>
-            </a:ln>
-          </p:spPr>
-          <p:style>
-            <a:lnRef idx="2">
-              <a:schemeClr val="accent1">
-                <a:shade val="15000"/>
-              </a:schemeClr>
-            </a:lnRef>
-            <a:fillRef idx="1">
-              <a:schemeClr val="accent1"/>
-            </a:fillRef>
-            <a:effectRef idx="0">
-              <a:schemeClr val="accent1"/>
-            </a:effectRef>
-            <a:fontRef idx="minor">
-              <a:schemeClr val="lt1"/>
-            </a:fontRef>
-          </p:style>
-          <p:txBody>
-            <a:bodyPr rtlCol="0" anchor="ctr"/>
-            <a:lstStyle/>
-            <a:p>
-              <a:pPr algn="ctr"/>
-              <a:endParaRPr lang="en-IN"/>
-            </a:p>
-          </p:txBody>
-        </p:sp>
-        <p:sp>
-          <p:nvSpPr>
-            <p:cNvPr id="55" name="Rectangle 54">
-              <a:extLst>
-                <a:ext uri="{FF2B5EF4-FFF2-40B4-BE49-F238E27FC236}">
-                  <a16:creationId xmlns:a16="http://schemas.microsoft.com/office/drawing/2014/main" id="{85B49DF7-A214-C486-2C99-187842BA787C}"/>
-                </a:ext>
-              </a:extLst>
-            </p:cNvPr>
-            <p:cNvSpPr>
-              <a:spLocks noChangeAspect="1"/>
-            </p:cNvSpPr>
-            <p:nvPr/>
-          </p:nvSpPr>
-          <p:spPr>
-            <a:xfrm>
-              <a:off x="3914386" y="841829"/>
-              <a:ext cx="5458002" cy="1094632"/>
-            </a:xfrm>
-            <a:prstGeom prst="rect">
-              <a:avLst/>
-            </a:prstGeom>
-            <a:solidFill>
-              <a:srgbClr val="5B7C99"/>
-            </a:solidFill>
-            <a:ln w="28575">
-              <a:noFill/>
-            </a:ln>
-          </p:spPr>
-          <p:style>
-            <a:lnRef idx="2">
-              <a:schemeClr val="accent1">
-                <a:shade val="15000"/>
-              </a:schemeClr>
-            </a:lnRef>
-            <a:fillRef idx="1">
-              <a:schemeClr val="accent1"/>
-            </a:fillRef>
-            <a:effectRef idx="0">
-              <a:schemeClr val="accent1"/>
-            </a:effectRef>
-            <a:fontRef idx="minor">
-              <a:schemeClr val="lt1"/>
-            </a:fontRef>
-          </p:style>
-          <p:txBody>
-            <a:bodyPr rtlCol="0" anchor="ctr"/>
-            <a:lstStyle/>
-            <a:p>
-              <a:pPr algn="ctr"/>
-              <a:endParaRPr lang="en-IN" dirty="0"/>
-            </a:p>
-          </p:txBody>
-        </p:sp>
-        <p:sp>
-          <p:nvSpPr>
-            <p:cNvPr id="56" name="TextBox 55">
-              <a:extLst>
-                <a:ext uri="{FF2B5EF4-FFF2-40B4-BE49-F238E27FC236}">
-                  <a16:creationId xmlns:a16="http://schemas.microsoft.com/office/drawing/2014/main" id="{B8942939-9FFF-4904-025B-5B8185E32EB4}"/>
-                </a:ext>
-              </a:extLst>
-            </p:cNvPr>
-            <p:cNvSpPr txBox="1"/>
-            <p:nvPr/>
-          </p:nvSpPr>
-          <p:spPr>
-            <a:xfrm>
-              <a:off x="3914383" y="880615"/>
-              <a:ext cx="5458002" cy="830997"/>
-            </a:xfrm>
-            <a:prstGeom prst="rect">
-              <a:avLst/>
-            </a:prstGeom>
-            <a:noFill/>
-          </p:spPr>
-          <p:txBody>
-            <a:bodyPr wrap="square" rtlCol="0">
-              <a:spAutoFit/>
-            </a:bodyPr>
-            <a:lstStyle/>
-            <a:p>
-              <a:pPr algn="ctr"/>
-              <a:r>
-                <a:rPr lang="en-US" sz="4800" dirty="0" err="1">
-                  <a:solidFill>
-                    <a:schemeClr val="bg1"/>
-                  </a:solidFill>
-                  <a:latin typeface="Xbka" pitchFamily="50" charset="0"/>
-                </a:rPr>
-                <a:t>TekMedika</a:t>
-              </a:r>
-              <a:endParaRPr lang="en-IN" sz="4800" dirty="0">
-                <a:solidFill>
-                  <a:srgbClr val="EEF4ED"/>
-                </a:solidFill>
-                <a:latin typeface="Rockwell" panose="02060603020205020403" pitchFamily="18" charset="0"/>
-              </a:endParaRPr>
-            </a:p>
-          </p:txBody>
-        </p:sp>
-        <p:sp>
-          <p:nvSpPr>
-            <p:cNvPr id="57" name="TextBox 56">
-              <a:extLst>
-                <a:ext uri="{FF2B5EF4-FFF2-40B4-BE49-F238E27FC236}">
-                  <a16:creationId xmlns:a16="http://schemas.microsoft.com/office/drawing/2014/main" id="{BDB379CC-A5B8-E7DB-BBB5-0FFC818BDD96}"/>
-                </a:ext>
-              </a:extLst>
-            </p:cNvPr>
-            <p:cNvSpPr txBox="1"/>
-            <p:nvPr/>
-          </p:nvSpPr>
-          <p:spPr>
-            <a:xfrm>
-              <a:off x="2819604" y="130925"/>
-              <a:ext cx="6552781" cy="707886"/>
-            </a:xfrm>
-            <a:prstGeom prst="rect">
-              <a:avLst/>
-            </a:prstGeom>
-            <a:solidFill>
-              <a:srgbClr val="2C94BC"/>
-            </a:solidFill>
-            <a:ln w="28575">
-              <a:noFill/>
-            </a:ln>
-          </p:spPr>
-          <p:txBody>
-            <a:bodyPr wrap="square" rtlCol="0">
-              <a:spAutoFit/>
-            </a:bodyPr>
-            <a:lstStyle/>
-            <a:p>
-              <a:pPr algn="ctr"/>
-              <a:r>
-                <a:rPr lang="en-US" sz="4000" b="1" dirty="0">
-                  <a:solidFill>
-                    <a:srgbClr val="EEF4ED"/>
-                  </a:solidFill>
-                  <a:latin typeface="Cera Pro Medium" panose="00000600000000000000" pitchFamily="50" charset="0"/>
-                </a:rPr>
-                <a:t>INSPIRE-100               </a:t>
-              </a:r>
-              <a:r>
-                <a:rPr lang="en-US" sz="4000" i="1" dirty="0">
-                  <a:solidFill>
-                    <a:srgbClr val="EEF4ED"/>
-                  </a:solidFill>
-                  <a:latin typeface="Cera Pro Medium" panose="00000600000000000000" pitchFamily="50" charset="0"/>
-                </a:rPr>
-                <a:t>Firmware</a:t>
-              </a:r>
-              <a:endParaRPr lang="en-IN" sz="4000" i="1" dirty="0">
-                <a:solidFill>
-                  <a:srgbClr val="EEF4ED"/>
-                </a:solidFill>
-                <a:latin typeface="Cera Pro Medium" panose="00000600000000000000" pitchFamily="50" charset="0"/>
-              </a:endParaRPr>
-            </a:p>
-          </p:txBody>
-        </p:sp>
-      </p:grpSp>
-      <p:grpSp>
-        <p:nvGrpSpPr>
-          <p:cNvPr id="58" name="Group 57">
-            <a:extLst>
-              <a:ext uri="{FF2B5EF4-FFF2-40B4-BE49-F238E27FC236}">
-                <a16:creationId xmlns:a16="http://schemas.microsoft.com/office/drawing/2014/main" id="{58465A5A-9CD2-A4AF-6530-2674C2DF4581}"/>
-              </a:ext>
-            </a:extLst>
-          </p:cNvPr>
-          <p:cNvGrpSpPr/>
-          <p:nvPr/>
-        </p:nvGrpSpPr>
-        <p:grpSpPr>
-          <a:xfrm>
-            <a:off x="2819601" y="4408359"/>
-            <a:ext cx="6552784" cy="1805536"/>
-            <a:chOff x="2819604" y="130925"/>
-            <a:chExt cx="6552784" cy="1805536"/>
+            <a:off x="2819592" y="1700509"/>
+            <a:ext cx="5458014" cy="1728491"/>
+            <a:chOff x="2819607" y="207970"/>
+            <a:chExt cx="5458014" cy="1728491"/>
           </a:xfrm>
         </p:grpSpPr>
         <p:pic>
@@ -3937,58 +3406,6 @@
         </p:pic>
         <p:sp>
           <p:nvSpPr>
-            <p:cNvPr id="60" name="Rectangle 59">
-              <a:extLst>
-                <a:ext uri="{FF2B5EF4-FFF2-40B4-BE49-F238E27FC236}">
-                  <a16:creationId xmlns:a16="http://schemas.microsoft.com/office/drawing/2014/main" id="{DC3F2677-6545-2B0A-2F31-069403BD323A}"/>
-                </a:ext>
-              </a:extLst>
-            </p:cNvPr>
-            <p:cNvSpPr/>
-            <p:nvPr/>
-          </p:nvSpPr>
-          <p:spPr>
-            <a:xfrm>
-              <a:off x="2819605" y="234520"/>
-              <a:ext cx="6552783" cy="607309"/>
-            </a:xfrm>
-            <a:prstGeom prst="rect">
-              <a:avLst/>
-            </a:prstGeom>
-            <a:solidFill>
-              <a:srgbClr val="0D3E51"/>
-            </a:solidFill>
-            <a:ln>
-              <a:noFill/>
-            </a:ln>
-          </p:spPr>
-          <p:style>
-            <a:lnRef idx="2">
-              <a:schemeClr val="accent1">
-                <a:shade val="15000"/>
-              </a:schemeClr>
-            </a:lnRef>
-            <a:fillRef idx="1">
-              <a:schemeClr val="accent1"/>
-            </a:fillRef>
-            <a:effectRef idx="0">
-              <a:schemeClr val="accent1"/>
-            </a:effectRef>
-            <a:fontRef idx="minor">
-              <a:schemeClr val="lt1"/>
-            </a:fontRef>
-          </p:style>
-          <p:txBody>
-            <a:bodyPr rtlCol="0" anchor="ctr"/>
-            <a:lstStyle/>
-            <a:p>
-              <a:pPr algn="ctr"/>
-              <a:endParaRPr lang="en-IN"/>
-            </a:p>
-          </p:txBody>
-        </p:sp>
-        <p:sp>
-          <p:nvSpPr>
             <p:cNvPr id="61" name="Rectangle 60">
               <a:extLst>
                 <a:ext uri="{FF2B5EF4-FFF2-40B4-BE49-F238E27FC236}">
@@ -4004,7 +3421,7 @@
           <p:spPr>
             <a:xfrm>
               <a:off x="3914386" y="841829"/>
-              <a:ext cx="5458002" cy="1094632"/>
+              <a:ext cx="4363235" cy="1094632"/>
             </a:xfrm>
             <a:prstGeom prst="rect">
               <a:avLst/>
@@ -4056,7 +3473,7 @@
           <p:spPr>
             <a:xfrm>
               <a:off x="3914385" y="866922"/>
-              <a:ext cx="5458002" cy="830997"/>
+              <a:ext cx="4363236" cy="830997"/>
             </a:xfrm>
             <a:prstGeom prst="rect">
               <a:avLst/>
@@ -4102,8 +3519,8 @@
           </p:nvSpPr>
           <p:spPr>
             <a:xfrm>
-              <a:off x="2819604" y="130925"/>
-              <a:ext cx="6552781" cy="707886"/>
+              <a:off x="2819607" y="207970"/>
+              <a:ext cx="5458002" cy="584775"/>
             </a:xfrm>
             <a:prstGeom prst="rect">
               <a:avLst/>
@@ -4123,16 +3540,16 @@
             <a:p>
               <a:pPr algn="ctr"/>
               <a:r>
-                <a:rPr lang="en-US" sz="4000" b="1" dirty="0">
+                <a:rPr lang="en-US" sz="3200" b="1" dirty="0">
                   <a:solidFill>
                     <a:srgbClr val="EEF4ED"/>
                   </a:solidFill>
                   <a:latin typeface="Cera Pro Medium" panose="00000600000000000000" pitchFamily="50" charset="0"/>
                 </a:rPr>
-                <a:t>INSPIRE-100    </a:t>
+                <a:t>INSPIRE-100  </a:t>
               </a:r>
               <a:r>
-                <a:rPr lang="en-US" sz="4000" i="1" dirty="0">
+                <a:rPr lang="en-US" sz="3200" i="1" dirty="0">
                   <a:solidFill>
                     <a:srgbClr val="EEF4ED"/>
                   </a:solidFill>
@@ -4140,302 +3557,7 @@
                 </a:rPr>
                 <a:t>Documentation</a:t>
               </a:r>
-              <a:endParaRPr lang="en-IN" sz="4000" i="1" dirty="0">
-                <a:solidFill>
-                  <a:srgbClr val="EEF4ED"/>
-                </a:solidFill>
-                <a:latin typeface="Cera Pro Medium" panose="00000600000000000000" pitchFamily="50" charset="0"/>
-              </a:endParaRPr>
-            </a:p>
-          </p:txBody>
-        </p:sp>
-      </p:grpSp>
-    </p:spTree>
-    <p:extLst>
-      <p:ext uri="{BB962C8B-B14F-4D97-AF65-F5344CB8AC3E}">
-        <p14:creationId xmlns:p14="http://schemas.microsoft.com/office/powerpoint/2010/main" val="1887048"/>
-      </p:ext>
-    </p:extLst>
-  </p:cSld>
-  <p:clrMapOvr>
-    <a:masterClrMapping/>
-  </p:clrMapOvr>
-</p:sld>
-</file>
-
-<file path=ppt/slides/slide2.xml><?xml version="1.0" encoding="utf-8"?>
-<p:sld xmlns:a="http://schemas.openxmlformats.org/drawingml/2006/main" xmlns:r="http://schemas.openxmlformats.org/officeDocument/2006/relationships" xmlns:p="http://schemas.openxmlformats.org/presentationml/2006/main">
-  <p:cSld>
-    <p:spTree>
-      <p:nvGrpSpPr>
-        <p:cNvPr id="1" name=""/>
-        <p:cNvGrpSpPr/>
-        <p:nvPr/>
-      </p:nvGrpSpPr>
-      <p:grpSpPr>
-        <a:xfrm>
-          <a:off x="0" y="0"/>
-          <a:ext cx="0" cy="0"/>
-          <a:chOff x="0" y="0"/>
-          <a:chExt cx="0" cy="0"/>
-        </a:xfrm>
-      </p:grpSpPr>
-      <p:grpSp>
-        <p:nvGrpSpPr>
-          <p:cNvPr id="24" name="Group 23">
-            <a:extLst>
-              <a:ext uri="{FF2B5EF4-FFF2-40B4-BE49-F238E27FC236}">
-                <a16:creationId xmlns:a16="http://schemas.microsoft.com/office/drawing/2014/main" id="{B236847F-412A-34C4-B5F4-039F21BCCB1B}"/>
-              </a:ext>
-            </a:extLst>
-          </p:cNvPr>
-          <p:cNvGrpSpPr/>
-          <p:nvPr/>
-        </p:nvGrpSpPr>
-        <p:grpSpPr>
-          <a:xfrm>
-            <a:off x="2819605" y="683281"/>
-            <a:ext cx="6552784" cy="1805536"/>
-            <a:chOff x="2819604" y="130925"/>
-            <a:chExt cx="6552784" cy="1805536"/>
-          </a:xfrm>
-        </p:grpSpPr>
-        <p:pic>
-          <p:nvPicPr>
-            <p:cNvPr id="25" name="Picture 24">
-              <a:extLst>
-                <a:ext uri="{FF2B5EF4-FFF2-40B4-BE49-F238E27FC236}">
-                  <a16:creationId xmlns:a16="http://schemas.microsoft.com/office/drawing/2014/main" id="{1897D017-4841-1911-86D5-804734442DD5}"/>
-                </a:ext>
-              </a:extLst>
-            </p:cNvPr>
-            <p:cNvPicPr>
-              <a:picLocks noChangeAspect="1"/>
-            </p:cNvPicPr>
-            <p:nvPr/>
-          </p:nvPicPr>
-          <p:blipFill>
-            <a:blip r:embed="rId2"/>
-            <a:stretch>
-              <a:fillRect/>
-            </a:stretch>
-          </p:blipFill>
-          <p:spPr>
-            <a:xfrm>
-              <a:off x="2819607" y="841680"/>
-              <a:ext cx="1094780" cy="1094781"/>
-            </a:xfrm>
-            <a:prstGeom prst="rect">
-              <a:avLst/>
-            </a:prstGeom>
-          </p:spPr>
-        </p:pic>
-        <p:sp>
-          <p:nvSpPr>
-            <p:cNvPr id="26" name="Rectangle 25">
-              <a:extLst>
-                <a:ext uri="{FF2B5EF4-FFF2-40B4-BE49-F238E27FC236}">
-                  <a16:creationId xmlns:a16="http://schemas.microsoft.com/office/drawing/2014/main" id="{619B246F-F6EF-2739-0973-FFBBB0D0FFEF}"/>
-                </a:ext>
-              </a:extLst>
-            </p:cNvPr>
-            <p:cNvSpPr/>
-            <p:nvPr/>
-          </p:nvSpPr>
-          <p:spPr>
-            <a:xfrm>
-              <a:off x="2819605" y="234520"/>
-              <a:ext cx="6552783" cy="607309"/>
-            </a:xfrm>
-            <a:prstGeom prst="rect">
-              <a:avLst/>
-            </a:prstGeom>
-            <a:solidFill>
-              <a:srgbClr val="0D3E51"/>
-            </a:solidFill>
-            <a:ln>
-              <a:noFill/>
-            </a:ln>
-          </p:spPr>
-          <p:style>
-            <a:lnRef idx="2">
-              <a:schemeClr val="accent1">
-                <a:shade val="15000"/>
-              </a:schemeClr>
-            </a:lnRef>
-            <a:fillRef idx="1">
-              <a:schemeClr val="accent1"/>
-            </a:fillRef>
-            <a:effectRef idx="0">
-              <a:schemeClr val="accent1"/>
-            </a:effectRef>
-            <a:fontRef idx="minor">
-              <a:schemeClr val="lt1"/>
-            </a:fontRef>
-          </p:style>
-          <p:txBody>
-            <a:bodyPr rtlCol="0" anchor="ctr"/>
-            <a:lstStyle/>
-            <a:p>
-              <a:pPr algn="ctr"/>
-              <a:endParaRPr lang="en-IN"/>
-            </a:p>
-          </p:txBody>
-        </p:sp>
-        <p:sp>
-          <p:nvSpPr>
-            <p:cNvPr id="27" name="Rectangle 26">
-              <a:extLst>
-                <a:ext uri="{FF2B5EF4-FFF2-40B4-BE49-F238E27FC236}">
-                  <a16:creationId xmlns:a16="http://schemas.microsoft.com/office/drawing/2014/main" id="{E0840FEA-4121-A11F-D6A5-FA90350EA3F5}"/>
-                </a:ext>
-              </a:extLst>
-            </p:cNvPr>
-            <p:cNvSpPr>
-              <a:spLocks noChangeAspect="1"/>
-            </p:cNvSpPr>
-            <p:nvPr/>
-          </p:nvSpPr>
-          <p:spPr>
-            <a:xfrm>
-              <a:off x="3914386" y="841829"/>
-              <a:ext cx="5458002" cy="1094632"/>
-            </a:xfrm>
-            <a:prstGeom prst="rect">
-              <a:avLst/>
-            </a:prstGeom>
-            <a:solidFill>
-              <a:srgbClr val="5B7C99"/>
-            </a:solidFill>
-            <a:ln w="28575">
-              <a:noFill/>
-            </a:ln>
-          </p:spPr>
-          <p:style>
-            <a:lnRef idx="2">
-              <a:schemeClr val="accent1">
-                <a:shade val="15000"/>
-              </a:schemeClr>
-            </a:lnRef>
-            <a:fillRef idx="1">
-              <a:schemeClr val="accent1"/>
-            </a:fillRef>
-            <a:effectRef idx="0">
-              <a:schemeClr val="accent1"/>
-            </a:effectRef>
-            <a:fontRef idx="minor">
-              <a:schemeClr val="lt1"/>
-            </a:fontRef>
-          </p:style>
-          <p:txBody>
-            <a:bodyPr rtlCol="0" anchor="ctr"/>
-            <a:lstStyle/>
-            <a:p>
-              <a:pPr algn="ctr"/>
-              <a:endParaRPr lang="en-IN" dirty="0"/>
-            </a:p>
-          </p:txBody>
-        </p:sp>
-        <p:sp>
-          <p:nvSpPr>
-            <p:cNvPr id="28" name="TextBox 27">
-              <a:extLst>
-                <a:ext uri="{FF2B5EF4-FFF2-40B4-BE49-F238E27FC236}">
-                  <a16:creationId xmlns:a16="http://schemas.microsoft.com/office/drawing/2014/main" id="{C0562E71-86DB-290E-5EF3-7E442B71E32F}"/>
-                </a:ext>
-              </a:extLst>
-            </p:cNvPr>
-            <p:cNvSpPr txBox="1"/>
-            <p:nvPr/>
-          </p:nvSpPr>
-          <p:spPr>
-            <a:xfrm>
-              <a:off x="3914379" y="909647"/>
-              <a:ext cx="5458002" cy="830997"/>
-            </a:xfrm>
-            <a:prstGeom prst="rect">
-              <a:avLst/>
-            </a:prstGeom>
-            <a:noFill/>
-          </p:spPr>
-          <p:txBody>
-            <a:bodyPr wrap="square" rtlCol="0">
-              <a:spAutoFit/>
-            </a:bodyPr>
-            <a:lstStyle/>
-            <a:p>
-              <a:pPr algn="ctr"/>
-              <a:r>
-                <a:rPr lang="en-US" sz="4800" dirty="0" err="1">
-                  <a:solidFill>
-                    <a:schemeClr val="bg1"/>
-                  </a:solidFill>
-                  <a:latin typeface="Xbka" pitchFamily="50" charset="0"/>
-                </a:rPr>
-                <a:t>TekMedika</a:t>
-              </a:r>
-              <a:endParaRPr lang="en-IN" sz="4800" dirty="0">
-                <a:solidFill>
-                  <a:srgbClr val="EEF4ED"/>
-                </a:solidFill>
-                <a:latin typeface="Rockwell" panose="02060603020205020403" pitchFamily="18" charset="0"/>
-              </a:endParaRPr>
-            </a:p>
-          </p:txBody>
-        </p:sp>
-        <p:sp>
-          <p:nvSpPr>
-            <p:cNvPr id="29" name="TextBox 28">
-              <a:extLst>
-                <a:ext uri="{FF2B5EF4-FFF2-40B4-BE49-F238E27FC236}">
-                  <a16:creationId xmlns:a16="http://schemas.microsoft.com/office/drawing/2014/main" id="{90721170-51D0-FEC8-4ED8-60E134103EF2}"/>
-                </a:ext>
-              </a:extLst>
-            </p:cNvPr>
-            <p:cNvSpPr txBox="1"/>
-            <p:nvPr/>
-          </p:nvSpPr>
-          <p:spPr>
-            <a:xfrm>
-              <a:off x="2819604" y="130925"/>
-              <a:ext cx="6552781" cy="707886"/>
-            </a:xfrm>
-            <a:prstGeom prst="rect">
-              <a:avLst/>
-            </a:prstGeom>
-            <a:solidFill>
-              <a:srgbClr val="2C94BC"/>
-            </a:solidFill>
-            <a:ln w="28575">
-              <a:noFill/>
-            </a:ln>
-          </p:spPr>
-          <p:txBody>
-            <a:bodyPr wrap="square" rtlCol="0">
-              <a:spAutoFit/>
-            </a:bodyPr>
-            <a:lstStyle/>
-            <a:p>
-              <a:pPr algn="ctr"/>
-              <a:r>
-                <a:rPr lang="en-US" sz="4000" b="1" dirty="0">
-                  <a:solidFill>
-                    <a:srgbClr val="EEF4ED"/>
-                  </a:solidFill>
-                  <a:latin typeface="Cera Pro Medium" panose="00000600000000000000" pitchFamily="50" charset="0"/>
-                </a:rPr>
-                <a:t>INSPIRE-100    </a:t>
-              </a:r>
-              <a:r>
-                <a:rPr lang="en-US" sz="4000" i="1" dirty="0">
-                  <a:solidFill>
-                    <a:srgbClr val="EEF4ED"/>
-                  </a:solidFill>
-                  <a:latin typeface="Cera Pro Medium" panose="00000600000000000000" pitchFamily="50" charset="0"/>
-                </a:rPr>
-                <a:t>FiO2 Calculator</a:t>
-              </a:r>
-              <a:endParaRPr lang="en-IN" sz="4000" i="1" dirty="0">
+              <a:endParaRPr lang="en-IN" sz="3200" i="1" dirty="0">
                 <a:solidFill>
                   <a:srgbClr val="EEF4ED"/>
                 </a:solidFill>
@@ -4447,10 +3569,10 @@
       </p:grpSp>
       <p:grpSp>
         <p:nvGrpSpPr>
-          <p:cNvPr id="36" name="Group 35">
-            <a:extLst>
-              <a:ext uri="{FF2B5EF4-FFF2-40B4-BE49-F238E27FC236}">
-                <a16:creationId xmlns:a16="http://schemas.microsoft.com/office/drawing/2014/main" id="{FB673BEE-D7A9-9199-714A-7D9E38A28D90}"/>
+          <p:cNvPr id="2" name="Group 1">
+            <a:extLst>
+              <a:ext uri="{FF2B5EF4-FFF2-40B4-BE49-F238E27FC236}">
+                <a16:creationId xmlns:a16="http://schemas.microsoft.com/office/drawing/2014/main" id="{1BFFA86A-EE80-C3EB-41FC-ABF592C932A2}"/>
               </a:ext>
             </a:extLst>
           </p:cNvPr>
@@ -4459,275 +3581,10 @@
         </p:nvGrpSpPr>
         <p:grpSpPr>
           <a:xfrm>
-            <a:off x="2819602" y="2719242"/>
-            <a:ext cx="6552784" cy="1805536"/>
-            <a:chOff x="2819604" y="130925"/>
-            <a:chExt cx="6552784" cy="1805536"/>
-          </a:xfrm>
-        </p:grpSpPr>
-        <p:pic>
-          <p:nvPicPr>
-            <p:cNvPr id="37" name="Picture 36">
-              <a:extLst>
-                <a:ext uri="{FF2B5EF4-FFF2-40B4-BE49-F238E27FC236}">
-                  <a16:creationId xmlns:a16="http://schemas.microsoft.com/office/drawing/2014/main" id="{9CD38CCC-C875-0E24-B0B4-9D468B7FB530}"/>
-                </a:ext>
-              </a:extLst>
-            </p:cNvPr>
-            <p:cNvPicPr>
-              <a:picLocks noChangeAspect="1"/>
-            </p:cNvPicPr>
-            <p:nvPr/>
-          </p:nvPicPr>
-          <p:blipFill>
-            <a:blip r:embed="rId2"/>
-            <a:stretch>
-              <a:fillRect/>
-            </a:stretch>
-          </p:blipFill>
-          <p:spPr>
-            <a:xfrm>
-              <a:off x="2819607" y="841680"/>
-              <a:ext cx="1094780" cy="1094781"/>
-            </a:xfrm>
-            <a:prstGeom prst="rect">
-              <a:avLst/>
-            </a:prstGeom>
-          </p:spPr>
-        </p:pic>
-        <p:sp>
-          <p:nvSpPr>
-            <p:cNvPr id="38" name="Rectangle 37">
-              <a:extLst>
-                <a:ext uri="{FF2B5EF4-FFF2-40B4-BE49-F238E27FC236}">
-                  <a16:creationId xmlns:a16="http://schemas.microsoft.com/office/drawing/2014/main" id="{8C8D13D5-5C71-5CEB-C8C7-C492486FB542}"/>
-                </a:ext>
-              </a:extLst>
-            </p:cNvPr>
-            <p:cNvSpPr/>
-            <p:nvPr/>
-          </p:nvSpPr>
-          <p:spPr>
-            <a:xfrm>
-              <a:off x="2819605" y="234520"/>
-              <a:ext cx="6552783" cy="607309"/>
-            </a:xfrm>
-            <a:prstGeom prst="rect">
-              <a:avLst/>
-            </a:prstGeom>
-            <a:solidFill>
-              <a:srgbClr val="0D3E51"/>
-            </a:solidFill>
-            <a:ln>
-              <a:noFill/>
-            </a:ln>
-          </p:spPr>
-          <p:style>
-            <a:lnRef idx="2">
-              <a:schemeClr val="accent1">
-                <a:shade val="15000"/>
-              </a:schemeClr>
-            </a:lnRef>
-            <a:fillRef idx="1">
-              <a:schemeClr val="accent1"/>
-            </a:fillRef>
-            <a:effectRef idx="0">
-              <a:schemeClr val="accent1"/>
-            </a:effectRef>
-            <a:fontRef idx="minor">
-              <a:schemeClr val="lt1"/>
-            </a:fontRef>
-          </p:style>
-          <p:txBody>
-            <a:bodyPr rtlCol="0" anchor="ctr"/>
-            <a:lstStyle/>
-            <a:p>
-              <a:pPr algn="ctr"/>
-              <a:endParaRPr lang="en-IN"/>
-            </a:p>
-          </p:txBody>
-        </p:sp>
-        <p:sp>
-          <p:nvSpPr>
-            <p:cNvPr id="39" name="Rectangle 38">
-              <a:extLst>
-                <a:ext uri="{FF2B5EF4-FFF2-40B4-BE49-F238E27FC236}">
-                  <a16:creationId xmlns:a16="http://schemas.microsoft.com/office/drawing/2014/main" id="{3AF023FF-6FEF-2AD1-3CED-6DA857D519E9}"/>
-                </a:ext>
-              </a:extLst>
-            </p:cNvPr>
-            <p:cNvSpPr>
-              <a:spLocks noChangeAspect="1"/>
-            </p:cNvSpPr>
-            <p:nvPr/>
-          </p:nvSpPr>
-          <p:spPr>
-            <a:xfrm>
-              <a:off x="3914386" y="841829"/>
-              <a:ext cx="5458002" cy="1094632"/>
-            </a:xfrm>
-            <a:prstGeom prst="rect">
-              <a:avLst/>
-            </a:prstGeom>
-            <a:solidFill>
-              <a:srgbClr val="5B7C99"/>
-            </a:solidFill>
-            <a:ln w="28575">
-              <a:noFill/>
-            </a:ln>
-          </p:spPr>
-          <p:style>
-            <a:lnRef idx="2">
-              <a:schemeClr val="accent1">
-                <a:shade val="15000"/>
-              </a:schemeClr>
-            </a:lnRef>
-            <a:fillRef idx="1">
-              <a:schemeClr val="accent1"/>
-            </a:fillRef>
-            <a:effectRef idx="0">
-              <a:schemeClr val="accent1"/>
-            </a:effectRef>
-            <a:fontRef idx="minor">
-              <a:schemeClr val="lt1"/>
-            </a:fontRef>
-          </p:style>
-          <p:txBody>
-            <a:bodyPr rtlCol="0" anchor="ctr"/>
-            <a:lstStyle/>
-            <a:p>
-              <a:pPr algn="ctr"/>
-              <a:endParaRPr lang="en-IN" dirty="0"/>
-            </a:p>
-          </p:txBody>
-        </p:sp>
-        <p:sp>
-          <p:nvSpPr>
-            <p:cNvPr id="40" name="TextBox 39">
-              <a:extLst>
-                <a:ext uri="{FF2B5EF4-FFF2-40B4-BE49-F238E27FC236}">
-                  <a16:creationId xmlns:a16="http://schemas.microsoft.com/office/drawing/2014/main" id="{CE2B2EB7-7595-9D13-E347-0795E2EEC125}"/>
-                </a:ext>
-              </a:extLst>
-            </p:cNvPr>
-            <p:cNvSpPr txBox="1"/>
-            <p:nvPr/>
-          </p:nvSpPr>
-          <p:spPr>
-            <a:xfrm>
-              <a:off x="3914382" y="908213"/>
-              <a:ext cx="5458002" cy="830997"/>
-            </a:xfrm>
-            <a:prstGeom prst="rect">
-              <a:avLst/>
-            </a:prstGeom>
-            <a:noFill/>
-          </p:spPr>
-          <p:txBody>
-            <a:bodyPr wrap="square" rtlCol="0">
-              <a:spAutoFit/>
-            </a:bodyPr>
-            <a:lstStyle/>
-            <a:p>
-              <a:pPr algn="ctr"/>
-              <a:r>
-                <a:rPr lang="en-US" sz="4800" dirty="0" err="1">
-                  <a:solidFill>
-                    <a:schemeClr val="bg1"/>
-                  </a:solidFill>
-                  <a:latin typeface="Xbka" pitchFamily="50" charset="0"/>
-                </a:rPr>
-                <a:t>TekMedika</a:t>
-              </a:r>
-              <a:endParaRPr lang="en-IN" sz="4800" dirty="0">
-                <a:solidFill>
-                  <a:srgbClr val="EEF4ED"/>
-                </a:solidFill>
-                <a:latin typeface="Rockwell" panose="02060603020205020403" pitchFamily="18" charset="0"/>
-              </a:endParaRPr>
-            </a:p>
-          </p:txBody>
-        </p:sp>
-        <p:sp>
-          <p:nvSpPr>
-            <p:cNvPr id="41" name="TextBox 40">
-              <a:extLst>
-                <a:ext uri="{FF2B5EF4-FFF2-40B4-BE49-F238E27FC236}">
-                  <a16:creationId xmlns:a16="http://schemas.microsoft.com/office/drawing/2014/main" id="{83CB3C2F-8192-46A5-37FF-7CA30DBED553}"/>
-                </a:ext>
-              </a:extLst>
-            </p:cNvPr>
-            <p:cNvSpPr txBox="1"/>
-            <p:nvPr/>
-          </p:nvSpPr>
-          <p:spPr>
-            <a:xfrm>
-              <a:off x="2819604" y="130925"/>
-              <a:ext cx="6552781" cy="707886"/>
-            </a:xfrm>
-            <a:prstGeom prst="rect">
-              <a:avLst/>
-            </a:prstGeom>
-            <a:solidFill>
-              <a:srgbClr val="2C94BC"/>
-            </a:solidFill>
-            <a:ln w="28575">
-              <a:noFill/>
-            </a:ln>
-          </p:spPr>
-          <p:txBody>
-            <a:bodyPr wrap="square" rtlCol="0">
-              <a:spAutoFit/>
-            </a:bodyPr>
-            <a:lstStyle/>
-            <a:p>
-              <a:pPr algn="ctr"/>
-              <a:r>
-                <a:rPr lang="en-US" sz="4000" b="1" dirty="0">
-                  <a:solidFill>
-                    <a:srgbClr val="EEF4ED"/>
-                  </a:solidFill>
-                  <a:latin typeface="Cera Pro Medium" panose="00000600000000000000" pitchFamily="50" charset="0"/>
-                </a:rPr>
-                <a:t>INSPIRE-100    </a:t>
-              </a:r>
-              <a:r>
-                <a:rPr lang="en-US" sz="4000" i="1" dirty="0">
-                  <a:solidFill>
-                    <a:srgbClr val="EEF4ED"/>
-                  </a:solidFill>
-                  <a:latin typeface="Cera Pro Medium" panose="00000600000000000000" pitchFamily="50" charset="0"/>
-                </a:rPr>
-                <a:t>PSV Calculator</a:t>
-              </a:r>
-              <a:endParaRPr lang="en-IN" sz="4000" i="1" dirty="0">
-                <a:solidFill>
-                  <a:srgbClr val="EEF4ED"/>
-                </a:solidFill>
-                <a:latin typeface="Cera Pro Medium" panose="00000600000000000000" pitchFamily="50" charset="0"/>
-              </a:endParaRPr>
-            </a:p>
-          </p:txBody>
-        </p:sp>
-      </p:grpSp>
-      <p:grpSp>
-        <p:nvGrpSpPr>
-          <p:cNvPr id="8" name="Group 7">
-            <a:extLst>
-              <a:ext uri="{FF2B5EF4-FFF2-40B4-BE49-F238E27FC236}">
-                <a16:creationId xmlns:a16="http://schemas.microsoft.com/office/drawing/2014/main" id="{706C15C4-345E-952D-DE66-F1FDBC599C83}"/>
-              </a:ext>
-            </a:extLst>
-          </p:cNvPr>
-          <p:cNvGrpSpPr/>
-          <p:nvPr/>
-        </p:nvGrpSpPr>
-        <p:grpSpPr>
-          <a:xfrm>
-            <a:off x="2819601" y="4967010"/>
-            <a:ext cx="6552781" cy="1094781"/>
-            <a:chOff x="2932252" y="5592382"/>
-            <a:chExt cx="6552781" cy="1094781"/>
+            <a:off x="2695329" y="335256"/>
+            <a:ext cx="5582277" cy="1094781"/>
+            <a:chOff x="2819601" y="4967010"/>
+            <a:chExt cx="5582277" cy="1094781"/>
           </a:xfrm>
         </p:grpSpPr>
         <p:pic>
@@ -4752,7 +3609,7 @@
           </p:blipFill>
           <p:spPr>
             <a:xfrm>
-              <a:off x="2932252" y="5592382"/>
+              <a:off x="2819601" y="4967010"/>
               <a:ext cx="1094780" cy="1094781"/>
             </a:xfrm>
             <a:prstGeom prst="rect">
@@ -4776,8 +3633,8 @@
           </p:nvSpPr>
           <p:spPr>
             <a:xfrm>
-              <a:off x="4027031" y="5592531"/>
-              <a:ext cx="5458002" cy="1094632"/>
+              <a:off x="3914380" y="4967159"/>
+              <a:ext cx="4487498" cy="1094632"/>
             </a:xfrm>
             <a:prstGeom prst="rect">
               <a:avLst/>
@@ -4828,8 +3685,8 @@
           </p:nvSpPr>
           <p:spPr>
             <a:xfrm>
-              <a:off x="4027031" y="5658766"/>
-              <a:ext cx="5458002" cy="830997"/>
+              <a:off x="3914380" y="5033394"/>
+              <a:ext cx="4487498" cy="830997"/>
             </a:xfrm>
             <a:prstGeom prst="rect">
               <a:avLst/>
@@ -4865,7 +3722,7 @@
     </p:spTree>
     <p:extLst>
       <p:ext uri="{BB962C8B-B14F-4D97-AF65-F5344CB8AC3E}">
-        <p14:creationId xmlns:p14="http://schemas.microsoft.com/office/powerpoint/2010/main" val="917225869"/>
+        <p14:creationId xmlns:p14="http://schemas.microsoft.com/office/powerpoint/2010/main" val="1887048"/>
       </p:ext>
     </p:extLst>
   </p:cSld>
@@ -4875,7 +3732,7 @@
 </p:sld>
 </file>
 
-<file path=ppt/slides/slide3.xml><?xml version="1.0" encoding="utf-8"?>
+<file path=ppt/slides/slide2.xml><?xml version="1.0" encoding="utf-8"?>
 <p:sld xmlns:a="http://schemas.openxmlformats.org/drawingml/2006/main" xmlns:r="http://schemas.openxmlformats.org/officeDocument/2006/relationships" xmlns:p="http://schemas.openxmlformats.org/presentationml/2006/main">
   <p:cSld>
     <p:spTree>
@@ -5661,7 +4518,7 @@
 </p:sld>
 </file>
 
-<file path=ppt/slides/slide4.xml><?xml version="1.0" encoding="utf-8"?>
+<file path=ppt/slides/slide3.xml><?xml version="1.0" encoding="utf-8"?>
 <p:sld xmlns:a="http://schemas.openxmlformats.org/drawingml/2006/main" xmlns:r="http://schemas.openxmlformats.org/officeDocument/2006/relationships" xmlns:p="http://schemas.openxmlformats.org/presentationml/2006/main">
   <p:cSld>
     <p:spTree>
@@ -6378,7 +5235,7 @@
 </p:sld>
 </file>
 
-<file path=ppt/slides/slide5.xml><?xml version="1.0" encoding="utf-8"?>
+<file path=ppt/slides/slide4.xml><?xml version="1.0" encoding="utf-8"?>
 <p:sld xmlns:a="http://schemas.openxmlformats.org/drawingml/2006/main" xmlns:r="http://schemas.openxmlformats.org/officeDocument/2006/relationships" xmlns:p="http://schemas.openxmlformats.org/presentationml/2006/main">
   <p:cSld>
     <p:spTree>
@@ -6893,7 +5750,7 @@
 </p:sld>
 </file>
 
-<file path=ppt/slides/slide6.xml><?xml version="1.0" encoding="utf-8"?>
+<file path=ppt/slides/slide5.xml><?xml version="1.0" encoding="utf-8"?>
 <p:sld xmlns:a="http://schemas.openxmlformats.org/drawingml/2006/main" xmlns:r="http://schemas.openxmlformats.org/officeDocument/2006/relationships" xmlns:p="http://schemas.openxmlformats.org/presentationml/2006/main">
   <p:cSld>
     <p:spTree>
@@ -7646,7 +6503,7 @@
 </p:sld>
 </file>
 
-<file path=ppt/slides/slide7.xml><?xml version="1.0" encoding="utf-8"?>
+<file path=ppt/slides/slide6.xml><?xml version="1.0" encoding="utf-8"?>
 <p:sld xmlns:a="http://schemas.openxmlformats.org/drawingml/2006/main" xmlns:r="http://schemas.openxmlformats.org/officeDocument/2006/relationships" xmlns:p="http://schemas.openxmlformats.org/presentationml/2006/main">
   <p:cSld>
     <p:spTree>
@@ -8363,7 +7220,7 @@
 </p:sld>
 </file>
 
-<file path=ppt/slides/slide8.xml><?xml version="1.0" encoding="utf-8"?>
+<file path=ppt/slides/slide7.xml><?xml version="1.0" encoding="utf-8"?>
 <p:sld xmlns:a="http://schemas.openxmlformats.org/drawingml/2006/main" xmlns:r="http://schemas.openxmlformats.org/officeDocument/2006/relationships" xmlns:p="http://schemas.openxmlformats.org/presentationml/2006/main">
   <p:cSld>
     <p:spTree>
@@ -9295,7 +8152,7 @@
 </p:sld>
 </file>
 
-<file path=ppt/slides/slide9.xml><?xml version="1.0" encoding="utf-8"?>
+<file path=ppt/slides/slide8.xml><?xml version="1.0" encoding="utf-8"?>
 <p:sld xmlns:a="http://schemas.openxmlformats.org/drawingml/2006/main" xmlns:r="http://schemas.openxmlformats.org/officeDocument/2006/relationships" xmlns:p="http://schemas.openxmlformats.org/presentationml/2006/main">
   <p:cSld>
     <p:spTree>
